--- a/images/theory_analysis/Ceph/Ceph.pptx
+++ b/images/theory_analysis/Ceph/Ceph.pptx
@@ -4779,7 +4779,7 @@
               <a:pPr algn="ctr"/>
               <a:r>
                 <a:rPr lang="en-US" altLang="ko-KR" sz="1400"/>
-                <a:t>RADOS GW</a:t>
+                <a:t>RADOS Gateway</a:t>
               </a:r>
               <a:endParaRPr lang="ko-KR" altLang="en-US" sz="1400"/>
             </a:p>
@@ -4950,7 +4950,7 @@
               <a:pPr algn="ctr"/>
               <a:r>
                 <a:rPr lang="en-US" altLang="ko-KR" sz="1400"/>
-                <a:t>Kernel</a:t>
+                <a:t>Linux Kernel</a:t>
               </a:r>
               <a:endParaRPr lang="ko-KR" altLang="en-US" sz="1400"/>
             </a:p>
@@ -5000,7 +5000,7 @@
               <a:pPr algn="ctr"/>
               <a:r>
                 <a:rPr lang="en-US" altLang="ko-KR" sz="1400"/>
-                <a:t>RDB Module</a:t>
+                <a:t>RBD Module</a:t>
               </a:r>
               <a:endParaRPr lang="ko-KR" altLang="en-US" sz="1400"/>
             </a:p>
@@ -5101,7 +5101,7 @@
             <a:pPr algn="ctr"/>
             <a:r>
               <a:rPr lang="en-US" altLang="ko-KR" sz="1200"/>
-              <a:t>LIBRDB</a:t>
+              <a:t>Librbd</a:t>
             </a:r>
             <a:endParaRPr lang="ko-KR" altLang="en-US" sz="1200"/>
           </a:p>
@@ -5221,7 +5221,7 @@
               <a:pPr algn="ctr"/>
               <a:r>
                 <a:rPr lang="en-US" altLang="ko-KR" sz="1400"/>
-                <a:t>Kernel</a:t>
+                <a:t>Linux Kernel</a:t>
               </a:r>
               <a:endParaRPr lang="ko-KR" altLang="en-US" sz="1400"/>
             </a:p>
@@ -5271,7 +5271,7 @@
               <a:pPr algn="ctr"/>
               <a:r>
                 <a:rPr lang="en-US" altLang="ko-KR" sz="1400"/>
-                <a:t>Ceph FS</a:t>
+                <a:t>Ceph Filesystem</a:t>
               </a:r>
               <a:endParaRPr lang="ko-KR" altLang="en-US" sz="1400"/>
             </a:p>
@@ -5536,8 +5536,8 @@
         </p:nvCxnSpPr>
         <p:spPr>
           <a:xfrm>
-            <a:off x="3711599" y="3196251"/>
-            <a:ext cx="0" cy="472553"/>
+            <a:off x="3711599" y="3119743"/>
+            <a:ext cx="0" cy="549061"/>
           </a:xfrm>
           <a:prstGeom prst="straightConnector1">
             <a:avLst/>
@@ -5765,7 +5765,7 @@
         </p:nvCxnSpPr>
         <p:spPr>
           <a:xfrm>
-            <a:off x="6519911" y="2295182"/>
+            <a:off x="6444208" y="2295182"/>
             <a:ext cx="0" cy="1365173"/>
           </a:xfrm>
           <a:prstGeom prst="straightConnector1">
@@ -5810,7 +5810,7 @@
         </p:nvCxnSpPr>
         <p:spPr>
           <a:xfrm>
-            <a:off x="6807943" y="3119743"/>
+            <a:off x="6660232" y="3119743"/>
             <a:ext cx="0" cy="540612"/>
           </a:xfrm>
           <a:prstGeom prst="straightConnector1">
@@ -5883,7 +5883,7 @@
             <a:pPr algn="ctr"/>
             <a:r>
               <a:rPr lang="en-US" altLang="ko-KR" sz="1200"/>
-              <a:t>LIBRADOS</a:t>
+              <a:t>Librados</a:t>
             </a:r>
             <a:endParaRPr lang="ko-KR" altLang="en-US" sz="1200"/>
           </a:p>

--- a/images/theory_analysis/Ceph/Ceph.pptx
+++ b/images/theory_analysis/Ceph/Ceph.pptx
@@ -213,7 +213,7 @@
           <a:p>
             <a:fld id="{6CD5550B-26C4-49A9-A5BA-636EF7BE6CE9}" type="datetimeFigureOut">
               <a:rPr lang="ko-KR" altLang="en-US" smtClean="0"/>
-              <a:t>2018-05-16</a:t>
+              <a:t>2018-05-18</a:t>
             </a:fld>
             <a:endParaRPr lang="ko-KR" altLang="en-US"/>
           </a:p>
@@ -759,7 +759,7 @@
           <a:p>
             <a:fld id="{FB30EDBD-1C2D-4C1E-B459-B60219FAB484}" type="datetimeFigureOut">
               <a:rPr lang="ko-KR" altLang="en-US" smtClean="0"/>
-              <a:t>2018-05-16</a:t>
+              <a:t>2018-05-18</a:t>
             </a:fld>
             <a:endParaRPr lang="ko-KR" altLang="en-US"/>
           </a:p>
@@ -922,7 +922,7 @@
           <a:p>
             <a:fld id="{FB30EDBD-1C2D-4C1E-B459-B60219FAB484}" type="datetimeFigureOut">
               <a:rPr lang="ko-KR" altLang="en-US" smtClean="0"/>
-              <a:t>2018-05-16</a:t>
+              <a:t>2018-05-18</a:t>
             </a:fld>
             <a:endParaRPr lang="ko-KR" altLang="en-US"/>
           </a:p>
@@ -1095,7 +1095,7 @@
           <a:p>
             <a:fld id="{FB30EDBD-1C2D-4C1E-B459-B60219FAB484}" type="datetimeFigureOut">
               <a:rPr lang="ko-KR" altLang="en-US" smtClean="0"/>
-              <a:t>2018-05-16</a:t>
+              <a:t>2018-05-18</a:t>
             </a:fld>
             <a:endParaRPr lang="ko-KR" altLang="en-US"/>
           </a:p>
@@ -1258,7 +1258,7 @@
           <a:p>
             <a:fld id="{FB30EDBD-1C2D-4C1E-B459-B60219FAB484}" type="datetimeFigureOut">
               <a:rPr lang="ko-KR" altLang="en-US" smtClean="0"/>
-              <a:t>2018-05-16</a:t>
+              <a:t>2018-05-18</a:t>
             </a:fld>
             <a:endParaRPr lang="ko-KR" altLang="en-US"/>
           </a:p>
@@ -1498,7 +1498,7 @@
           <a:p>
             <a:fld id="{FB30EDBD-1C2D-4C1E-B459-B60219FAB484}" type="datetimeFigureOut">
               <a:rPr lang="ko-KR" altLang="en-US" smtClean="0"/>
-              <a:t>2018-05-16</a:t>
+              <a:t>2018-05-18</a:t>
             </a:fld>
             <a:endParaRPr lang="ko-KR" altLang="en-US"/>
           </a:p>
@@ -1778,7 +1778,7 @@
           <a:p>
             <a:fld id="{FB30EDBD-1C2D-4C1E-B459-B60219FAB484}" type="datetimeFigureOut">
               <a:rPr lang="ko-KR" altLang="en-US" smtClean="0"/>
-              <a:t>2018-05-16</a:t>
+              <a:t>2018-05-18</a:t>
             </a:fld>
             <a:endParaRPr lang="ko-KR" altLang="en-US"/>
           </a:p>
@@ -2192,7 +2192,7 @@
           <a:p>
             <a:fld id="{FB30EDBD-1C2D-4C1E-B459-B60219FAB484}" type="datetimeFigureOut">
               <a:rPr lang="ko-KR" altLang="en-US" smtClean="0"/>
-              <a:t>2018-05-16</a:t>
+              <a:t>2018-05-18</a:t>
             </a:fld>
             <a:endParaRPr lang="ko-KR" altLang="en-US"/>
           </a:p>
@@ -2304,7 +2304,7 @@
           <a:p>
             <a:fld id="{FB30EDBD-1C2D-4C1E-B459-B60219FAB484}" type="datetimeFigureOut">
               <a:rPr lang="ko-KR" altLang="en-US" smtClean="0"/>
-              <a:t>2018-05-16</a:t>
+              <a:t>2018-05-18</a:t>
             </a:fld>
             <a:endParaRPr lang="ko-KR" altLang="en-US"/>
           </a:p>
@@ -2394,7 +2394,7 @@
           <a:p>
             <a:fld id="{FB30EDBD-1C2D-4C1E-B459-B60219FAB484}" type="datetimeFigureOut">
               <a:rPr lang="ko-KR" altLang="en-US" smtClean="0"/>
-              <a:t>2018-05-16</a:t>
+              <a:t>2018-05-18</a:t>
             </a:fld>
             <a:endParaRPr lang="ko-KR" altLang="en-US"/>
           </a:p>
@@ -2664,7 +2664,7 @@
           <a:p>
             <a:fld id="{FB30EDBD-1C2D-4C1E-B459-B60219FAB484}" type="datetimeFigureOut">
               <a:rPr lang="ko-KR" altLang="en-US" smtClean="0"/>
-              <a:t>2018-05-16</a:t>
+              <a:t>2018-05-18</a:t>
             </a:fld>
             <a:endParaRPr lang="ko-KR" altLang="en-US"/>
           </a:p>
@@ -2911,7 +2911,7 @@
           <a:p>
             <a:fld id="{FB30EDBD-1C2D-4C1E-B459-B60219FAB484}" type="datetimeFigureOut">
               <a:rPr lang="ko-KR" altLang="en-US" smtClean="0"/>
-              <a:t>2018-05-16</a:t>
+              <a:t>2018-05-18</a:t>
             </a:fld>
             <a:endParaRPr lang="ko-KR" altLang="en-US"/>
           </a:p>
@@ -3117,7 +3117,7 @@
           <a:p>
             <a:fld id="{FB30EDBD-1C2D-4C1E-B459-B60219FAB484}" type="datetimeFigureOut">
               <a:rPr lang="ko-KR" altLang="en-US" smtClean="0"/>
-              <a:t>2018-05-16</a:t>
+              <a:t>2018-05-18</a:t>
             </a:fld>
             <a:endParaRPr lang="ko-KR" altLang="en-US"/>
           </a:p>
@@ -5271,7 +5271,7 @@
               <a:pPr algn="ctr"/>
               <a:r>
                 <a:rPr lang="en-US" altLang="ko-KR" sz="1400"/>
-                <a:t>Ceph Filesystem</a:t>
+                <a:t>Ceph File System</a:t>
               </a:r>
               <a:endParaRPr lang="ko-KR" altLang="en-US" sz="1400"/>
             </a:p>

--- a/images/theory_analysis/Ceph/Ceph.pptx
+++ b/images/theory_analysis/Ceph/Ceph.pptx
@@ -217,7 +217,7 @@
           <a:p>
             <a:fld id="{6CD5550B-26C4-49A9-A5BA-636EF7BE6CE9}" type="datetimeFigureOut">
               <a:rPr lang="ko-KR" altLang="en-US" smtClean="0"/>
-              <a:t>2018-05-27</a:t>
+              <a:t>2018-05-30</a:t>
             </a:fld>
             <a:endParaRPr lang="ko-KR" altLang="en-US"/>
           </a:p>
@@ -1099,7 +1099,7 @@
           <a:p>
             <a:fld id="{FB30EDBD-1C2D-4C1E-B459-B60219FAB484}" type="datetimeFigureOut">
               <a:rPr lang="ko-KR" altLang="en-US" smtClean="0"/>
-              <a:t>2018-05-27</a:t>
+              <a:t>2018-05-30</a:t>
             </a:fld>
             <a:endParaRPr lang="ko-KR" altLang="en-US"/>
           </a:p>
@@ -1262,7 +1262,7 @@
           <a:p>
             <a:fld id="{FB30EDBD-1C2D-4C1E-B459-B60219FAB484}" type="datetimeFigureOut">
               <a:rPr lang="ko-KR" altLang="en-US" smtClean="0"/>
-              <a:t>2018-05-27</a:t>
+              <a:t>2018-05-30</a:t>
             </a:fld>
             <a:endParaRPr lang="ko-KR" altLang="en-US"/>
           </a:p>
@@ -1435,7 +1435,7 @@
           <a:p>
             <a:fld id="{FB30EDBD-1C2D-4C1E-B459-B60219FAB484}" type="datetimeFigureOut">
               <a:rPr lang="ko-KR" altLang="en-US" smtClean="0"/>
-              <a:t>2018-05-27</a:t>
+              <a:t>2018-05-30</a:t>
             </a:fld>
             <a:endParaRPr lang="ko-KR" altLang="en-US"/>
           </a:p>
@@ -1598,7 +1598,7 @@
           <a:p>
             <a:fld id="{FB30EDBD-1C2D-4C1E-B459-B60219FAB484}" type="datetimeFigureOut">
               <a:rPr lang="ko-KR" altLang="en-US" smtClean="0"/>
-              <a:t>2018-05-27</a:t>
+              <a:t>2018-05-30</a:t>
             </a:fld>
             <a:endParaRPr lang="ko-KR" altLang="en-US"/>
           </a:p>
@@ -1838,7 +1838,7 @@
           <a:p>
             <a:fld id="{FB30EDBD-1C2D-4C1E-B459-B60219FAB484}" type="datetimeFigureOut">
               <a:rPr lang="ko-KR" altLang="en-US" smtClean="0"/>
-              <a:t>2018-05-27</a:t>
+              <a:t>2018-05-30</a:t>
             </a:fld>
             <a:endParaRPr lang="ko-KR" altLang="en-US"/>
           </a:p>
@@ -2118,7 +2118,7 @@
           <a:p>
             <a:fld id="{FB30EDBD-1C2D-4C1E-B459-B60219FAB484}" type="datetimeFigureOut">
               <a:rPr lang="ko-KR" altLang="en-US" smtClean="0"/>
-              <a:t>2018-05-27</a:t>
+              <a:t>2018-05-30</a:t>
             </a:fld>
             <a:endParaRPr lang="ko-KR" altLang="en-US"/>
           </a:p>
@@ -2532,7 +2532,7 @@
           <a:p>
             <a:fld id="{FB30EDBD-1C2D-4C1E-B459-B60219FAB484}" type="datetimeFigureOut">
               <a:rPr lang="ko-KR" altLang="en-US" smtClean="0"/>
-              <a:t>2018-05-27</a:t>
+              <a:t>2018-05-30</a:t>
             </a:fld>
             <a:endParaRPr lang="ko-KR" altLang="en-US"/>
           </a:p>
@@ -2644,7 +2644,7 @@
           <a:p>
             <a:fld id="{FB30EDBD-1C2D-4C1E-B459-B60219FAB484}" type="datetimeFigureOut">
               <a:rPr lang="ko-KR" altLang="en-US" smtClean="0"/>
-              <a:t>2018-05-27</a:t>
+              <a:t>2018-05-30</a:t>
             </a:fld>
             <a:endParaRPr lang="ko-KR" altLang="en-US"/>
           </a:p>
@@ -2734,7 +2734,7 @@
           <a:p>
             <a:fld id="{FB30EDBD-1C2D-4C1E-B459-B60219FAB484}" type="datetimeFigureOut">
               <a:rPr lang="ko-KR" altLang="en-US" smtClean="0"/>
-              <a:t>2018-05-27</a:t>
+              <a:t>2018-05-30</a:t>
             </a:fld>
             <a:endParaRPr lang="ko-KR" altLang="en-US"/>
           </a:p>
@@ -3004,7 +3004,7 @@
           <a:p>
             <a:fld id="{FB30EDBD-1C2D-4C1E-B459-B60219FAB484}" type="datetimeFigureOut">
               <a:rPr lang="ko-KR" altLang="en-US" smtClean="0"/>
-              <a:t>2018-05-27</a:t>
+              <a:t>2018-05-30</a:t>
             </a:fld>
             <a:endParaRPr lang="ko-KR" altLang="en-US"/>
           </a:p>
@@ -3251,7 +3251,7 @@
           <a:p>
             <a:fld id="{FB30EDBD-1C2D-4C1E-B459-B60219FAB484}" type="datetimeFigureOut">
               <a:rPr lang="ko-KR" altLang="en-US" smtClean="0"/>
-              <a:t>2018-05-27</a:t>
+              <a:t>2018-05-30</a:t>
             </a:fld>
             <a:endParaRPr lang="ko-KR" altLang="en-US"/>
           </a:p>
@@ -3457,7 +3457,7 @@
           <a:p>
             <a:fld id="{FB30EDBD-1C2D-4C1E-B459-B60219FAB484}" type="datetimeFigureOut">
               <a:rPr lang="ko-KR" altLang="en-US" smtClean="0"/>
-              <a:t>2018-05-27</a:t>
+              <a:t>2018-05-30</a:t>
             </a:fld>
             <a:endParaRPr lang="ko-KR" altLang="en-US"/>
           </a:p>
@@ -10810,7 +10810,7 @@
             <a:pPr algn="ctr"/>
             <a:r>
               <a:rPr lang="en-US" altLang="ko-KR" sz="1400"/>
-              <a:t>Root</a:t>
+              <a:t>Root – 18.5</a:t>
             </a:r>
             <a:endParaRPr lang="ko-KR" altLang="en-US" sz="1400"/>
           </a:p>
@@ -10830,8 +10830,8 @@
         </p:nvSpPr>
         <p:spPr>
           <a:xfrm>
-            <a:off x="1475381" y="1303861"/>
-            <a:ext cx="1178383" cy="285463"/>
+            <a:off x="1351995" y="1303861"/>
+            <a:ext cx="1425156" cy="285463"/>
           </a:xfrm>
           <a:prstGeom prst="roundRect">
             <a:avLst>
@@ -10860,7 +10860,7 @@
             <a:pPr algn="ctr"/>
             <a:r>
               <a:rPr lang="en-US" altLang="ko-KR" sz="1400"/>
-              <a:t>Room</a:t>
+              <a:t>Room – 8 </a:t>
             </a:r>
             <a:endParaRPr lang="ko-KR" altLang="en-US" sz="1400"/>
           </a:p>
@@ -10910,7 +10910,7 @@
             <a:pPr algn="ctr"/>
             <a:r>
               <a:rPr lang="en-US" altLang="ko-KR" sz="1400"/>
-              <a:t>Rack</a:t>
+              <a:t>Rack – 4.5</a:t>
             </a:r>
             <a:endParaRPr lang="ko-KR" altLang="en-US" sz="1400"/>
           </a:p>
@@ -10981,8 +10981,8 @@
         </p:nvCxnSpPr>
         <p:spPr>
           <a:xfrm flipH="1">
-            <a:off x="971326" y="1589325"/>
-            <a:ext cx="1093247" cy="285463"/>
+            <a:off x="971326" y="1589324"/>
+            <a:ext cx="1093247" cy="285464"/>
           </a:xfrm>
           <a:prstGeom prst="line">
             <a:avLst/>
@@ -11027,8 +11027,8 @@
         </p:nvCxnSpPr>
         <p:spPr>
           <a:xfrm>
-            <a:off x="2064573" y="1589325"/>
-            <a:ext cx="1093248" cy="290891"/>
+            <a:off x="2064573" y="1589324"/>
+            <a:ext cx="1093248" cy="290892"/>
           </a:xfrm>
           <a:prstGeom prst="line">
             <a:avLst/>
@@ -11146,7 +11146,7 @@
             <a:pPr algn="ctr"/>
             <a:r>
               <a:rPr lang="en-US" altLang="ko-KR" sz="1400"/>
-              <a:t>Row </a:t>
+              <a:t>Row – 3  </a:t>
             </a:r>
             <a:endParaRPr lang="ko-KR" altLang="en-US" sz="1400"/>
           </a:p>
@@ -11196,7 +11196,7 @@
             <a:pPr algn="ctr"/>
             <a:r>
               <a:rPr lang="en-US" altLang="ko-KR" sz="1400"/>
-              <a:t>OSD</a:t>
+              <a:t>OSD – 2 </a:t>
             </a:r>
             <a:endParaRPr lang="ko-KR" altLang="en-US" sz="1400"/>
           </a:p>
@@ -11246,7 +11246,7 @@
             <a:pPr algn="ctr"/>
             <a:r>
               <a:rPr lang="en-US" altLang="ko-KR" sz="1400"/>
-              <a:t>OSD</a:t>
+              <a:t>OSD – 1 </a:t>
             </a:r>
             <a:endParaRPr lang="ko-KR" altLang="en-US" sz="1400"/>
           </a:p>
@@ -11433,7 +11433,7 @@
             <a:pPr algn="ctr"/>
             <a:r>
               <a:rPr lang="en-US" altLang="ko-KR" sz="1400"/>
-              <a:t>Row </a:t>
+              <a:t>Row – 1.5</a:t>
             </a:r>
             <a:endParaRPr lang="ko-KR" altLang="en-US" sz="1400"/>
           </a:p>
@@ -11483,7 +11483,7 @@
             <a:pPr algn="ctr"/>
             <a:r>
               <a:rPr lang="en-US" altLang="ko-KR" sz="1400"/>
-              <a:t>OSD</a:t>
+              <a:t>OSD – 0.5</a:t>
             </a:r>
             <a:endParaRPr lang="ko-KR" altLang="en-US" sz="1400"/>
           </a:p>
@@ -11533,7 +11533,7 @@
             <a:pPr algn="ctr"/>
             <a:r>
               <a:rPr lang="en-US" altLang="ko-KR" sz="1400"/>
-              <a:t>OSD</a:t>
+              <a:t>OSD – 1 </a:t>
             </a:r>
             <a:endParaRPr lang="ko-KR" altLang="en-US" sz="1400"/>
           </a:p>
@@ -11856,7 +11856,7 @@
             <a:pPr algn="ctr"/>
             <a:r>
               <a:rPr lang="en-US" altLang="ko-KR" sz="1400"/>
-              <a:t>Rack</a:t>
+              <a:t>Rack – 3.5</a:t>
             </a:r>
             <a:endParaRPr lang="ko-KR" altLang="en-US" sz="1400"/>
           </a:p>
@@ -11906,7 +11906,7 @@
             <a:pPr algn="ctr"/>
             <a:r>
               <a:rPr lang="en-US" altLang="ko-KR" sz="1400"/>
-              <a:t>Row </a:t>
+              <a:t>Row – 2.5 </a:t>
             </a:r>
             <a:endParaRPr lang="ko-KR" altLang="en-US" sz="1400"/>
           </a:p>
@@ -11956,7 +11956,7 @@
             <a:pPr algn="ctr"/>
             <a:r>
               <a:rPr lang="en-US" altLang="ko-KR" sz="1400"/>
-              <a:t>OSD</a:t>
+              <a:t>OSD – 2</a:t>
             </a:r>
             <a:endParaRPr lang="ko-KR" altLang="en-US" sz="1400"/>
           </a:p>
@@ -12006,7 +12006,7 @@
             <a:pPr algn="ctr"/>
             <a:r>
               <a:rPr lang="en-US" altLang="ko-KR" sz="1400"/>
-              <a:t>OSD</a:t>
+              <a:t>OSD – 0.5</a:t>
             </a:r>
             <a:endParaRPr lang="ko-KR" altLang="en-US" sz="1400"/>
           </a:p>
@@ -12193,7 +12193,7 @@
             <a:pPr algn="ctr"/>
             <a:r>
               <a:rPr lang="en-US" altLang="ko-KR" sz="1400"/>
-              <a:t>Row </a:t>
+              <a:t>Row – 1 </a:t>
             </a:r>
             <a:endParaRPr lang="ko-KR" altLang="en-US" sz="1400"/>
           </a:p>
@@ -12243,7 +12243,7 @@
             <a:pPr algn="ctr"/>
             <a:r>
               <a:rPr lang="en-US" altLang="ko-KR" sz="1400"/>
-              <a:t>OSD</a:t>
+              <a:t>OSD – 0.5</a:t>
             </a:r>
             <a:endParaRPr lang="ko-KR" altLang="en-US" sz="1400"/>
           </a:p>
@@ -12293,7 +12293,7 @@
             <a:pPr algn="ctr"/>
             <a:r>
               <a:rPr lang="en-US" altLang="ko-KR" sz="1400"/>
-              <a:t>OSD</a:t>
+              <a:t>OSD – 0.5</a:t>
             </a:r>
             <a:endParaRPr lang="ko-KR" altLang="en-US" sz="1400"/>
           </a:p>
@@ -12586,8 +12586,8 @@
         </p:nvSpPr>
         <p:spPr>
           <a:xfrm>
-            <a:off x="5991531" y="1303861"/>
-            <a:ext cx="1178383" cy="285463"/>
+            <a:off x="5868145" y="1303861"/>
+            <a:ext cx="1425156" cy="285463"/>
           </a:xfrm>
           <a:prstGeom prst="roundRect">
             <a:avLst>
@@ -12616,7 +12616,7 @@
             <a:pPr algn="ctr"/>
             <a:r>
               <a:rPr lang="en-US" altLang="ko-KR" sz="1400"/>
-              <a:t>Room</a:t>
+              <a:t>Room – 10.5</a:t>
             </a:r>
             <a:endParaRPr lang="ko-KR" altLang="en-US" sz="1400"/>
           </a:p>
@@ -12666,7 +12666,7 @@
             <a:pPr algn="ctr"/>
             <a:r>
               <a:rPr lang="en-US" altLang="ko-KR" sz="1400"/>
-              <a:t>Rack</a:t>
+              <a:t>Rack – 6 </a:t>
             </a:r>
             <a:endParaRPr lang="ko-KR" altLang="en-US" sz="1400"/>
           </a:p>
@@ -12690,8 +12690,8 @@
         </p:nvCxnSpPr>
         <p:spPr>
           <a:xfrm flipH="1">
-            <a:off x="5487476" y="1589325"/>
-            <a:ext cx="1093247" cy="285463"/>
+            <a:off x="5487476" y="1589324"/>
+            <a:ext cx="1093247" cy="285464"/>
           </a:xfrm>
           <a:prstGeom prst="line">
             <a:avLst/>
@@ -12736,8 +12736,8 @@
         </p:nvCxnSpPr>
         <p:spPr>
           <a:xfrm>
-            <a:off x="6580723" y="1589325"/>
-            <a:ext cx="1093248" cy="290891"/>
+            <a:off x="6580723" y="1589324"/>
+            <a:ext cx="1093248" cy="290892"/>
           </a:xfrm>
           <a:prstGeom prst="line">
             <a:avLst/>
@@ -12809,7 +12809,7 @@
             <a:pPr algn="ctr"/>
             <a:r>
               <a:rPr lang="en-US" altLang="ko-KR" sz="1400"/>
-              <a:t>Row </a:t>
+              <a:t>Row – 4 </a:t>
             </a:r>
             <a:endParaRPr lang="ko-KR" altLang="en-US" sz="1400"/>
           </a:p>
@@ -12859,7 +12859,7 @@
             <a:pPr algn="ctr"/>
             <a:r>
               <a:rPr lang="en-US" altLang="ko-KR" sz="1400"/>
-              <a:t>OSD</a:t>
+              <a:t>OSD – 2 </a:t>
             </a:r>
             <a:endParaRPr lang="ko-KR" altLang="en-US" sz="1400"/>
           </a:p>
@@ -12909,7 +12909,7 @@
             <a:pPr algn="ctr"/>
             <a:r>
               <a:rPr lang="en-US" altLang="ko-KR" sz="1400"/>
-              <a:t>OSD</a:t>
+              <a:t>OSD – 2 </a:t>
             </a:r>
             <a:endParaRPr lang="ko-KR" altLang="en-US" sz="1400"/>
           </a:p>
@@ -13096,7 +13096,7 @@
             <a:pPr algn="ctr"/>
             <a:r>
               <a:rPr lang="en-US" altLang="ko-KR" sz="1400"/>
-              <a:t>Row </a:t>
+              <a:t>Row – 2 </a:t>
             </a:r>
             <a:endParaRPr lang="ko-KR" altLang="en-US" sz="1400"/>
           </a:p>
@@ -13146,7 +13146,7 @@
             <a:pPr algn="ctr"/>
             <a:r>
               <a:rPr lang="en-US" altLang="ko-KR" sz="1400"/>
-              <a:t>OSD</a:t>
+              <a:t>OSD – 1 </a:t>
             </a:r>
             <a:endParaRPr lang="ko-KR" altLang="en-US" sz="1400"/>
           </a:p>
@@ -13196,7 +13196,7 @@
             <a:pPr algn="ctr"/>
             <a:r>
               <a:rPr lang="en-US" altLang="ko-KR" sz="1400"/>
-              <a:t>OSD</a:t>
+              <a:t>OSD – 1 </a:t>
             </a:r>
             <a:endParaRPr lang="ko-KR" altLang="en-US" sz="1400"/>
           </a:p>
@@ -13519,7 +13519,7 @@
             <a:pPr algn="ctr"/>
             <a:r>
               <a:rPr lang="en-US" altLang="ko-KR" sz="1400"/>
-              <a:t>Rack</a:t>
+              <a:t>Rack – 4.5</a:t>
             </a:r>
             <a:endParaRPr lang="ko-KR" altLang="en-US" sz="1400"/>
           </a:p>
@@ -13569,7 +13569,7 @@
             <a:pPr algn="ctr"/>
             <a:r>
               <a:rPr lang="en-US" altLang="ko-KR" sz="1400"/>
-              <a:t>Row </a:t>
+              <a:t>Row – 1 </a:t>
             </a:r>
             <a:endParaRPr lang="ko-KR" altLang="en-US" sz="1400"/>
           </a:p>
@@ -13619,7 +13619,7 @@
             <a:pPr algn="ctr"/>
             <a:r>
               <a:rPr lang="en-US" altLang="ko-KR" sz="1400"/>
-              <a:t>OSD</a:t>
+              <a:t>OSD – 0.5</a:t>
             </a:r>
             <a:endParaRPr lang="ko-KR" altLang="en-US" sz="1400"/>
           </a:p>
@@ -13669,7 +13669,7 @@
             <a:pPr algn="ctr"/>
             <a:r>
               <a:rPr lang="en-US" altLang="ko-KR" sz="1400"/>
-              <a:t>OSD</a:t>
+              <a:t>OSD – 0.5</a:t>
             </a:r>
             <a:endParaRPr lang="ko-KR" altLang="en-US" sz="1400"/>
           </a:p>
@@ -13856,7 +13856,7 @@
             <a:pPr algn="ctr"/>
             <a:r>
               <a:rPr lang="en-US" altLang="ko-KR" sz="1400"/>
-              <a:t>Row </a:t>
+              <a:t>Row – 3.5 </a:t>
             </a:r>
             <a:endParaRPr lang="ko-KR" altLang="en-US" sz="1400"/>
           </a:p>
@@ -13906,7 +13906,7 @@
             <a:pPr algn="ctr"/>
             <a:r>
               <a:rPr lang="en-US" altLang="ko-KR" sz="1400"/>
-              <a:t>OSD</a:t>
+              <a:t>OSD – 1 </a:t>
             </a:r>
             <a:endParaRPr lang="ko-KR" altLang="en-US" sz="1400"/>
           </a:p>
@@ -13956,7 +13956,7 @@
             <a:pPr algn="ctr"/>
             <a:r>
               <a:rPr lang="en-US" altLang="ko-KR" sz="1400"/>
-              <a:t>OSD</a:t>
+              <a:t>OSD – 2.5</a:t>
             </a:r>
             <a:endParaRPr lang="ko-KR" altLang="en-US" sz="1400"/>
           </a:p>
@@ -15123,10 +15123,22 @@
           <a:p>
             <a:pPr algn="ctr"/>
             <a:r>
-              <a:rPr lang="en-US" altLang="ko-KR" sz="1400" b="1"/>
+              <a:rPr lang="en-US" altLang="ko-KR" sz="1400" b="1">
+                <a:solidFill>
+                  <a:schemeClr val="accent2">
+                    <a:lumMod val="75000"/>
+                  </a:schemeClr>
+                </a:solidFill>
+              </a:rPr>
               <a:t>Read</a:t>
             </a:r>
-            <a:endParaRPr lang="ko-KR" altLang="en-US" sz="1400" b="1"/>
+            <a:endParaRPr lang="ko-KR" altLang="en-US" sz="1400" b="1">
+              <a:solidFill>
+                <a:schemeClr val="accent2">
+                  <a:lumMod val="75000"/>
+                </a:schemeClr>
+              </a:solidFill>
+            </a:endParaRPr>
           </a:p>
         </p:txBody>
       </p:sp>
@@ -15180,10 +15192,22 @@
           <a:p>
             <a:pPr algn="ctr"/>
             <a:r>
-              <a:rPr lang="en-US" altLang="ko-KR" sz="1400" b="1"/>
+              <a:rPr lang="en-US" altLang="ko-KR" sz="1400" b="1">
+                <a:solidFill>
+                  <a:schemeClr val="tx2">
+                    <a:lumMod val="75000"/>
+                  </a:schemeClr>
+                </a:solidFill>
+              </a:rPr>
               <a:t>Write</a:t>
             </a:r>
-            <a:endParaRPr lang="ko-KR" altLang="en-US" sz="1400" b="1"/>
+            <a:endParaRPr lang="ko-KR" altLang="en-US" sz="1400" b="1">
+              <a:solidFill>
+                <a:schemeClr val="tx2">
+                  <a:lumMod val="75000"/>
+                </a:schemeClr>
+              </a:solidFill>
+            </a:endParaRPr>
           </a:p>
         </p:txBody>
       </p:sp>

--- a/images/theory_analysis/Ceph/Ceph.pptx
+++ b/images/theory_analysis/Ceph/Ceph.pptx
@@ -113,7 +113,7 @@
   </p:defaultTextStyle>
   <p:extLst>
     <p:ext uri="{EFAFB233-063F-42B5-8137-9DF3F51BA10A}">
-      <p15:sldGuideLst xmlns:p15="http://schemas.microsoft.com/office/powerpoint/2012/main">
+      <p15:sldGuideLst xmlns:p15="http://schemas.microsoft.com/office/powerpoint/2012/main" xmlns="">
         <p15:guide id="1" orient="horz" pos="2160">
           <p15:clr>
             <a:srgbClr val="A4A3A4"/>
@@ -3862,7 +3862,7 @@
           <p:cNvPr id="2" name="사각형: 둥근 모서리 1">
             <a:extLst>
               <a:ext uri="{FF2B5EF4-FFF2-40B4-BE49-F238E27FC236}">
-                <a16:creationId xmlns:a16="http://schemas.microsoft.com/office/drawing/2014/main" id="{94AD1969-6C52-40FA-907F-881ABB47B8B4}"/>
+                <a16:creationId xmlns:a16="http://schemas.microsoft.com/office/drawing/2014/main" xmlns="" id="{94AD1969-6C52-40FA-907F-881ABB47B8B4}"/>
               </a:ext>
             </a:extLst>
           </p:cNvPr>
@@ -3912,7 +3912,7 @@
           <p:cNvPr id="16" name="사각형: 둥근 모서리 15">
             <a:extLst>
               <a:ext uri="{FF2B5EF4-FFF2-40B4-BE49-F238E27FC236}">
-                <a16:creationId xmlns:a16="http://schemas.microsoft.com/office/drawing/2014/main" id="{D306924B-2F53-4CA7-BD59-8BCB9AFB5B42}"/>
+                <a16:creationId xmlns:a16="http://schemas.microsoft.com/office/drawing/2014/main" xmlns="" id="{D306924B-2F53-4CA7-BD59-8BCB9AFB5B42}"/>
               </a:ext>
             </a:extLst>
           </p:cNvPr>
@@ -3970,7 +3970,7 @@
           <p:cNvPr id="17" name="사각형: 둥근 모서리 16">
             <a:extLst>
               <a:ext uri="{FF2B5EF4-FFF2-40B4-BE49-F238E27FC236}">
-                <a16:creationId xmlns:a16="http://schemas.microsoft.com/office/drawing/2014/main" id="{4E7CF2F4-62D7-45C8-A84D-1D91B100A078}"/>
+                <a16:creationId xmlns:a16="http://schemas.microsoft.com/office/drawing/2014/main" xmlns="" id="{4E7CF2F4-62D7-45C8-A84D-1D91B100A078}"/>
               </a:ext>
             </a:extLst>
           </p:cNvPr>
@@ -4020,7 +4020,7 @@
           <p:cNvPr id="19" name="사각형: 둥근 모서리 18">
             <a:extLst>
               <a:ext uri="{FF2B5EF4-FFF2-40B4-BE49-F238E27FC236}">
-                <a16:creationId xmlns:a16="http://schemas.microsoft.com/office/drawing/2014/main" id="{F5D6215A-D773-4631-A63B-9953F9916FF6}"/>
+                <a16:creationId xmlns:a16="http://schemas.microsoft.com/office/drawing/2014/main" xmlns="" id="{F5D6215A-D773-4631-A63B-9953F9916FF6}"/>
               </a:ext>
             </a:extLst>
           </p:cNvPr>
@@ -4070,7 +4070,7 @@
           <p:cNvPr id="20" name="사각형: 둥근 모서리 19">
             <a:extLst>
               <a:ext uri="{FF2B5EF4-FFF2-40B4-BE49-F238E27FC236}">
-                <a16:creationId xmlns:a16="http://schemas.microsoft.com/office/drawing/2014/main" id="{403053F0-68B7-4423-AED0-038BA6AED5AE}"/>
+                <a16:creationId xmlns:a16="http://schemas.microsoft.com/office/drawing/2014/main" xmlns="" id="{403053F0-68B7-4423-AED0-038BA6AED5AE}"/>
               </a:ext>
             </a:extLst>
           </p:cNvPr>
@@ -4120,7 +4120,7 @@
           <p:cNvPr id="21" name="사각형: 둥근 모서리 20">
             <a:extLst>
               <a:ext uri="{FF2B5EF4-FFF2-40B4-BE49-F238E27FC236}">
-                <a16:creationId xmlns:a16="http://schemas.microsoft.com/office/drawing/2014/main" id="{9B92E2B6-7518-484C-9ED8-20114964420D}"/>
+                <a16:creationId xmlns:a16="http://schemas.microsoft.com/office/drawing/2014/main" xmlns="" id="{9B92E2B6-7518-484C-9ED8-20114964420D}"/>
               </a:ext>
             </a:extLst>
           </p:cNvPr>
@@ -4178,7 +4178,7 @@
           <p:cNvPr id="22" name="사각형: 둥근 모서리 21">
             <a:extLst>
               <a:ext uri="{FF2B5EF4-FFF2-40B4-BE49-F238E27FC236}">
-                <a16:creationId xmlns:a16="http://schemas.microsoft.com/office/drawing/2014/main" id="{A59D02B6-C1F0-463E-9345-489C6525ADC5}"/>
+                <a16:creationId xmlns:a16="http://schemas.microsoft.com/office/drawing/2014/main" xmlns="" id="{A59D02B6-C1F0-463E-9345-489C6525ADC5}"/>
               </a:ext>
             </a:extLst>
           </p:cNvPr>
@@ -4228,7 +4228,7 @@
           <p:cNvPr id="23" name="사각형: 둥근 모서리 22">
             <a:extLst>
               <a:ext uri="{FF2B5EF4-FFF2-40B4-BE49-F238E27FC236}">
-                <a16:creationId xmlns:a16="http://schemas.microsoft.com/office/drawing/2014/main" id="{F372F288-840F-4D99-9C45-BC7403D6F867}"/>
+                <a16:creationId xmlns:a16="http://schemas.microsoft.com/office/drawing/2014/main" xmlns="" id="{F372F288-840F-4D99-9C45-BC7403D6F867}"/>
               </a:ext>
             </a:extLst>
           </p:cNvPr>
@@ -4278,7 +4278,7 @@
           <p:cNvPr id="24" name="사각형: 둥근 모서리 23">
             <a:extLst>
               <a:ext uri="{FF2B5EF4-FFF2-40B4-BE49-F238E27FC236}">
-                <a16:creationId xmlns:a16="http://schemas.microsoft.com/office/drawing/2014/main" id="{8069E8C1-3881-434E-8FD6-C64A3AE8B266}"/>
+                <a16:creationId xmlns:a16="http://schemas.microsoft.com/office/drawing/2014/main" xmlns="" id="{8069E8C1-3881-434E-8FD6-C64A3AE8B266}"/>
               </a:ext>
             </a:extLst>
           </p:cNvPr>
@@ -4328,7 +4328,7 @@
           <p:cNvPr id="25" name="사각형: 둥근 모서리 24">
             <a:extLst>
               <a:ext uri="{FF2B5EF4-FFF2-40B4-BE49-F238E27FC236}">
-                <a16:creationId xmlns:a16="http://schemas.microsoft.com/office/drawing/2014/main" id="{B5D2C5D8-DE3E-48B3-BCCC-0A69154E613A}"/>
+                <a16:creationId xmlns:a16="http://schemas.microsoft.com/office/drawing/2014/main" xmlns="" id="{B5D2C5D8-DE3E-48B3-BCCC-0A69154E613A}"/>
               </a:ext>
             </a:extLst>
           </p:cNvPr>
@@ -4386,7 +4386,7 @@
           <p:cNvPr id="26" name="사각형: 둥근 모서리 25">
             <a:extLst>
               <a:ext uri="{FF2B5EF4-FFF2-40B4-BE49-F238E27FC236}">
-                <a16:creationId xmlns:a16="http://schemas.microsoft.com/office/drawing/2014/main" id="{02E1634B-E277-4F24-8C52-5067E7444345}"/>
+                <a16:creationId xmlns:a16="http://schemas.microsoft.com/office/drawing/2014/main" xmlns="" id="{02E1634B-E277-4F24-8C52-5067E7444345}"/>
               </a:ext>
             </a:extLst>
           </p:cNvPr>
@@ -4436,7 +4436,7 @@
           <p:cNvPr id="27" name="사각형: 둥근 모서리 26">
             <a:extLst>
               <a:ext uri="{FF2B5EF4-FFF2-40B4-BE49-F238E27FC236}">
-                <a16:creationId xmlns:a16="http://schemas.microsoft.com/office/drawing/2014/main" id="{4C1F362F-1E12-4787-A1ED-9C5C719592B9}"/>
+                <a16:creationId xmlns:a16="http://schemas.microsoft.com/office/drawing/2014/main" xmlns="" id="{4C1F362F-1E12-4787-A1ED-9C5C719592B9}"/>
               </a:ext>
             </a:extLst>
           </p:cNvPr>
@@ -4486,7 +4486,7 @@
           <p:cNvPr id="28" name="사각형: 둥근 모서리 27">
             <a:extLst>
               <a:ext uri="{FF2B5EF4-FFF2-40B4-BE49-F238E27FC236}">
-                <a16:creationId xmlns:a16="http://schemas.microsoft.com/office/drawing/2014/main" id="{F919652E-55E0-4705-8445-1271BE4A3B5F}"/>
+                <a16:creationId xmlns:a16="http://schemas.microsoft.com/office/drawing/2014/main" xmlns="" id="{F919652E-55E0-4705-8445-1271BE4A3B5F}"/>
               </a:ext>
             </a:extLst>
           </p:cNvPr>
@@ -4544,7 +4544,7 @@
           <p:cNvPr id="29" name="사각형: 둥근 모서리 28">
             <a:extLst>
               <a:ext uri="{FF2B5EF4-FFF2-40B4-BE49-F238E27FC236}">
-                <a16:creationId xmlns:a16="http://schemas.microsoft.com/office/drawing/2014/main" id="{294543D0-C391-4237-90FD-775438846E85}"/>
+                <a16:creationId xmlns:a16="http://schemas.microsoft.com/office/drawing/2014/main" xmlns="" id="{294543D0-C391-4237-90FD-775438846E85}"/>
               </a:ext>
             </a:extLst>
           </p:cNvPr>
@@ -4594,7 +4594,7 @@
           <p:cNvPr id="30" name="사각형: 둥근 모서리 29">
             <a:extLst>
               <a:ext uri="{FF2B5EF4-FFF2-40B4-BE49-F238E27FC236}">
-                <a16:creationId xmlns:a16="http://schemas.microsoft.com/office/drawing/2014/main" id="{5C70717C-F2BD-4155-A3EC-67EC1F77DB24}"/>
+                <a16:creationId xmlns:a16="http://schemas.microsoft.com/office/drawing/2014/main" xmlns="" id="{5C70717C-F2BD-4155-A3EC-67EC1F77DB24}"/>
               </a:ext>
             </a:extLst>
           </p:cNvPr>
@@ -4644,7 +4644,7 @@
           <p:cNvPr id="31" name="사각형: 둥근 모서리 30">
             <a:extLst>
               <a:ext uri="{FF2B5EF4-FFF2-40B4-BE49-F238E27FC236}">
-                <a16:creationId xmlns:a16="http://schemas.microsoft.com/office/drawing/2014/main" id="{2CBDD090-008F-4D0C-B106-923BCF4D569E}"/>
+                <a16:creationId xmlns:a16="http://schemas.microsoft.com/office/drawing/2014/main" xmlns="" id="{2CBDD090-008F-4D0C-B106-923BCF4D569E}"/>
               </a:ext>
             </a:extLst>
           </p:cNvPr>
@@ -4694,7 +4694,7 @@
           <p:cNvPr id="32" name="사각형: 둥근 모서리 31">
             <a:extLst>
               <a:ext uri="{FF2B5EF4-FFF2-40B4-BE49-F238E27FC236}">
-                <a16:creationId xmlns:a16="http://schemas.microsoft.com/office/drawing/2014/main" id="{D013F01B-809F-474B-AB86-16DA5914BFEF}"/>
+                <a16:creationId xmlns:a16="http://schemas.microsoft.com/office/drawing/2014/main" xmlns="" id="{D013F01B-809F-474B-AB86-16DA5914BFEF}"/>
               </a:ext>
             </a:extLst>
           </p:cNvPr>
@@ -4744,7 +4744,7 @@
           <p:cNvPr id="33" name="사각형: 둥근 모서리 32">
             <a:extLst>
               <a:ext uri="{FF2B5EF4-FFF2-40B4-BE49-F238E27FC236}">
-                <a16:creationId xmlns:a16="http://schemas.microsoft.com/office/drawing/2014/main" id="{4CB336FA-E433-4B5C-934E-000EB278F92E}"/>
+                <a16:creationId xmlns:a16="http://schemas.microsoft.com/office/drawing/2014/main" xmlns="" id="{4CB336FA-E433-4B5C-934E-000EB278F92E}"/>
               </a:ext>
             </a:extLst>
           </p:cNvPr>
@@ -4794,7 +4794,7 @@
           <p:cNvPr id="34" name="사각형: 둥근 모서리 33">
             <a:extLst>
               <a:ext uri="{FF2B5EF4-FFF2-40B4-BE49-F238E27FC236}">
-                <a16:creationId xmlns:a16="http://schemas.microsoft.com/office/drawing/2014/main" id="{386B397B-5C21-4590-BAC4-7B77F1B3B54A}"/>
+                <a16:creationId xmlns:a16="http://schemas.microsoft.com/office/drawing/2014/main" xmlns="" id="{386B397B-5C21-4590-BAC4-7B77F1B3B54A}"/>
               </a:ext>
             </a:extLst>
           </p:cNvPr>
@@ -4852,7 +4852,7 @@
           <p:cNvPr id="35" name="사각형: 둥근 모서리 34">
             <a:extLst>
               <a:ext uri="{FF2B5EF4-FFF2-40B4-BE49-F238E27FC236}">
-                <a16:creationId xmlns:a16="http://schemas.microsoft.com/office/drawing/2014/main" id="{8799CC97-AB37-441E-97C7-A1D75B8A8908}"/>
+                <a16:creationId xmlns:a16="http://schemas.microsoft.com/office/drawing/2014/main" xmlns="" id="{8799CC97-AB37-441E-97C7-A1D75B8A8908}"/>
               </a:ext>
             </a:extLst>
           </p:cNvPr>
@@ -4902,7 +4902,7 @@
           <p:cNvPr id="36" name="사각형: 둥근 모서리 35">
             <a:extLst>
               <a:ext uri="{FF2B5EF4-FFF2-40B4-BE49-F238E27FC236}">
-                <a16:creationId xmlns:a16="http://schemas.microsoft.com/office/drawing/2014/main" id="{DE7AA278-7D8C-4236-B1B6-26936C0368B0}"/>
+                <a16:creationId xmlns:a16="http://schemas.microsoft.com/office/drawing/2014/main" xmlns="" id="{DE7AA278-7D8C-4236-B1B6-26936C0368B0}"/>
               </a:ext>
             </a:extLst>
           </p:cNvPr>
@@ -4952,7 +4952,7 @@
           <p:cNvPr id="37" name="사각형: 둥근 모서리 36">
             <a:extLst>
               <a:ext uri="{FF2B5EF4-FFF2-40B4-BE49-F238E27FC236}">
-                <a16:creationId xmlns:a16="http://schemas.microsoft.com/office/drawing/2014/main" id="{A3A3D85E-BB70-449F-B29B-DBB9CB1E580E}"/>
+                <a16:creationId xmlns:a16="http://schemas.microsoft.com/office/drawing/2014/main" xmlns="" id="{A3A3D85E-BB70-449F-B29B-DBB9CB1E580E}"/>
               </a:ext>
             </a:extLst>
           </p:cNvPr>
@@ -5010,7 +5010,7 @@
           <p:cNvPr id="38" name="사각형: 둥근 모서리 37">
             <a:extLst>
               <a:ext uri="{FF2B5EF4-FFF2-40B4-BE49-F238E27FC236}">
-                <a16:creationId xmlns:a16="http://schemas.microsoft.com/office/drawing/2014/main" id="{E64EB77A-23B8-40BB-A374-2BE3207690E4}"/>
+                <a16:creationId xmlns:a16="http://schemas.microsoft.com/office/drawing/2014/main" xmlns="" id="{E64EB77A-23B8-40BB-A374-2BE3207690E4}"/>
               </a:ext>
             </a:extLst>
           </p:cNvPr>
@@ -5060,7 +5060,7 @@
           <p:cNvPr id="45" name="그룹 44">
             <a:extLst>
               <a:ext uri="{FF2B5EF4-FFF2-40B4-BE49-F238E27FC236}">
-                <a16:creationId xmlns:a16="http://schemas.microsoft.com/office/drawing/2014/main" id="{E2EDC387-1D82-4AA1-9A2B-13BEEF59C099}"/>
+                <a16:creationId xmlns:a16="http://schemas.microsoft.com/office/drawing/2014/main" xmlns="" id="{E2EDC387-1D82-4AA1-9A2B-13BEEF59C099}"/>
               </a:ext>
             </a:extLst>
           </p:cNvPr>
@@ -5069,7 +5069,7 @@
         </p:nvGrpSpPr>
         <p:grpSpPr>
           <a:xfrm>
-            <a:off x="543247" y="2355726"/>
+            <a:off x="529208" y="2485504"/>
             <a:ext cx="2088232" cy="936104"/>
             <a:chOff x="262822" y="1851670"/>
             <a:chExt cx="1511536" cy="936104"/>
@@ -5080,7 +5080,7 @@
             <p:cNvPr id="39" name="사각형: 둥근 모서리 38">
               <a:extLst>
                 <a:ext uri="{FF2B5EF4-FFF2-40B4-BE49-F238E27FC236}">
-                  <a16:creationId xmlns:a16="http://schemas.microsoft.com/office/drawing/2014/main" id="{222CC2F0-81EE-4051-8C1D-91A0D3722357}"/>
+                  <a16:creationId xmlns:a16="http://schemas.microsoft.com/office/drawing/2014/main" xmlns="" id="{222CC2F0-81EE-4051-8C1D-91A0D3722357}"/>
                 </a:ext>
               </a:extLst>
             </p:cNvPr>
@@ -5130,7 +5130,7 @@
             <p:cNvPr id="40" name="사각형: 둥근 모서리 39">
               <a:extLst>
                 <a:ext uri="{FF2B5EF4-FFF2-40B4-BE49-F238E27FC236}">
-                  <a16:creationId xmlns:a16="http://schemas.microsoft.com/office/drawing/2014/main" id="{07D67A22-7939-439D-8E3F-C63DAF6B6861}"/>
+                  <a16:creationId xmlns:a16="http://schemas.microsoft.com/office/drawing/2014/main" xmlns="" id="{07D67A22-7939-439D-8E3F-C63DAF6B6861}"/>
                 </a:ext>
               </a:extLst>
             </p:cNvPr>
@@ -5181,7 +5181,7 @@
           <p:cNvPr id="44" name="사각형: 둥근 모서리 43">
             <a:extLst>
               <a:ext uri="{FF2B5EF4-FFF2-40B4-BE49-F238E27FC236}">
-                <a16:creationId xmlns:a16="http://schemas.microsoft.com/office/drawing/2014/main" id="{9139270F-6693-431C-900C-E6E53901A909}"/>
+                <a16:creationId xmlns:a16="http://schemas.microsoft.com/office/drawing/2014/main" xmlns="" id="{9139270F-6693-431C-900C-E6E53901A909}"/>
               </a:ext>
             </a:extLst>
           </p:cNvPr>
@@ -5190,7 +5190,7 @@
         </p:nvSpPr>
         <p:spPr>
           <a:xfrm>
-            <a:off x="735762" y="1485906"/>
+            <a:off x="721723" y="1615684"/>
             <a:ext cx="1703204" cy="468052"/>
           </a:xfrm>
           <a:prstGeom prst="roundRect">
@@ -5231,7 +5231,7 @@
           <p:cNvPr id="50" name="그룹 49">
             <a:extLst>
               <a:ext uri="{FF2B5EF4-FFF2-40B4-BE49-F238E27FC236}">
-                <a16:creationId xmlns:a16="http://schemas.microsoft.com/office/drawing/2014/main" id="{D94E7DCE-EEA6-4666-95C5-FF69C1EA8510}"/>
+                <a16:creationId xmlns:a16="http://schemas.microsoft.com/office/drawing/2014/main" xmlns="" id="{D94E7DCE-EEA6-4666-95C5-FF69C1EA8510}"/>
               </a:ext>
             </a:extLst>
           </p:cNvPr>
@@ -5240,7 +5240,7 @@
         </p:nvGrpSpPr>
         <p:grpSpPr>
           <a:xfrm>
-            <a:off x="3204799" y="2543679"/>
+            <a:off x="3161090" y="2543679"/>
             <a:ext cx="2453760" cy="936104"/>
             <a:chOff x="262822" y="1851670"/>
             <a:chExt cx="1511536" cy="936104"/>
@@ -5251,7 +5251,7 @@
             <p:cNvPr id="51" name="사각형: 둥근 모서리 50">
               <a:extLst>
                 <a:ext uri="{FF2B5EF4-FFF2-40B4-BE49-F238E27FC236}">
-                  <a16:creationId xmlns:a16="http://schemas.microsoft.com/office/drawing/2014/main" id="{6B80F076-72CF-4EC3-8FB0-7F62971920F2}"/>
+                  <a16:creationId xmlns:a16="http://schemas.microsoft.com/office/drawing/2014/main" xmlns="" id="{6B80F076-72CF-4EC3-8FB0-7F62971920F2}"/>
                 </a:ext>
               </a:extLst>
             </p:cNvPr>
@@ -5301,7 +5301,7 @@
             <p:cNvPr id="52" name="사각형: 둥근 모서리 51">
               <a:extLst>
                 <a:ext uri="{FF2B5EF4-FFF2-40B4-BE49-F238E27FC236}">
-                  <a16:creationId xmlns:a16="http://schemas.microsoft.com/office/drawing/2014/main" id="{2D834455-9E00-415C-8C7F-A1CD0F171F1D}"/>
+                  <a16:creationId xmlns:a16="http://schemas.microsoft.com/office/drawing/2014/main" xmlns="" id="{2D834455-9E00-415C-8C7F-A1CD0F171F1D}"/>
                 </a:ext>
               </a:extLst>
             </p:cNvPr>
@@ -5352,7 +5352,7 @@
           <p:cNvPr id="55" name="사각형: 둥근 모서리 54">
             <a:extLst>
               <a:ext uri="{FF2B5EF4-FFF2-40B4-BE49-F238E27FC236}">
-                <a16:creationId xmlns:a16="http://schemas.microsoft.com/office/drawing/2014/main" id="{4BDD18EA-FD3B-4251-BB13-E43D7C9BD7C3}"/>
+                <a16:creationId xmlns:a16="http://schemas.microsoft.com/office/drawing/2014/main" xmlns="" id="{4BDD18EA-FD3B-4251-BB13-E43D7C9BD7C3}"/>
               </a:ext>
             </a:extLst>
           </p:cNvPr>
@@ -5361,7 +5361,7 @@
         </p:nvSpPr>
         <p:spPr>
           <a:xfrm>
-            <a:off x="3204799" y="1437932"/>
+            <a:off x="3161090" y="1437932"/>
             <a:ext cx="1178383" cy="857250"/>
           </a:xfrm>
           <a:prstGeom prst="roundRect">
@@ -5402,7 +5402,7 @@
           <p:cNvPr id="56" name="사각형: 둥근 모서리 55">
             <a:extLst>
               <a:ext uri="{FF2B5EF4-FFF2-40B4-BE49-F238E27FC236}">
-                <a16:creationId xmlns:a16="http://schemas.microsoft.com/office/drawing/2014/main" id="{9ACF1D24-F9D5-4A4B-B2E9-F48EAF306CEF}"/>
+                <a16:creationId xmlns:a16="http://schemas.microsoft.com/office/drawing/2014/main" xmlns="" id="{9ACF1D24-F9D5-4A4B-B2E9-F48EAF306CEF}"/>
               </a:ext>
             </a:extLst>
           </p:cNvPr>
@@ -5411,7 +5411,7 @@
         </p:nvSpPr>
         <p:spPr>
           <a:xfrm>
-            <a:off x="3336243" y="1545944"/>
+            <a:off x="3292534" y="1545944"/>
             <a:ext cx="915494" cy="239603"/>
           </a:xfrm>
           <a:prstGeom prst="roundRect">
@@ -5452,7 +5452,7 @@
           <p:cNvPr id="61" name="사각형: 둥근 모서리 60">
             <a:extLst>
               <a:ext uri="{FF2B5EF4-FFF2-40B4-BE49-F238E27FC236}">
-                <a16:creationId xmlns:a16="http://schemas.microsoft.com/office/drawing/2014/main" id="{76340C8A-20FE-4E2F-82DF-8AECFD15226D}"/>
+                <a16:creationId xmlns:a16="http://schemas.microsoft.com/office/drawing/2014/main" xmlns="" id="{76340C8A-20FE-4E2F-82DF-8AECFD15226D}"/>
               </a:ext>
             </a:extLst>
           </p:cNvPr>
@@ -5461,7 +5461,7 @@
         </p:nvSpPr>
         <p:spPr>
           <a:xfrm>
-            <a:off x="3204799" y="717559"/>
+            <a:off x="3161090" y="717559"/>
             <a:ext cx="1178383" cy="468052"/>
           </a:xfrm>
           <a:prstGeom prst="roundRect">
@@ -5502,7 +5502,7 @@
           <p:cNvPr id="73" name="그룹 72">
             <a:extLst>
               <a:ext uri="{FF2B5EF4-FFF2-40B4-BE49-F238E27FC236}">
-                <a16:creationId xmlns:a16="http://schemas.microsoft.com/office/drawing/2014/main" id="{A00FFD34-3A64-49CC-AB52-979A96656D83}"/>
+                <a16:creationId xmlns:a16="http://schemas.microsoft.com/office/drawing/2014/main" xmlns="" id="{A00FFD34-3A64-49CC-AB52-979A96656D83}"/>
               </a:ext>
             </a:extLst>
           </p:cNvPr>
@@ -5522,7 +5522,7 @@
             <p:cNvPr id="74" name="사각형: 둥근 모서리 73">
               <a:extLst>
                 <a:ext uri="{FF2B5EF4-FFF2-40B4-BE49-F238E27FC236}">
-                  <a16:creationId xmlns:a16="http://schemas.microsoft.com/office/drawing/2014/main" id="{EEB42A30-C936-434D-8DC1-595B09391D51}"/>
+                  <a16:creationId xmlns:a16="http://schemas.microsoft.com/office/drawing/2014/main" xmlns="" id="{EEB42A30-C936-434D-8DC1-595B09391D51}"/>
                 </a:ext>
               </a:extLst>
             </p:cNvPr>
@@ -5572,7 +5572,7 @@
             <p:cNvPr id="75" name="사각형: 둥근 모서리 74">
               <a:extLst>
                 <a:ext uri="{FF2B5EF4-FFF2-40B4-BE49-F238E27FC236}">
-                  <a16:creationId xmlns:a16="http://schemas.microsoft.com/office/drawing/2014/main" id="{48ECB60F-075C-4CA2-9C7A-4B6777B08B27}"/>
+                  <a16:creationId xmlns:a16="http://schemas.microsoft.com/office/drawing/2014/main" xmlns="" id="{48ECB60F-075C-4CA2-9C7A-4B6777B08B27}"/>
                 </a:ext>
               </a:extLst>
             </p:cNvPr>
@@ -5623,7 +5623,7 @@
           <p:cNvPr id="77" name="사각형: 둥근 모서리 76">
             <a:extLst>
               <a:ext uri="{FF2B5EF4-FFF2-40B4-BE49-F238E27FC236}">
-                <a16:creationId xmlns:a16="http://schemas.microsoft.com/office/drawing/2014/main" id="{FB47AE14-2BE2-4034-BCC2-33D1BDD1B5D7}"/>
+                <a16:creationId xmlns:a16="http://schemas.microsoft.com/office/drawing/2014/main" xmlns="" id="{FB47AE14-2BE2-4034-BCC2-33D1BDD1B5D7}"/>
               </a:ext>
             </a:extLst>
           </p:cNvPr>
@@ -5673,7 +5673,7 @@
           <p:cNvPr id="81" name="사각형: 둥근 모서리 80">
             <a:extLst>
               <a:ext uri="{FF2B5EF4-FFF2-40B4-BE49-F238E27FC236}">
-                <a16:creationId xmlns:a16="http://schemas.microsoft.com/office/drawing/2014/main" id="{FD2EEE04-96B1-4495-B8DE-4495F342A607}"/>
+                <a16:creationId xmlns:a16="http://schemas.microsoft.com/office/drawing/2014/main" xmlns="" id="{FD2EEE04-96B1-4495-B8DE-4495F342A607}"/>
               </a:ext>
             </a:extLst>
           </p:cNvPr>
@@ -5682,7 +5682,7 @@
         </p:nvSpPr>
         <p:spPr>
           <a:xfrm>
-            <a:off x="4539903" y="1437932"/>
+            <a:off x="4496194" y="1437932"/>
             <a:ext cx="1118656" cy="857250"/>
           </a:xfrm>
           <a:prstGeom prst="roundRect">
@@ -5723,7 +5723,7 @@
           <p:cNvPr id="83" name="사각형: 둥근 모서리 82">
             <a:extLst>
               <a:ext uri="{FF2B5EF4-FFF2-40B4-BE49-F238E27FC236}">
-                <a16:creationId xmlns:a16="http://schemas.microsoft.com/office/drawing/2014/main" id="{C4F2DAE6-8D80-433C-87C4-7461004808EE}"/>
+                <a16:creationId xmlns:a16="http://schemas.microsoft.com/office/drawing/2014/main" xmlns="" id="{C4F2DAE6-8D80-433C-87C4-7461004808EE}"/>
               </a:ext>
             </a:extLst>
           </p:cNvPr>
@@ -5773,7 +5773,7 @@
           <p:cNvPr id="85" name="직선 화살표 연결선 84">
             <a:extLst>
               <a:ext uri="{FF2B5EF4-FFF2-40B4-BE49-F238E27FC236}">
-                <a16:creationId xmlns:a16="http://schemas.microsoft.com/office/drawing/2014/main" id="{18F5CE92-2EA9-4298-895C-E75B9C158784}"/>
+                <a16:creationId xmlns:a16="http://schemas.microsoft.com/office/drawing/2014/main" xmlns="" id="{18F5CE92-2EA9-4298-895C-E75B9C158784}"/>
               </a:ext>
             </a:extLst>
           </p:cNvPr>
@@ -5784,8 +5784,8 @@
         </p:nvCxnSpPr>
         <p:spPr>
           <a:xfrm>
-            <a:off x="949635" y="2930722"/>
-            <a:ext cx="0" cy="738082"/>
+            <a:off x="827584" y="3061568"/>
+            <a:ext cx="0" cy="607236"/>
           </a:xfrm>
           <a:prstGeom prst="straightConnector1">
             <a:avLst/>
@@ -5818,7 +5818,7 @@
           <p:cNvPr id="86" name="직선 화살표 연결선 85">
             <a:extLst>
               <a:ext uri="{FF2B5EF4-FFF2-40B4-BE49-F238E27FC236}">
-                <a16:creationId xmlns:a16="http://schemas.microsoft.com/office/drawing/2014/main" id="{6E7BF098-9852-4F24-BE47-9A8275C86472}"/>
+                <a16:creationId xmlns:a16="http://schemas.microsoft.com/office/drawing/2014/main" xmlns="" id="{6E7BF098-9852-4F24-BE47-9A8275C86472}"/>
               </a:ext>
             </a:extLst>
           </p:cNvPr>
@@ -5831,7 +5831,7 @@
         </p:nvCxnSpPr>
         <p:spPr>
           <a:xfrm flipH="1">
-            <a:off x="1587363" y="1953958"/>
+            <a:off x="1573324" y="2083736"/>
             <a:ext cx="1" cy="401768"/>
           </a:xfrm>
           <a:prstGeom prst="straightConnector1">
@@ -5865,7 +5865,7 @@
           <p:cNvPr id="89" name="직선 화살표 연결선 88">
             <a:extLst>
               <a:ext uri="{FF2B5EF4-FFF2-40B4-BE49-F238E27FC236}">
-                <a16:creationId xmlns:a16="http://schemas.microsoft.com/office/drawing/2014/main" id="{85F929BD-4C3E-4FEF-B691-296D01211205}"/>
+                <a16:creationId xmlns:a16="http://schemas.microsoft.com/office/drawing/2014/main" xmlns="" id="{85F929BD-4C3E-4FEF-B691-296D01211205}"/>
               </a:ext>
             </a:extLst>
           </p:cNvPr>
@@ -5876,7 +5876,7 @@
         </p:nvCxnSpPr>
         <p:spPr>
           <a:xfrm>
-            <a:off x="3711599" y="3119743"/>
+            <a:off x="3667890" y="3119743"/>
             <a:ext cx="0" cy="549061"/>
           </a:xfrm>
           <a:prstGeom prst="straightConnector1">
@@ -5910,7 +5910,7 @@
           <p:cNvPr id="93" name="직선 화살표 연결선 92">
             <a:extLst>
               <a:ext uri="{FF2B5EF4-FFF2-40B4-BE49-F238E27FC236}">
-                <a16:creationId xmlns:a16="http://schemas.microsoft.com/office/drawing/2014/main" id="{CA5C46D2-F648-416E-A20B-CEB8E7371DE0}"/>
+                <a16:creationId xmlns:a16="http://schemas.microsoft.com/office/drawing/2014/main" xmlns="" id="{CA5C46D2-F648-416E-A20B-CEB8E7371DE0}"/>
               </a:ext>
             </a:extLst>
           </p:cNvPr>
@@ -5921,7 +5921,7 @@
         </p:nvCxnSpPr>
         <p:spPr>
           <a:xfrm>
-            <a:off x="3495575" y="2013739"/>
+            <a:off x="3451866" y="2013739"/>
             <a:ext cx="0" cy="1655065"/>
           </a:xfrm>
           <a:prstGeom prst="straightConnector1">
@@ -5955,7 +5955,7 @@
           <p:cNvPr id="97" name="직선 화살표 연결선 96">
             <a:extLst>
               <a:ext uri="{FF2B5EF4-FFF2-40B4-BE49-F238E27FC236}">
-                <a16:creationId xmlns:a16="http://schemas.microsoft.com/office/drawing/2014/main" id="{7F0DE197-4ABA-4DA9-8AAB-97B277B14E4D}"/>
+                <a16:creationId xmlns:a16="http://schemas.microsoft.com/office/drawing/2014/main" xmlns="" id="{7F0DE197-4ABA-4DA9-8AAB-97B277B14E4D}"/>
               </a:ext>
             </a:extLst>
           </p:cNvPr>
@@ -5968,7 +5968,7 @@
         </p:nvCxnSpPr>
         <p:spPr>
           <a:xfrm>
-            <a:off x="3793991" y="1185611"/>
+            <a:off x="3750282" y="1185611"/>
             <a:ext cx="0" cy="252321"/>
           </a:xfrm>
           <a:prstGeom prst="straightConnector1">
@@ -6002,7 +6002,7 @@
           <p:cNvPr id="102" name="직선 화살표 연결선 101">
             <a:extLst>
               <a:ext uri="{FF2B5EF4-FFF2-40B4-BE49-F238E27FC236}">
-                <a16:creationId xmlns:a16="http://schemas.microsoft.com/office/drawing/2014/main" id="{601492DC-FB3B-4F6F-9F24-300126BA3D9B}"/>
+                <a16:creationId xmlns:a16="http://schemas.microsoft.com/office/drawing/2014/main" xmlns="" id="{601492DC-FB3B-4F6F-9F24-300126BA3D9B}"/>
               </a:ext>
             </a:extLst>
           </p:cNvPr>
@@ -6014,7 +6014,7 @@
         </p:nvCxnSpPr>
         <p:spPr>
           <a:xfrm>
-            <a:off x="5099231" y="2295182"/>
+            <a:off x="5055522" y="2295182"/>
             <a:ext cx="0" cy="248497"/>
           </a:xfrm>
           <a:prstGeom prst="straightConnector1">
@@ -6048,7 +6048,7 @@
           <p:cNvPr id="110" name="직선 화살표 연결선 109">
             <a:extLst>
               <a:ext uri="{FF2B5EF4-FFF2-40B4-BE49-F238E27FC236}">
-                <a16:creationId xmlns:a16="http://schemas.microsoft.com/office/drawing/2014/main" id="{19B63E12-2956-4FB5-817F-A8A3475C4883}"/>
+                <a16:creationId xmlns:a16="http://schemas.microsoft.com/office/drawing/2014/main" xmlns="" id="{19B63E12-2956-4FB5-817F-A8A3475C4883}"/>
               </a:ext>
             </a:extLst>
           </p:cNvPr>
@@ -6094,7 +6094,7 @@
           <p:cNvPr id="113" name="직선 화살표 연결선 112">
             <a:extLst>
               <a:ext uri="{FF2B5EF4-FFF2-40B4-BE49-F238E27FC236}">
-                <a16:creationId xmlns:a16="http://schemas.microsoft.com/office/drawing/2014/main" id="{DD0EB600-A707-46D9-9DFD-EFF0E6581461}"/>
+                <a16:creationId xmlns:a16="http://schemas.microsoft.com/office/drawing/2014/main" xmlns="" id="{DD0EB600-A707-46D9-9DFD-EFF0E6581461}"/>
               </a:ext>
             </a:extLst>
           </p:cNvPr>
@@ -6139,7 +6139,7 @@
           <p:cNvPr id="116" name="직선 화살표 연결선 115">
             <a:extLst>
               <a:ext uri="{FF2B5EF4-FFF2-40B4-BE49-F238E27FC236}">
-                <a16:creationId xmlns:a16="http://schemas.microsoft.com/office/drawing/2014/main" id="{6B220464-39A9-44B2-A219-71AA9DA85C45}"/>
+                <a16:creationId xmlns:a16="http://schemas.microsoft.com/office/drawing/2014/main" xmlns="" id="{6B220464-39A9-44B2-A219-71AA9DA85C45}"/>
               </a:ext>
             </a:extLst>
           </p:cNvPr>
@@ -6184,7 +6184,7 @@
           <p:cNvPr id="119" name="사각형: 둥근 모서리 118">
             <a:extLst>
               <a:ext uri="{FF2B5EF4-FFF2-40B4-BE49-F238E27FC236}">
-                <a16:creationId xmlns:a16="http://schemas.microsoft.com/office/drawing/2014/main" id="{F78692EF-DD96-43B5-9846-27B3E7AC0062}"/>
+                <a16:creationId xmlns:a16="http://schemas.microsoft.com/office/drawing/2014/main" xmlns="" id="{F78692EF-DD96-43B5-9846-27B3E7AC0062}"/>
               </a:ext>
             </a:extLst>
           </p:cNvPr>
@@ -6193,7 +6193,7 @@
         </p:nvSpPr>
         <p:spPr>
           <a:xfrm>
-            <a:off x="3336243" y="1774136"/>
+            <a:off x="3292534" y="1774136"/>
             <a:ext cx="915494" cy="239603"/>
           </a:xfrm>
           <a:prstGeom prst="roundRect">
@@ -6234,7 +6234,7 @@
           <p:cNvPr id="124" name="사각형: 둥근 모서리 123">
             <a:extLst>
               <a:ext uri="{FF2B5EF4-FFF2-40B4-BE49-F238E27FC236}">
-                <a16:creationId xmlns:a16="http://schemas.microsoft.com/office/drawing/2014/main" id="{6D3C0B42-C357-4AFA-AA3F-096AB2728160}"/>
+                <a16:creationId xmlns:a16="http://schemas.microsoft.com/office/drawing/2014/main" xmlns="" id="{6D3C0B42-C357-4AFA-AA3F-096AB2728160}"/>
               </a:ext>
             </a:extLst>
           </p:cNvPr>
@@ -6243,7 +6243,7 @@
         </p:nvSpPr>
         <p:spPr>
           <a:xfrm>
-            <a:off x="409575" y="997662"/>
+            <a:off x="395536" y="1127440"/>
             <a:ext cx="2382649" cy="2437116"/>
           </a:xfrm>
           <a:prstGeom prst="roundRect">
@@ -6288,7 +6288,7 @@
           <p:cNvPr id="125" name="사각형: 둥근 모서리 124">
             <a:extLst>
               <a:ext uri="{FF2B5EF4-FFF2-40B4-BE49-F238E27FC236}">
-                <a16:creationId xmlns:a16="http://schemas.microsoft.com/office/drawing/2014/main" id="{A9A05778-323A-4598-9D6B-44EB9CD81AA9}"/>
+                <a16:creationId xmlns:a16="http://schemas.microsoft.com/office/drawing/2014/main" xmlns="" id="{A9A05778-323A-4598-9D6B-44EB9CD81AA9}"/>
               </a:ext>
             </a:extLst>
           </p:cNvPr>
@@ -6297,7 +6297,7 @@
         </p:nvSpPr>
         <p:spPr>
           <a:xfrm>
-            <a:off x="3075983" y="620688"/>
+            <a:off x="3032274" y="620688"/>
             <a:ext cx="2705001" cy="2958106"/>
           </a:xfrm>
           <a:prstGeom prst="roundRect">
@@ -6349,7 +6349,7 @@
           <p:cNvPr id="126" name="사각형: 둥근 모서리 125">
             <a:extLst>
               <a:ext uri="{FF2B5EF4-FFF2-40B4-BE49-F238E27FC236}">
-                <a16:creationId xmlns:a16="http://schemas.microsoft.com/office/drawing/2014/main" id="{1077E051-3D84-4EE8-A2CB-1BE008207E20}"/>
+                <a16:creationId xmlns:a16="http://schemas.microsoft.com/office/drawing/2014/main" xmlns="" id="{1077E051-3D84-4EE8-A2CB-1BE008207E20}"/>
               </a:ext>
             </a:extLst>
           </p:cNvPr>
@@ -6433,7 +6433,7 @@
           <p:cNvPr id="2" name="제목 1">
             <a:extLst>
               <a:ext uri="{FF2B5EF4-FFF2-40B4-BE49-F238E27FC236}">
-                <a16:creationId xmlns:a16="http://schemas.microsoft.com/office/drawing/2014/main" id="{8738443D-5E72-49E2-86AC-581D61C41C39}"/>
+                <a16:creationId xmlns:a16="http://schemas.microsoft.com/office/drawing/2014/main" xmlns="" id="{8738443D-5E72-49E2-86AC-581D61C41C39}"/>
               </a:ext>
             </a:extLst>
           </p:cNvPr>
@@ -6467,7 +6467,7 @@
           <p:cNvPr id="46" name="그룹 45">
             <a:extLst>
               <a:ext uri="{FF2B5EF4-FFF2-40B4-BE49-F238E27FC236}">
-                <a16:creationId xmlns:a16="http://schemas.microsoft.com/office/drawing/2014/main" id="{5C09B571-B314-4834-A1A1-A4B3C74679FB}"/>
+                <a16:creationId xmlns:a16="http://schemas.microsoft.com/office/drawing/2014/main" xmlns="" id="{5C09B571-B314-4834-A1A1-A4B3C74679FB}"/>
               </a:ext>
             </a:extLst>
           </p:cNvPr>
@@ -6487,7 +6487,7 @@
             <p:cNvPr id="5" name="직선 연결선 4">
               <a:extLst>
                 <a:ext uri="{FF2B5EF4-FFF2-40B4-BE49-F238E27FC236}">
-                  <a16:creationId xmlns:a16="http://schemas.microsoft.com/office/drawing/2014/main" id="{ADE830D0-9B44-4BDE-B817-2B88D6B983F6}"/>
+                  <a16:creationId xmlns:a16="http://schemas.microsoft.com/office/drawing/2014/main" xmlns="" id="{ADE830D0-9B44-4BDE-B817-2B88D6B983F6}"/>
                 </a:ext>
               </a:extLst>
             </p:cNvPr>
@@ -6530,7 +6530,7 @@
             <p:cNvPr id="24" name="직선 연결선 23">
               <a:extLst>
                 <a:ext uri="{FF2B5EF4-FFF2-40B4-BE49-F238E27FC236}">
-                  <a16:creationId xmlns:a16="http://schemas.microsoft.com/office/drawing/2014/main" id="{2D642E73-28FE-4E5F-A14D-ADF119550440}"/>
+                  <a16:creationId xmlns:a16="http://schemas.microsoft.com/office/drawing/2014/main" xmlns="" id="{2D642E73-28FE-4E5F-A14D-ADF119550440}"/>
                 </a:ext>
               </a:extLst>
             </p:cNvPr>
@@ -6573,7 +6573,7 @@
             <p:cNvPr id="30" name="직선 연결선 29">
               <a:extLst>
                 <a:ext uri="{FF2B5EF4-FFF2-40B4-BE49-F238E27FC236}">
-                  <a16:creationId xmlns:a16="http://schemas.microsoft.com/office/drawing/2014/main" id="{967EBAE6-B81A-4255-AD9C-360BDB8821DF}"/>
+                  <a16:creationId xmlns:a16="http://schemas.microsoft.com/office/drawing/2014/main" xmlns="" id="{967EBAE6-B81A-4255-AD9C-360BDB8821DF}"/>
                 </a:ext>
               </a:extLst>
             </p:cNvPr>
@@ -6616,7 +6616,7 @@
             <p:cNvPr id="31" name="직선 연결선 30">
               <a:extLst>
                 <a:ext uri="{FF2B5EF4-FFF2-40B4-BE49-F238E27FC236}">
-                  <a16:creationId xmlns:a16="http://schemas.microsoft.com/office/drawing/2014/main" id="{9FB0BA13-7860-4277-90FB-BE3CA8722F62}"/>
+                  <a16:creationId xmlns:a16="http://schemas.microsoft.com/office/drawing/2014/main" xmlns="" id="{9FB0BA13-7860-4277-90FB-BE3CA8722F62}"/>
                 </a:ext>
               </a:extLst>
             </p:cNvPr>
@@ -6659,7 +6659,7 @@
             <p:cNvPr id="38" name="직선 연결선 37">
               <a:extLst>
                 <a:ext uri="{FF2B5EF4-FFF2-40B4-BE49-F238E27FC236}">
-                  <a16:creationId xmlns:a16="http://schemas.microsoft.com/office/drawing/2014/main" id="{3A39461C-44ED-4AEB-9958-1EFCD5039B9C}"/>
+                  <a16:creationId xmlns:a16="http://schemas.microsoft.com/office/drawing/2014/main" xmlns="" id="{3A39461C-44ED-4AEB-9958-1EFCD5039B9C}"/>
                 </a:ext>
               </a:extLst>
             </p:cNvPr>
@@ -6702,7 +6702,7 @@
             <p:cNvPr id="40" name="직선 연결선 39">
               <a:extLst>
                 <a:ext uri="{FF2B5EF4-FFF2-40B4-BE49-F238E27FC236}">
-                  <a16:creationId xmlns:a16="http://schemas.microsoft.com/office/drawing/2014/main" id="{03EB30DD-B3E4-4E0A-8DC1-979446B0FFF7}"/>
+                  <a16:creationId xmlns:a16="http://schemas.microsoft.com/office/drawing/2014/main" xmlns="" id="{03EB30DD-B3E4-4E0A-8DC1-979446B0FFF7}"/>
                 </a:ext>
               </a:extLst>
             </p:cNvPr>
@@ -6745,7 +6745,7 @@
             <p:cNvPr id="42" name="직선 연결선 41">
               <a:extLst>
                 <a:ext uri="{FF2B5EF4-FFF2-40B4-BE49-F238E27FC236}">
-                  <a16:creationId xmlns:a16="http://schemas.microsoft.com/office/drawing/2014/main" id="{11EE5998-4457-45BD-8275-F4E83A612996}"/>
+                  <a16:creationId xmlns:a16="http://schemas.microsoft.com/office/drawing/2014/main" xmlns="" id="{11EE5998-4457-45BD-8275-F4E83A612996}"/>
                 </a:ext>
               </a:extLst>
             </p:cNvPr>
@@ -6788,7 +6788,7 @@
             <p:cNvPr id="43" name="직선 연결선 42">
               <a:extLst>
                 <a:ext uri="{FF2B5EF4-FFF2-40B4-BE49-F238E27FC236}">
-                  <a16:creationId xmlns:a16="http://schemas.microsoft.com/office/drawing/2014/main" id="{0EE46803-FCB2-4BA4-BDBE-2B5EEEFC3843}"/>
+                  <a16:creationId xmlns:a16="http://schemas.microsoft.com/office/drawing/2014/main" xmlns="" id="{0EE46803-FCB2-4BA4-BDBE-2B5EEEFC3843}"/>
                 </a:ext>
               </a:extLst>
             </p:cNvPr>
@@ -6831,7 +6831,7 @@
             <p:cNvPr id="45" name="직선 연결선 44">
               <a:extLst>
                 <a:ext uri="{FF2B5EF4-FFF2-40B4-BE49-F238E27FC236}">
-                  <a16:creationId xmlns:a16="http://schemas.microsoft.com/office/drawing/2014/main" id="{F127A81B-67FB-4FCB-A768-5A3F7EFC243D}"/>
+                  <a16:creationId xmlns:a16="http://schemas.microsoft.com/office/drawing/2014/main" xmlns="" id="{F127A81B-67FB-4FCB-A768-5A3F7EFC243D}"/>
                 </a:ext>
               </a:extLst>
             </p:cNvPr>
@@ -6875,7 +6875,7 @@
           <p:cNvPr id="47" name="그룹 46">
             <a:extLst>
               <a:ext uri="{FF2B5EF4-FFF2-40B4-BE49-F238E27FC236}">
-                <a16:creationId xmlns:a16="http://schemas.microsoft.com/office/drawing/2014/main" id="{B48D358C-554D-4D88-9293-7B849D47FC8C}"/>
+                <a16:creationId xmlns:a16="http://schemas.microsoft.com/office/drawing/2014/main" xmlns="" id="{B48D358C-554D-4D88-9293-7B849D47FC8C}"/>
               </a:ext>
             </a:extLst>
           </p:cNvPr>
@@ -6895,7 +6895,7 @@
             <p:cNvPr id="48" name="직선 연결선 47">
               <a:extLst>
                 <a:ext uri="{FF2B5EF4-FFF2-40B4-BE49-F238E27FC236}">
-                  <a16:creationId xmlns:a16="http://schemas.microsoft.com/office/drawing/2014/main" id="{7DAB41B7-A496-49EC-9FF4-B1D208BC688B}"/>
+                  <a16:creationId xmlns:a16="http://schemas.microsoft.com/office/drawing/2014/main" xmlns="" id="{7DAB41B7-A496-49EC-9FF4-B1D208BC688B}"/>
                 </a:ext>
               </a:extLst>
             </p:cNvPr>
@@ -6938,7 +6938,7 @@
             <p:cNvPr id="49" name="직선 연결선 48">
               <a:extLst>
                 <a:ext uri="{FF2B5EF4-FFF2-40B4-BE49-F238E27FC236}">
-                  <a16:creationId xmlns:a16="http://schemas.microsoft.com/office/drawing/2014/main" id="{1A17B0EF-DAE5-478D-B3D3-D65D5BE2857F}"/>
+                  <a16:creationId xmlns:a16="http://schemas.microsoft.com/office/drawing/2014/main" xmlns="" id="{1A17B0EF-DAE5-478D-B3D3-D65D5BE2857F}"/>
                 </a:ext>
               </a:extLst>
             </p:cNvPr>
@@ -6981,7 +6981,7 @@
             <p:cNvPr id="50" name="직선 연결선 49">
               <a:extLst>
                 <a:ext uri="{FF2B5EF4-FFF2-40B4-BE49-F238E27FC236}">
-                  <a16:creationId xmlns:a16="http://schemas.microsoft.com/office/drawing/2014/main" id="{686BA7AA-0485-4B23-8E2A-72F06AB8414A}"/>
+                  <a16:creationId xmlns:a16="http://schemas.microsoft.com/office/drawing/2014/main" xmlns="" id="{686BA7AA-0485-4B23-8E2A-72F06AB8414A}"/>
                 </a:ext>
               </a:extLst>
             </p:cNvPr>
@@ -7024,7 +7024,7 @@
             <p:cNvPr id="51" name="직선 연결선 50">
               <a:extLst>
                 <a:ext uri="{FF2B5EF4-FFF2-40B4-BE49-F238E27FC236}">
-                  <a16:creationId xmlns:a16="http://schemas.microsoft.com/office/drawing/2014/main" id="{8537CFE3-C357-4C18-89B3-BC4ADF2BCE81}"/>
+                  <a16:creationId xmlns:a16="http://schemas.microsoft.com/office/drawing/2014/main" xmlns="" id="{8537CFE3-C357-4C18-89B3-BC4ADF2BCE81}"/>
                 </a:ext>
               </a:extLst>
             </p:cNvPr>
@@ -7067,7 +7067,7 @@
             <p:cNvPr id="52" name="직선 연결선 51">
               <a:extLst>
                 <a:ext uri="{FF2B5EF4-FFF2-40B4-BE49-F238E27FC236}">
-                  <a16:creationId xmlns:a16="http://schemas.microsoft.com/office/drawing/2014/main" id="{D1556E86-17E5-4188-834A-920092F064F1}"/>
+                  <a16:creationId xmlns:a16="http://schemas.microsoft.com/office/drawing/2014/main" xmlns="" id="{D1556E86-17E5-4188-834A-920092F064F1}"/>
                 </a:ext>
               </a:extLst>
             </p:cNvPr>
@@ -7110,7 +7110,7 @@
             <p:cNvPr id="53" name="직선 연결선 52">
               <a:extLst>
                 <a:ext uri="{FF2B5EF4-FFF2-40B4-BE49-F238E27FC236}">
-                  <a16:creationId xmlns:a16="http://schemas.microsoft.com/office/drawing/2014/main" id="{EE7F388D-6C3C-47B9-825A-F6FA44BE253B}"/>
+                  <a16:creationId xmlns:a16="http://schemas.microsoft.com/office/drawing/2014/main" xmlns="" id="{EE7F388D-6C3C-47B9-825A-F6FA44BE253B}"/>
                 </a:ext>
               </a:extLst>
             </p:cNvPr>
@@ -7153,7 +7153,7 @@
             <p:cNvPr id="54" name="직선 연결선 53">
               <a:extLst>
                 <a:ext uri="{FF2B5EF4-FFF2-40B4-BE49-F238E27FC236}">
-                  <a16:creationId xmlns:a16="http://schemas.microsoft.com/office/drawing/2014/main" id="{84F4C85F-7356-448E-81E1-253EF69A0D37}"/>
+                  <a16:creationId xmlns:a16="http://schemas.microsoft.com/office/drawing/2014/main" xmlns="" id="{84F4C85F-7356-448E-81E1-253EF69A0D37}"/>
                 </a:ext>
               </a:extLst>
             </p:cNvPr>
@@ -7196,7 +7196,7 @@
             <p:cNvPr id="55" name="직선 연결선 54">
               <a:extLst>
                 <a:ext uri="{FF2B5EF4-FFF2-40B4-BE49-F238E27FC236}">
-                  <a16:creationId xmlns:a16="http://schemas.microsoft.com/office/drawing/2014/main" id="{6E3E7AF3-8414-46B3-B950-7D7C8DC129CE}"/>
+                  <a16:creationId xmlns:a16="http://schemas.microsoft.com/office/drawing/2014/main" xmlns="" id="{6E3E7AF3-8414-46B3-B950-7D7C8DC129CE}"/>
                 </a:ext>
               </a:extLst>
             </p:cNvPr>
@@ -7239,7 +7239,7 @@
             <p:cNvPr id="56" name="직선 연결선 55">
               <a:extLst>
                 <a:ext uri="{FF2B5EF4-FFF2-40B4-BE49-F238E27FC236}">
-                  <a16:creationId xmlns:a16="http://schemas.microsoft.com/office/drawing/2014/main" id="{C7A8CBC6-30D3-4C2D-A288-5297D54238F1}"/>
+                  <a16:creationId xmlns:a16="http://schemas.microsoft.com/office/drawing/2014/main" xmlns="" id="{C7A8CBC6-30D3-4C2D-A288-5297D54238F1}"/>
                 </a:ext>
               </a:extLst>
             </p:cNvPr>
@@ -7283,7 +7283,7 @@
           <p:cNvPr id="57" name="직사각형 56">
             <a:extLst>
               <a:ext uri="{FF2B5EF4-FFF2-40B4-BE49-F238E27FC236}">
-                <a16:creationId xmlns:a16="http://schemas.microsoft.com/office/drawing/2014/main" id="{10B6D63F-A738-4285-894E-D929A2EE5D94}"/>
+                <a16:creationId xmlns:a16="http://schemas.microsoft.com/office/drawing/2014/main" xmlns="" id="{10B6D63F-A738-4285-894E-D929A2EE5D94}"/>
               </a:ext>
             </a:extLst>
           </p:cNvPr>
@@ -7336,7 +7336,7 @@
           <p:cNvPr id="58" name="직사각형 57">
             <a:extLst>
               <a:ext uri="{FF2B5EF4-FFF2-40B4-BE49-F238E27FC236}">
-                <a16:creationId xmlns:a16="http://schemas.microsoft.com/office/drawing/2014/main" id="{715613DD-B3E7-495E-AE52-CF7456C0A484}"/>
+                <a16:creationId xmlns:a16="http://schemas.microsoft.com/office/drawing/2014/main" xmlns="" id="{715613DD-B3E7-495E-AE52-CF7456C0A484}"/>
               </a:ext>
             </a:extLst>
           </p:cNvPr>
@@ -7391,7 +7391,7 @@
           <p:cNvPr id="59" name="직사각형 58">
             <a:extLst>
               <a:ext uri="{FF2B5EF4-FFF2-40B4-BE49-F238E27FC236}">
-                <a16:creationId xmlns:a16="http://schemas.microsoft.com/office/drawing/2014/main" id="{062EDDCA-B8FA-47B5-A8D9-56852AF28E92}"/>
+                <a16:creationId xmlns:a16="http://schemas.microsoft.com/office/drawing/2014/main" xmlns="" id="{062EDDCA-B8FA-47B5-A8D9-56852AF28E92}"/>
               </a:ext>
             </a:extLst>
           </p:cNvPr>
@@ -7446,7 +7446,7 @@
           <p:cNvPr id="60" name="직사각형 59">
             <a:extLst>
               <a:ext uri="{FF2B5EF4-FFF2-40B4-BE49-F238E27FC236}">
-                <a16:creationId xmlns:a16="http://schemas.microsoft.com/office/drawing/2014/main" id="{D6018BF6-113B-4AD5-AC47-DD1162052588}"/>
+                <a16:creationId xmlns:a16="http://schemas.microsoft.com/office/drawing/2014/main" xmlns="" id="{D6018BF6-113B-4AD5-AC47-DD1162052588}"/>
               </a:ext>
             </a:extLst>
           </p:cNvPr>
@@ -7501,7 +7501,7 @@
           <p:cNvPr id="62" name="직선 연결선 61">
             <a:extLst>
               <a:ext uri="{FF2B5EF4-FFF2-40B4-BE49-F238E27FC236}">
-                <a16:creationId xmlns:a16="http://schemas.microsoft.com/office/drawing/2014/main" id="{3139F0E9-B10D-411B-9767-74099676FC2E}"/>
+                <a16:creationId xmlns:a16="http://schemas.microsoft.com/office/drawing/2014/main" xmlns="" id="{3139F0E9-B10D-411B-9767-74099676FC2E}"/>
               </a:ext>
             </a:extLst>
           </p:cNvPr>
@@ -7547,7 +7547,7 @@
           <p:cNvPr id="64" name="사각형: 둥근 모서리 63">
             <a:extLst>
               <a:ext uri="{FF2B5EF4-FFF2-40B4-BE49-F238E27FC236}">
-                <a16:creationId xmlns:a16="http://schemas.microsoft.com/office/drawing/2014/main" id="{63315C79-14A9-4A2C-893E-63D8891F3BF1}"/>
+                <a16:creationId xmlns:a16="http://schemas.microsoft.com/office/drawing/2014/main" xmlns="" id="{63315C79-14A9-4A2C-893E-63D8891F3BF1}"/>
               </a:ext>
             </a:extLst>
           </p:cNvPr>
@@ -7604,7 +7604,7 @@
           <p:cNvPr id="70" name="직선 연결선 69">
             <a:extLst>
               <a:ext uri="{FF2B5EF4-FFF2-40B4-BE49-F238E27FC236}">
-                <a16:creationId xmlns:a16="http://schemas.microsoft.com/office/drawing/2014/main" id="{E2D7A87B-7647-4E3F-9850-462F90987C02}"/>
+                <a16:creationId xmlns:a16="http://schemas.microsoft.com/office/drawing/2014/main" xmlns="" id="{E2D7A87B-7647-4E3F-9850-462F90987C02}"/>
               </a:ext>
             </a:extLst>
           </p:cNvPr>
@@ -7650,7 +7650,7 @@
           <p:cNvPr id="71" name="사각형: 둥근 모서리 70">
             <a:extLst>
               <a:ext uri="{FF2B5EF4-FFF2-40B4-BE49-F238E27FC236}">
-                <a16:creationId xmlns:a16="http://schemas.microsoft.com/office/drawing/2014/main" id="{E7A8B5B9-DB06-465D-8CAA-9643622B336D}"/>
+                <a16:creationId xmlns:a16="http://schemas.microsoft.com/office/drawing/2014/main" xmlns="" id="{E7A8B5B9-DB06-465D-8CAA-9643622B336D}"/>
               </a:ext>
             </a:extLst>
           </p:cNvPr>
@@ -7707,7 +7707,7 @@
           <p:cNvPr id="72" name="직선 연결선 71">
             <a:extLst>
               <a:ext uri="{FF2B5EF4-FFF2-40B4-BE49-F238E27FC236}">
-                <a16:creationId xmlns:a16="http://schemas.microsoft.com/office/drawing/2014/main" id="{98E6A8F4-7072-4F79-BAB1-8D5A6980455B}"/>
+                <a16:creationId xmlns:a16="http://schemas.microsoft.com/office/drawing/2014/main" xmlns="" id="{98E6A8F4-7072-4F79-BAB1-8D5A6980455B}"/>
               </a:ext>
             </a:extLst>
           </p:cNvPr>
@@ -7754,7 +7754,7 @@
           <p:cNvPr id="73" name="사각형: 둥근 모서리 72">
             <a:extLst>
               <a:ext uri="{FF2B5EF4-FFF2-40B4-BE49-F238E27FC236}">
-                <a16:creationId xmlns:a16="http://schemas.microsoft.com/office/drawing/2014/main" id="{CBD9CE51-6D38-4927-9219-F515AAD76996}"/>
+                <a16:creationId xmlns:a16="http://schemas.microsoft.com/office/drawing/2014/main" xmlns="" id="{CBD9CE51-6D38-4927-9219-F515AAD76996}"/>
               </a:ext>
             </a:extLst>
           </p:cNvPr>
@@ -7811,7 +7811,7 @@
           <p:cNvPr id="85" name="직선 연결선 84">
             <a:extLst>
               <a:ext uri="{FF2B5EF4-FFF2-40B4-BE49-F238E27FC236}">
-                <a16:creationId xmlns:a16="http://schemas.microsoft.com/office/drawing/2014/main" id="{FDAC4C50-6F3E-478E-AD54-0FA9F2653309}"/>
+                <a16:creationId xmlns:a16="http://schemas.microsoft.com/office/drawing/2014/main" xmlns="" id="{FDAC4C50-6F3E-478E-AD54-0FA9F2653309}"/>
               </a:ext>
             </a:extLst>
           </p:cNvPr>
@@ -7855,7 +7855,7 @@
           <p:cNvPr id="86" name="사각형: 둥근 모서리 85">
             <a:extLst>
               <a:ext uri="{FF2B5EF4-FFF2-40B4-BE49-F238E27FC236}">
-                <a16:creationId xmlns:a16="http://schemas.microsoft.com/office/drawing/2014/main" id="{0C56B649-1967-4087-BFD2-88024645A286}"/>
+                <a16:creationId xmlns:a16="http://schemas.microsoft.com/office/drawing/2014/main" xmlns="" id="{0C56B649-1967-4087-BFD2-88024645A286}"/>
               </a:ext>
             </a:extLst>
           </p:cNvPr>
@@ -7940,7 +7940,7 @@
           <p:cNvPr id="2" name="제목 1">
             <a:extLst>
               <a:ext uri="{FF2B5EF4-FFF2-40B4-BE49-F238E27FC236}">
-                <a16:creationId xmlns:a16="http://schemas.microsoft.com/office/drawing/2014/main" id="{8738443D-5E72-49E2-86AC-581D61C41C39}"/>
+                <a16:creationId xmlns:a16="http://schemas.microsoft.com/office/drawing/2014/main" xmlns="" id="{8738443D-5E72-49E2-86AC-581D61C41C39}"/>
               </a:ext>
             </a:extLst>
           </p:cNvPr>
@@ -7974,7 +7974,7 @@
           <p:cNvPr id="65" name="사각형: 둥근 모서리 64">
             <a:extLst>
               <a:ext uri="{FF2B5EF4-FFF2-40B4-BE49-F238E27FC236}">
-                <a16:creationId xmlns:a16="http://schemas.microsoft.com/office/drawing/2014/main" id="{2180C557-B871-4C9D-81EE-E6D05FCBFECB}"/>
+                <a16:creationId xmlns:a16="http://schemas.microsoft.com/office/drawing/2014/main" xmlns="" id="{2180C557-B871-4C9D-81EE-E6D05FCBFECB}"/>
               </a:ext>
             </a:extLst>
           </p:cNvPr>
@@ -8020,7 +8020,7 @@
           <p:cNvPr id="76" name="사각형: 둥근 모서리 75">
             <a:extLst>
               <a:ext uri="{FF2B5EF4-FFF2-40B4-BE49-F238E27FC236}">
-                <a16:creationId xmlns:a16="http://schemas.microsoft.com/office/drawing/2014/main" id="{A910D563-B245-4322-8624-456355705242}"/>
+                <a16:creationId xmlns:a16="http://schemas.microsoft.com/office/drawing/2014/main" xmlns="" id="{A910D563-B245-4322-8624-456355705242}"/>
               </a:ext>
             </a:extLst>
           </p:cNvPr>
@@ -8066,7 +8066,7 @@
           <p:cNvPr id="77" name="사각형: 둥근 모서리 76">
             <a:extLst>
               <a:ext uri="{FF2B5EF4-FFF2-40B4-BE49-F238E27FC236}">
-                <a16:creationId xmlns:a16="http://schemas.microsoft.com/office/drawing/2014/main" id="{6409C420-04B0-4F69-92DB-1B3D188BF92F}"/>
+                <a16:creationId xmlns:a16="http://schemas.microsoft.com/office/drawing/2014/main" xmlns="" id="{6409C420-04B0-4F69-92DB-1B3D188BF92F}"/>
               </a:ext>
             </a:extLst>
           </p:cNvPr>
@@ -8112,7 +8112,7 @@
           <p:cNvPr id="80" name="사각형: 둥근 모서리 79">
             <a:extLst>
               <a:ext uri="{FF2B5EF4-FFF2-40B4-BE49-F238E27FC236}">
-                <a16:creationId xmlns:a16="http://schemas.microsoft.com/office/drawing/2014/main" id="{6D225B4F-1E1D-4758-900F-FC51AF96C0B4}"/>
+                <a16:creationId xmlns:a16="http://schemas.microsoft.com/office/drawing/2014/main" xmlns="" id="{6D225B4F-1E1D-4758-900F-FC51AF96C0B4}"/>
               </a:ext>
             </a:extLst>
           </p:cNvPr>
@@ -8158,7 +8158,7 @@
           <p:cNvPr id="88" name="사각형: 둥근 모서리 87">
             <a:extLst>
               <a:ext uri="{FF2B5EF4-FFF2-40B4-BE49-F238E27FC236}">
-                <a16:creationId xmlns:a16="http://schemas.microsoft.com/office/drawing/2014/main" id="{9ED453FC-2270-4CEB-8E03-2B4CD09100D9}"/>
+                <a16:creationId xmlns:a16="http://schemas.microsoft.com/office/drawing/2014/main" xmlns="" id="{9ED453FC-2270-4CEB-8E03-2B4CD09100D9}"/>
               </a:ext>
             </a:extLst>
           </p:cNvPr>
@@ -8204,7 +8204,7 @@
           <p:cNvPr id="90" name="사각형: 둥근 모서리 89">
             <a:extLst>
               <a:ext uri="{FF2B5EF4-FFF2-40B4-BE49-F238E27FC236}">
-                <a16:creationId xmlns:a16="http://schemas.microsoft.com/office/drawing/2014/main" id="{23F6D3FC-635C-4969-B57B-76B2D3228A85}"/>
+                <a16:creationId xmlns:a16="http://schemas.microsoft.com/office/drawing/2014/main" xmlns="" id="{23F6D3FC-635C-4969-B57B-76B2D3228A85}"/>
               </a:ext>
             </a:extLst>
           </p:cNvPr>
@@ -8250,7 +8250,7 @@
           <p:cNvPr id="91" name="사각형: 둥근 모서리 90">
             <a:extLst>
               <a:ext uri="{FF2B5EF4-FFF2-40B4-BE49-F238E27FC236}">
-                <a16:creationId xmlns:a16="http://schemas.microsoft.com/office/drawing/2014/main" id="{AD231CB9-F797-4B8F-8236-92AE677A2873}"/>
+                <a16:creationId xmlns:a16="http://schemas.microsoft.com/office/drawing/2014/main" xmlns="" id="{AD231CB9-F797-4B8F-8236-92AE677A2873}"/>
               </a:ext>
             </a:extLst>
           </p:cNvPr>
@@ -8296,7 +8296,7 @@
           <p:cNvPr id="92" name="사각형: 둥근 모서리 91">
             <a:extLst>
               <a:ext uri="{FF2B5EF4-FFF2-40B4-BE49-F238E27FC236}">
-                <a16:creationId xmlns:a16="http://schemas.microsoft.com/office/drawing/2014/main" id="{A672C5E9-3199-4005-9E4B-D897DED12C4B}"/>
+                <a16:creationId xmlns:a16="http://schemas.microsoft.com/office/drawing/2014/main" xmlns="" id="{A672C5E9-3199-4005-9E4B-D897DED12C4B}"/>
               </a:ext>
             </a:extLst>
           </p:cNvPr>
@@ -8350,7 +8350,7 @@
           <p:cNvPr id="93" name="사각형: 둥근 모서리 92">
             <a:extLst>
               <a:ext uri="{FF2B5EF4-FFF2-40B4-BE49-F238E27FC236}">
-                <a16:creationId xmlns:a16="http://schemas.microsoft.com/office/drawing/2014/main" id="{340D6CFE-9284-41FF-90EA-3F9CACAC06A2}"/>
+                <a16:creationId xmlns:a16="http://schemas.microsoft.com/office/drawing/2014/main" xmlns="" id="{340D6CFE-9284-41FF-90EA-3F9CACAC06A2}"/>
               </a:ext>
             </a:extLst>
           </p:cNvPr>
@@ -8396,7 +8396,7 @@
           <p:cNvPr id="94" name="사각형: 둥근 모서리 93">
             <a:extLst>
               <a:ext uri="{FF2B5EF4-FFF2-40B4-BE49-F238E27FC236}">
-                <a16:creationId xmlns:a16="http://schemas.microsoft.com/office/drawing/2014/main" id="{C8076751-D353-4462-9752-3EA81A39230F}"/>
+                <a16:creationId xmlns:a16="http://schemas.microsoft.com/office/drawing/2014/main" xmlns="" id="{C8076751-D353-4462-9752-3EA81A39230F}"/>
               </a:ext>
             </a:extLst>
           </p:cNvPr>
@@ -8442,7 +8442,7 @@
           <p:cNvPr id="95" name="사각형: 둥근 모서리 94">
             <a:extLst>
               <a:ext uri="{FF2B5EF4-FFF2-40B4-BE49-F238E27FC236}">
-                <a16:creationId xmlns:a16="http://schemas.microsoft.com/office/drawing/2014/main" id="{C6DDD8D1-DF60-4B07-87F3-D1F80BFE517B}"/>
+                <a16:creationId xmlns:a16="http://schemas.microsoft.com/office/drawing/2014/main" xmlns="" id="{C6DDD8D1-DF60-4B07-87F3-D1F80BFE517B}"/>
               </a:ext>
             </a:extLst>
           </p:cNvPr>
@@ -8488,7 +8488,7 @@
           <p:cNvPr id="96" name="사각형: 둥근 모서리 95">
             <a:extLst>
               <a:ext uri="{FF2B5EF4-FFF2-40B4-BE49-F238E27FC236}">
-                <a16:creationId xmlns:a16="http://schemas.microsoft.com/office/drawing/2014/main" id="{5A4F92BA-7E5B-4F1F-99EB-4C4CAACF0566}"/>
+                <a16:creationId xmlns:a16="http://schemas.microsoft.com/office/drawing/2014/main" xmlns="" id="{5A4F92BA-7E5B-4F1F-99EB-4C4CAACF0566}"/>
               </a:ext>
             </a:extLst>
           </p:cNvPr>
@@ -8534,7 +8534,7 @@
           <p:cNvPr id="97" name="사각형: 둥근 모서리 96">
             <a:extLst>
               <a:ext uri="{FF2B5EF4-FFF2-40B4-BE49-F238E27FC236}">
-                <a16:creationId xmlns:a16="http://schemas.microsoft.com/office/drawing/2014/main" id="{03F816CD-D614-4D52-BB83-C133F6145B65}"/>
+                <a16:creationId xmlns:a16="http://schemas.microsoft.com/office/drawing/2014/main" xmlns="" id="{03F816CD-D614-4D52-BB83-C133F6145B65}"/>
               </a:ext>
             </a:extLst>
           </p:cNvPr>
@@ -8588,7 +8588,7 @@
           <p:cNvPr id="98" name="사각형: 둥근 모서리 97">
             <a:extLst>
               <a:ext uri="{FF2B5EF4-FFF2-40B4-BE49-F238E27FC236}">
-                <a16:creationId xmlns:a16="http://schemas.microsoft.com/office/drawing/2014/main" id="{B7F3166A-0339-4DF7-B897-8F8E51AD36A9}"/>
+                <a16:creationId xmlns:a16="http://schemas.microsoft.com/office/drawing/2014/main" xmlns="" id="{B7F3166A-0339-4DF7-B897-8F8E51AD36A9}"/>
               </a:ext>
             </a:extLst>
           </p:cNvPr>
@@ -8634,7 +8634,7 @@
           <p:cNvPr id="99" name="사각형: 둥근 모서리 98">
             <a:extLst>
               <a:ext uri="{FF2B5EF4-FFF2-40B4-BE49-F238E27FC236}">
-                <a16:creationId xmlns:a16="http://schemas.microsoft.com/office/drawing/2014/main" id="{AF2911AD-AA7B-4C41-83B7-79EF7864077A}"/>
+                <a16:creationId xmlns:a16="http://schemas.microsoft.com/office/drawing/2014/main" xmlns="" id="{AF2911AD-AA7B-4C41-83B7-79EF7864077A}"/>
               </a:ext>
             </a:extLst>
           </p:cNvPr>
@@ -8680,7 +8680,7 @@
           <p:cNvPr id="100" name="사각형: 둥근 모서리 99">
             <a:extLst>
               <a:ext uri="{FF2B5EF4-FFF2-40B4-BE49-F238E27FC236}">
-                <a16:creationId xmlns:a16="http://schemas.microsoft.com/office/drawing/2014/main" id="{2B6B00ED-5982-49BC-ABA8-90FF872E4E51}"/>
+                <a16:creationId xmlns:a16="http://schemas.microsoft.com/office/drawing/2014/main" xmlns="" id="{2B6B00ED-5982-49BC-ABA8-90FF872E4E51}"/>
               </a:ext>
             </a:extLst>
           </p:cNvPr>
@@ -8726,7 +8726,7 @@
           <p:cNvPr id="101" name="사각형: 둥근 모서리 100">
             <a:extLst>
               <a:ext uri="{FF2B5EF4-FFF2-40B4-BE49-F238E27FC236}">
-                <a16:creationId xmlns:a16="http://schemas.microsoft.com/office/drawing/2014/main" id="{CFA0EFB8-3850-4B0F-90CA-03B48A7BDB95}"/>
+                <a16:creationId xmlns:a16="http://schemas.microsoft.com/office/drawing/2014/main" xmlns="" id="{CFA0EFB8-3850-4B0F-90CA-03B48A7BDB95}"/>
               </a:ext>
             </a:extLst>
           </p:cNvPr>
@@ -8772,7 +8772,7 @@
           <p:cNvPr id="102" name="사각형: 둥근 모서리 101">
             <a:extLst>
               <a:ext uri="{FF2B5EF4-FFF2-40B4-BE49-F238E27FC236}">
-                <a16:creationId xmlns:a16="http://schemas.microsoft.com/office/drawing/2014/main" id="{FB6F7874-0564-4ADB-9E27-9C886B046137}"/>
+                <a16:creationId xmlns:a16="http://schemas.microsoft.com/office/drawing/2014/main" xmlns="" id="{FB6F7874-0564-4ADB-9E27-9C886B046137}"/>
               </a:ext>
             </a:extLst>
           </p:cNvPr>
@@ -8826,7 +8826,7 @@
           <p:cNvPr id="109" name="사각형: 둥근 모서리 108">
             <a:extLst>
               <a:ext uri="{FF2B5EF4-FFF2-40B4-BE49-F238E27FC236}">
-                <a16:creationId xmlns:a16="http://schemas.microsoft.com/office/drawing/2014/main" id="{E20AA57F-D3BB-4B71-B7C9-BC5D771878CE}"/>
+                <a16:creationId xmlns:a16="http://schemas.microsoft.com/office/drawing/2014/main" xmlns="" id="{E20AA57F-D3BB-4B71-B7C9-BC5D771878CE}"/>
               </a:ext>
             </a:extLst>
           </p:cNvPr>
@@ -8872,7 +8872,7 @@
           <p:cNvPr id="110" name="사각형: 둥근 모서리 109">
             <a:extLst>
               <a:ext uri="{FF2B5EF4-FFF2-40B4-BE49-F238E27FC236}">
-                <a16:creationId xmlns:a16="http://schemas.microsoft.com/office/drawing/2014/main" id="{7C1E0651-3E24-43FF-99DD-74546D2F7429}"/>
+                <a16:creationId xmlns:a16="http://schemas.microsoft.com/office/drawing/2014/main" xmlns="" id="{7C1E0651-3E24-43FF-99DD-74546D2F7429}"/>
               </a:ext>
             </a:extLst>
           </p:cNvPr>
@@ -8918,7 +8918,7 @@
           <p:cNvPr id="111" name="사각형: 둥근 모서리 110">
             <a:extLst>
               <a:ext uri="{FF2B5EF4-FFF2-40B4-BE49-F238E27FC236}">
-                <a16:creationId xmlns:a16="http://schemas.microsoft.com/office/drawing/2014/main" id="{6C05A915-D758-4CE2-9041-1E2E9F3ED798}"/>
+                <a16:creationId xmlns:a16="http://schemas.microsoft.com/office/drawing/2014/main" xmlns="" id="{6C05A915-D758-4CE2-9041-1E2E9F3ED798}"/>
               </a:ext>
             </a:extLst>
           </p:cNvPr>
@@ -8964,7 +8964,7 @@
           <p:cNvPr id="112" name="사각형: 둥근 모서리 111">
             <a:extLst>
               <a:ext uri="{FF2B5EF4-FFF2-40B4-BE49-F238E27FC236}">
-                <a16:creationId xmlns:a16="http://schemas.microsoft.com/office/drawing/2014/main" id="{EAF45B0F-8D1B-485E-AB14-AE2E29866D63}"/>
+                <a16:creationId xmlns:a16="http://schemas.microsoft.com/office/drawing/2014/main" xmlns="" id="{EAF45B0F-8D1B-485E-AB14-AE2E29866D63}"/>
               </a:ext>
             </a:extLst>
           </p:cNvPr>
@@ -9010,7 +9010,7 @@
           <p:cNvPr id="113" name="사각형: 둥근 모서리 112">
             <a:extLst>
               <a:ext uri="{FF2B5EF4-FFF2-40B4-BE49-F238E27FC236}">
-                <a16:creationId xmlns:a16="http://schemas.microsoft.com/office/drawing/2014/main" id="{217E2208-2842-49B7-9A0D-1143918B7E1C}"/>
+                <a16:creationId xmlns:a16="http://schemas.microsoft.com/office/drawing/2014/main" xmlns="" id="{217E2208-2842-49B7-9A0D-1143918B7E1C}"/>
               </a:ext>
             </a:extLst>
           </p:cNvPr>
@@ -9056,7 +9056,7 @@
           <p:cNvPr id="114" name="사각형: 둥근 모서리 113">
             <a:extLst>
               <a:ext uri="{FF2B5EF4-FFF2-40B4-BE49-F238E27FC236}">
-                <a16:creationId xmlns:a16="http://schemas.microsoft.com/office/drawing/2014/main" id="{790CBAD9-3E27-489D-8BB6-3634CF65E793}"/>
+                <a16:creationId xmlns:a16="http://schemas.microsoft.com/office/drawing/2014/main" xmlns="" id="{790CBAD9-3E27-489D-8BB6-3634CF65E793}"/>
               </a:ext>
             </a:extLst>
           </p:cNvPr>
@@ -9102,7 +9102,7 @@
           <p:cNvPr id="115" name="사각형: 둥근 모서리 114">
             <a:extLst>
               <a:ext uri="{FF2B5EF4-FFF2-40B4-BE49-F238E27FC236}">
-                <a16:creationId xmlns:a16="http://schemas.microsoft.com/office/drawing/2014/main" id="{8D4EF1B4-D75A-4F2A-9D16-BC1969775108}"/>
+                <a16:creationId xmlns:a16="http://schemas.microsoft.com/office/drawing/2014/main" xmlns="" id="{8D4EF1B4-D75A-4F2A-9D16-BC1969775108}"/>
               </a:ext>
             </a:extLst>
           </p:cNvPr>
@@ -9148,7 +9148,7 @@
           <p:cNvPr id="116" name="사각형: 둥근 모서리 115">
             <a:extLst>
               <a:ext uri="{FF2B5EF4-FFF2-40B4-BE49-F238E27FC236}">
-                <a16:creationId xmlns:a16="http://schemas.microsoft.com/office/drawing/2014/main" id="{88239016-1912-4C9B-BDD6-52330299B508}"/>
+                <a16:creationId xmlns:a16="http://schemas.microsoft.com/office/drawing/2014/main" xmlns="" id="{88239016-1912-4C9B-BDD6-52330299B508}"/>
               </a:ext>
             </a:extLst>
           </p:cNvPr>
@@ -9194,7 +9194,7 @@
           <p:cNvPr id="117" name="사각형: 둥근 모서리 116">
             <a:extLst>
               <a:ext uri="{FF2B5EF4-FFF2-40B4-BE49-F238E27FC236}">
-                <a16:creationId xmlns:a16="http://schemas.microsoft.com/office/drawing/2014/main" id="{3EC86E2E-0CBB-46F5-964D-276C10B82647}"/>
+                <a16:creationId xmlns:a16="http://schemas.microsoft.com/office/drawing/2014/main" xmlns="" id="{3EC86E2E-0CBB-46F5-964D-276C10B82647}"/>
               </a:ext>
             </a:extLst>
           </p:cNvPr>
@@ -9240,7 +9240,7 @@
           <p:cNvPr id="118" name="사각형: 둥근 모서리 117">
             <a:extLst>
               <a:ext uri="{FF2B5EF4-FFF2-40B4-BE49-F238E27FC236}">
-                <a16:creationId xmlns:a16="http://schemas.microsoft.com/office/drawing/2014/main" id="{E96C6EDA-15E6-4CDC-87F8-81A75EFB352B}"/>
+                <a16:creationId xmlns:a16="http://schemas.microsoft.com/office/drawing/2014/main" xmlns="" id="{E96C6EDA-15E6-4CDC-87F8-81A75EFB352B}"/>
               </a:ext>
             </a:extLst>
           </p:cNvPr>
@@ -9286,7 +9286,7 @@
           <p:cNvPr id="119" name="사각형: 둥근 모서리 118">
             <a:extLst>
               <a:ext uri="{FF2B5EF4-FFF2-40B4-BE49-F238E27FC236}">
-                <a16:creationId xmlns:a16="http://schemas.microsoft.com/office/drawing/2014/main" id="{82AE038C-94AA-4917-82BA-B950BF4C0A39}"/>
+                <a16:creationId xmlns:a16="http://schemas.microsoft.com/office/drawing/2014/main" xmlns="" id="{82AE038C-94AA-4917-82BA-B950BF4C0A39}"/>
               </a:ext>
             </a:extLst>
           </p:cNvPr>
@@ -9332,7 +9332,7 @@
           <p:cNvPr id="120" name="사각형: 둥근 모서리 119">
             <a:extLst>
               <a:ext uri="{FF2B5EF4-FFF2-40B4-BE49-F238E27FC236}">
-                <a16:creationId xmlns:a16="http://schemas.microsoft.com/office/drawing/2014/main" id="{38840837-3FC2-4EED-BD43-0B963219103B}"/>
+                <a16:creationId xmlns:a16="http://schemas.microsoft.com/office/drawing/2014/main" xmlns="" id="{38840837-3FC2-4EED-BD43-0B963219103B}"/>
               </a:ext>
             </a:extLst>
           </p:cNvPr>
@@ -9378,7 +9378,7 @@
           <p:cNvPr id="121" name="사각형: 둥근 모서리 120">
             <a:extLst>
               <a:ext uri="{FF2B5EF4-FFF2-40B4-BE49-F238E27FC236}">
-                <a16:creationId xmlns:a16="http://schemas.microsoft.com/office/drawing/2014/main" id="{9D8EDD12-BCBC-45DC-9DD2-7996E98DA545}"/>
+                <a16:creationId xmlns:a16="http://schemas.microsoft.com/office/drawing/2014/main" xmlns="" id="{9D8EDD12-BCBC-45DC-9DD2-7996E98DA545}"/>
               </a:ext>
             </a:extLst>
           </p:cNvPr>
@@ -9424,7 +9424,7 @@
           <p:cNvPr id="122" name="사각형: 둥근 모서리 121">
             <a:extLst>
               <a:ext uri="{FF2B5EF4-FFF2-40B4-BE49-F238E27FC236}">
-                <a16:creationId xmlns:a16="http://schemas.microsoft.com/office/drawing/2014/main" id="{3CB6486B-BEDC-4C0D-9036-645B124BF4CC}"/>
+                <a16:creationId xmlns:a16="http://schemas.microsoft.com/office/drawing/2014/main" xmlns="" id="{3CB6486B-BEDC-4C0D-9036-645B124BF4CC}"/>
               </a:ext>
             </a:extLst>
           </p:cNvPr>
@@ -9470,7 +9470,7 @@
           <p:cNvPr id="123" name="사각형: 둥근 모서리 122">
             <a:extLst>
               <a:ext uri="{FF2B5EF4-FFF2-40B4-BE49-F238E27FC236}">
-                <a16:creationId xmlns:a16="http://schemas.microsoft.com/office/drawing/2014/main" id="{E58B7BE9-F75C-42A6-96BB-CFF07FA5C398}"/>
+                <a16:creationId xmlns:a16="http://schemas.microsoft.com/office/drawing/2014/main" xmlns="" id="{E58B7BE9-F75C-42A6-96BB-CFF07FA5C398}"/>
               </a:ext>
             </a:extLst>
           </p:cNvPr>
@@ -9516,7 +9516,7 @@
           <p:cNvPr id="124" name="사각형: 둥근 모서리 123">
             <a:extLst>
               <a:ext uri="{FF2B5EF4-FFF2-40B4-BE49-F238E27FC236}">
-                <a16:creationId xmlns:a16="http://schemas.microsoft.com/office/drawing/2014/main" id="{54015FFE-1205-4E6A-BF94-83AE96A4DEE6}"/>
+                <a16:creationId xmlns:a16="http://schemas.microsoft.com/office/drawing/2014/main" xmlns="" id="{54015FFE-1205-4E6A-BF94-83AE96A4DEE6}"/>
               </a:ext>
             </a:extLst>
           </p:cNvPr>
@@ -9562,7 +9562,7 @@
           <p:cNvPr id="125" name="사각형: 둥근 모서리 124">
             <a:extLst>
               <a:ext uri="{FF2B5EF4-FFF2-40B4-BE49-F238E27FC236}">
-                <a16:creationId xmlns:a16="http://schemas.microsoft.com/office/drawing/2014/main" id="{CFB17F1E-B8D0-48BA-AA75-01112ED2B172}"/>
+                <a16:creationId xmlns:a16="http://schemas.microsoft.com/office/drawing/2014/main" xmlns="" id="{CFB17F1E-B8D0-48BA-AA75-01112ED2B172}"/>
               </a:ext>
             </a:extLst>
           </p:cNvPr>
@@ -9608,7 +9608,7 @@
           <p:cNvPr id="126" name="사각형: 둥근 모서리 125">
             <a:extLst>
               <a:ext uri="{FF2B5EF4-FFF2-40B4-BE49-F238E27FC236}">
-                <a16:creationId xmlns:a16="http://schemas.microsoft.com/office/drawing/2014/main" id="{A934CD6A-F2D6-4E5E-9F36-2B34D6EE45B2}"/>
+                <a16:creationId xmlns:a16="http://schemas.microsoft.com/office/drawing/2014/main" xmlns="" id="{A934CD6A-F2D6-4E5E-9F36-2B34D6EE45B2}"/>
               </a:ext>
             </a:extLst>
           </p:cNvPr>
@@ -9654,7 +9654,7 @@
           <p:cNvPr id="127" name="사각형: 둥근 모서리 126">
             <a:extLst>
               <a:ext uri="{FF2B5EF4-FFF2-40B4-BE49-F238E27FC236}">
-                <a16:creationId xmlns:a16="http://schemas.microsoft.com/office/drawing/2014/main" id="{1FCC61BB-A156-4907-A50E-5E459588F68D}"/>
+                <a16:creationId xmlns:a16="http://schemas.microsoft.com/office/drawing/2014/main" xmlns="" id="{1FCC61BB-A156-4907-A50E-5E459588F68D}"/>
               </a:ext>
             </a:extLst>
           </p:cNvPr>
@@ -9700,7 +9700,7 @@
           <p:cNvPr id="128" name="사각형: 둥근 모서리 127">
             <a:extLst>
               <a:ext uri="{FF2B5EF4-FFF2-40B4-BE49-F238E27FC236}">
-                <a16:creationId xmlns:a16="http://schemas.microsoft.com/office/drawing/2014/main" id="{C7D10C45-D504-4C3B-8CC4-A01A17A3B4A8}"/>
+                <a16:creationId xmlns:a16="http://schemas.microsoft.com/office/drawing/2014/main" xmlns="" id="{C7D10C45-D504-4C3B-8CC4-A01A17A3B4A8}"/>
               </a:ext>
             </a:extLst>
           </p:cNvPr>
@@ -9746,7 +9746,7 @@
           <p:cNvPr id="129" name="직선 연결선 128">
             <a:extLst>
               <a:ext uri="{FF2B5EF4-FFF2-40B4-BE49-F238E27FC236}">
-                <a16:creationId xmlns:a16="http://schemas.microsoft.com/office/drawing/2014/main" id="{C67970E2-7C08-4440-B7CF-9B892F8A1015}"/>
+                <a16:creationId xmlns:a16="http://schemas.microsoft.com/office/drawing/2014/main" xmlns="" id="{C67970E2-7C08-4440-B7CF-9B892F8A1015}"/>
               </a:ext>
             </a:extLst>
           </p:cNvPr>
@@ -9793,7 +9793,7 @@
           <p:cNvPr id="130" name="직선 연결선 129">
             <a:extLst>
               <a:ext uri="{FF2B5EF4-FFF2-40B4-BE49-F238E27FC236}">
-                <a16:creationId xmlns:a16="http://schemas.microsoft.com/office/drawing/2014/main" id="{D7DDB850-959C-47F5-80C1-DCBBF4174FAB}"/>
+                <a16:creationId xmlns:a16="http://schemas.microsoft.com/office/drawing/2014/main" xmlns="" id="{D7DDB850-959C-47F5-80C1-DCBBF4174FAB}"/>
               </a:ext>
             </a:extLst>
           </p:cNvPr>
@@ -9840,7 +9840,7 @@
           <p:cNvPr id="131" name="직선 연결선 130">
             <a:extLst>
               <a:ext uri="{FF2B5EF4-FFF2-40B4-BE49-F238E27FC236}">
-                <a16:creationId xmlns:a16="http://schemas.microsoft.com/office/drawing/2014/main" id="{C747C5B0-B411-4582-B519-A079A0952288}"/>
+                <a16:creationId xmlns:a16="http://schemas.microsoft.com/office/drawing/2014/main" xmlns="" id="{C747C5B0-B411-4582-B519-A079A0952288}"/>
               </a:ext>
             </a:extLst>
           </p:cNvPr>
@@ -9887,7 +9887,7 @@
           <p:cNvPr id="132" name="직선 연결선 131">
             <a:extLst>
               <a:ext uri="{FF2B5EF4-FFF2-40B4-BE49-F238E27FC236}">
-                <a16:creationId xmlns:a16="http://schemas.microsoft.com/office/drawing/2014/main" id="{F76A5CA8-C1F7-43B0-A1E0-C50DF933FDA4}"/>
+                <a16:creationId xmlns:a16="http://schemas.microsoft.com/office/drawing/2014/main" xmlns="" id="{F76A5CA8-C1F7-43B0-A1E0-C50DF933FDA4}"/>
               </a:ext>
             </a:extLst>
           </p:cNvPr>
@@ -9934,7 +9934,7 @@
           <p:cNvPr id="133" name="직선 연결선 132">
             <a:extLst>
               <a:ext uri="{FF2B5EF4-FFF2-40B4-BE49-F238E27FC236}">
-                <a16:creationId xmlns:a16="http://schemas.microsoft.com/office/drawing/2014/main" id="{73B3601D-3D5D-4F69-A6EF-4392570E3AC2}"/>
+                <a16:creationId xmlns:a16="http://schemas.microsoft.com/office/drawing/2014/main" xmlns="" id="{73B3601D-3D5D-4F69-A6EF-4392570E3AC2}"/>
               </a:ext>
             </a:extLst>
           </p:cNvPr>
@@ -9981,7 +9981,7 @@
           <p:cNvPr id="134" name="직선 연결선 133">
             <a:extLst>
               <a:ext uri="{FF2B5EF4-FFF2-40B4-BE49-F238E27FC236}">
-                <a16:creationId xmlns:a16="http://schemas.microsoft.com/office/drawing/2014/main" id="{D4338E53-AACF-4582-92B9-AE449E6A8D11}"/>
+                <a16:creationId xmlns:a16="http://schemas.microsoft.com/office/drawing/2014/main" xmlns="" id="{D4338E53-AACF-4582-92B9-AE449E6A8D11}"/>
               </a:ext>
             </a:extLst>
           </p:cNvPr>
@@ -10028,7 +10028,7 @@
           <p:cNvPr id="135" name="직선 연결선 134">
             <a:extLst>
               <a:ext uri="{FF2B5EF4-FFF2-40B4-BE49-F238E27FC236}">
-                <a16:creationId xmlns:a16="http://schemas.microsoft.com/office/drawing/2014/main" id="{D2EEE2A4-D91B-4FC7-A07E-FC2ACCB48781}"/>
+                <a16:creationId xmlns:a16="http://schemas.microsoft.com/office/drawing/2014/main" xmlns="" id="{D2EEE2A4-D91B-4FC7-A07E-FC2ACCB48781}"/>
               </a:ext>
             </a:extLst>
           </p:cNvPr>
@@ -10075,7 +10075,7 @@
           <p:cNvPr id="136" name="직선 연결선 135">
             <a:extLst>
               <a:ext uri="{FF2B5EF4-FFF2-40B4-BE49-F238E27FC236}">
-                <a16:creationId xmlns:a16="http://schemas.microsoft.com/office/drawing/2014/main" id="{91F5C4FD-EE2A-4A32-9227-037C2A38D306}"/>
+                <a16:creationId xmlns:a16="http://schemas.microsoft.com/office/drawing/2014/main" xmlns="" id="{91F5C4FD-EE2A-4A32-9227-037C2A38D306}"/>
               </a:ext>
             </a:extLst>
           </p:cNvPr>
@@ -10122,7 +10122,7 @@
           <p:cNvPr id="137" name="직선 연결선 136">
             <a:extLst>
               <a:ext uri="{FF2B5EF4-FFF2-40B4-BE49-F238E27FC236}">
-                <a16:creationId xmlns:a16="http://schemas.microsoft.com/office/drawing/2014/main" id="{F13FE3AB-34C9-4671-8594-7B8284C57846}"/>
+                <a16:creationId xmlns:a16="http://schemas.microsoft.com/office/drawing/2014/main" xmlns="" id="{F13FE3AB-34C9-4671-8594-7B8284C57846}"/>
               </a:ext>
             </a:extLst>
           </p:cNvPr>
@@ -10169,7 +10169,7 @@
           <p:cNvPr id="138" name="사각형: 둥근 모서리 137">
             <a:extLst>
               <a:ext uri="{FF2B5EF4-FFF2-40B4-BE49-F238E27FC236}">
-                <a16:creationId xmlns:a16="http://schemas.microsoft.com/office/drawing/2014/main" id="{799DD52F-3D61-4851-B321-F07F7FBA0BA5}"/>
+                <a16:creationId xmlns:a16="http://schemas.microsoft.com/office/drawing/2014/main" xmlns="" id="{799DD52F-3D61-4851-B321-F07F7FBA0BA5}"/>
               </a:ext>
             </a:extLst>
           </p:cNvPr>
@@ -10223,7 +10223,7 @@
           <p:cNvPr id="139" name="직선 연결선 138">
             <a:extLst>
               <a:ext uri="{FF2B5EF4-FFF2-40B4-BE49-F238E27FC236}">
-                <a16:creationId xmlns:a16="http://schemas.microsoft.com/office/drawing/2014/main" id="{CE4339BF-7112-451C-B329-5900EB94D5F3}"/>
+                <a16:creationId xmlns:a16="http://schemas.microsoft.com/office/drawing/2014/main" xmlns="" id="{CE4339BF-7112-451C-B329-5900EB94D5F3}"/>
               </a:ext>
             </a:extLst>
           </p:cNvPr>
@@ -10270,7 +10270,7 @@
           <p:cNvPr id="140" name="직선 연결선 139">
             <a:extLst>
               <a:ext uri="{FF2B5EF4-FFF2-40B4-BE49-F238E27FC236}">
-                <a16:creationId xmlns:a16="http://schemas.microsoft.com/office/drawing/2014/main" id="{CE400666-2A8B-490B-BE9A-6EC3B9F4A413}"/>
+                <a16:creationId xmlns:a16="http://schemas.microsoft.com/office/drawing/2014/main" xmlns="" id="{CE400666-2A8B-490B-BE9A-6EC3B9F4A413}"/>
               </a:ext>
             </a:extLst>
           </p:cNvPr>
@@ -10317,7 +10317,7 @@
           <p:cNvPr id="141" name="직선 연결선 140">
             <a:extLst>
               <a:ext uri="{FF2B5EF4-FFF2-40B4-BE49-F238E27FC236}">
-                <a16:creationId xmlns:a16="http://schemas.microsoft.com/office/drawing/2014/main" id="{B0D9D116-7A97-4BD1-AEF5-479289B70804}"/>
+                <a16:creationId xmlns:a16="http://schemas.microsoft.com/office/drawing/2014/main" xmlns="" id="{B0D9D116-7A97-4BD1-AEF5-479289B70804}"/>
               </a:ext>
             </a:extLst>
           </p:cNvPr>
@@ -10364,7 +10364,7 @@
           <p:cNvPr id="142" name="직선 연결선 141">
             <a:extLst>
               <a:ext uri="{FF2B5EF4-FFF2-40B4-BE49-F238E27FC236}">
-                <a16:creationId xmlns:a16="http://schemas.microsoft.com/office/drawing/2014/main" id="{7FB33D2A-4744-4C5A-9007-2222E5256AF4}"/>
+                <a16:creationId xmlns:a16="http://schemas.microsoft.com/office/drawing/2014/main" xmlns="" id="{7FB33D2A-4744-4C5A-9007-2222E5256AF4}"/>
               </a:ext>
             </a:extLst>
           </p:cNvPr>
@@ -10411,7 +10411,7 @@
           <p:cNvPr id="143" name="직선 연결선 142">
             <a:extLst>
               <a:ext uri="{FF2B5EF4-FFF2-40B4-BE49-F238E27FC236}">
-                <a16:creationId xmlns:a16="http://schemas.microsoft.com/office/drawing/2014/main" id="{9A2105D3-3A63-41C6-AD42-1A0DBC735B1B}"/>
+                <a16:creationId xmlns:a16="http://schemas.microsoft.com/office/drawing/2014/main" xmlns="" id="{9A2105D3-3A63-41C6-AD42-1A0DBC735B1B}"/>
               </a:ext>
             </a:extLst>
           </p:cNvPr>
@@ -10458,7 +10458,7 @@
           <p:cNvPr id="147" name="직선 연결선 146">
             <a:extLst>
               <a:ext uri="{FF2B5EF4-FFF2-40B4-BE49-F238E27FC236}">
-                <a16:creationId xmlns:a16="http://schemas.microsoft.com/office/drawing/2014/main" id="{29033321-59F9-4678-BC0D-7D8624B85376}"/>
+                <a16:creationId xmlns:a16="http://schemas.microsoft.com/office/drawing/2014/main" xmlns="" id="{29033321-59F9-4678-BC0D-7D8624B85376}"/>
               </a:ext>
             </a:extLst>
           </p:cNvPr>
@@ -10505,7 +10505,7 @@
           <p:cNvPr id="150" name="직선 연결선 149">
             <a:extLst>
               <a:ext uri="{FF2B5EF4-FFF2-40B4-BE49-F238E27FC236}">
-                <a16:creationId xmlns:a16="http://schemas.microsoft.com/office/drawing/2014/main" id="{44C9C351-3E4F-4A03-8DC5-C3392916711A}"/>
+                <a16:creationId xmlns:a16="http://schemas.microsoft.com/office/drawing/2014/main" xmlns="" id="{44C9C351-3E4F-4A03-8DC5-C3392916711A}"/>
               </a:ext>
             </a:extLst>
           </p:cNvPr>
@@ -10552,7 +10552,7 @@
           <p:cNvPr id="153" name="직선 연결선 152">
             <a:extLst>
               <a:ext uri="{FF2B5EF4-FFF2-40B4-BE49-F238E27FC236}">
-                <a16:creationId xmlns:a16="http://schemas.microsoft.com/office/drawing/2014/main" id="{E1DAE43E-EC03-4F4A-8937-8531973255CF}"/>
+                <a16:creationId xmlns:a16="http://schemas.microsoft.com/office/drawing/2014/main" xmlns="" id="{E1DAE43E-EC03-4F4A-8937-8531973255CF}"/>
               </a:ext>
             </a:extLst>
           </p:cNvPr>
@@ -10599,7 +10599,7 @@
           <p:cNvPr id="158" name="사각형: 둥근 모서리 157">
             <a:extLst>
               <a:ext uri="{FF2B5EF4-FFF2-40B4-BE49-F238E27FC236}">
-                <a16:creationId xmlns:a16="http://schemas.microsoft.com/office/drawing/2014/main" id="{4DB2C961-EA0F-4ACD-9458-75F42B21C34B}"/>
+                <a16:creationId xmlns:a16="http://schemas.microsoft.com/office/drawing/2014/main" xmlns="" id="{4DB2C961-EA0F-4ACD-9458-75F42B21C34B}"/>
               </a:ext>
             </a:extLst>
           </p:cNvPr>
@@ -10653,7 +10653,7 @@
           <p:cNvPr id="159" name="사각형: 둥근 모서리 158">
             <a:extLst>
               <a:ext uri="{FF2B5EF4-FFF2-40B4-BE49-F238E27FC236}">
-                <a16:creationId xmlns:a16="http://schemas.microsoft.com/office/drawing/2014/main" id="{CC63A5DC-21CD-4737-96CD-519247DF28CF}"/>
+                <a16:creationId xmlns:a16="http://schemas.microsoft.com/office/drawing/2014/main" xmlns="" id="{CC63A5DC-21CD-4737-96CD-519247DF28CF}"/>
               </a:ext>
             </a:extLst>
           </p:cNvPr>
@@ -10737,7 +10737,7 @@
           <p:cNvPr id="2" name="제목 1">
             <a:extLst>
               <a:ext uri="{FF2B5EF4-FFF2-40B4-BE49-F238E27FC236}">
-                <a16:creationId xmlns:a16="http://schemas.microsoft.com/office/drawing/2014/main" id="{8738443D-5E72-49E2-86AC-581D61C41C39}"/>
+                <a16:creationId xmlns:a16="http://schemas.microsoft.com/office/drawing/2014/main" xmlns="" id="{8738443D-5E72-49E2-86AC-581D61C41C39}"/>
               </a:ext>
             </a:extLst>
           </p:cNvPr>
@@ -10771,7 +10771,7 @@
           <p:cNvPr id="61" name="사각형: 둥근 모서리 60">
             <a:extLst>
               <a:ext uri="{FF2B5EF4-FFF2-40B4-BE49-F238E27FC236}">
-                <a16:creationId xmlns:a16="http://schemas.microsoft.com/office/drawing/2014/main" id="{40BA9858-3208-4523-BADB-FCF840AE7A45}"/>
+                <a16:creationId xmlns:a16="http://schemas.microsoft.com/office/drawing/2014/main" xmlns="" id="{40BA9858-3208-4523-BADB-FCF840AE7A45}"/>
               </a:ext>
             </a:extLst>
           </p:cNvPr>
@@ -10821,7 +10821,7 @@
           <p:cNvPr id="63" name="사각형: 둥근 모서리 62">
             <a:extLst>
               <a:ext uri="{FF2B5EF4-FFF2-40B4-BE49-F238E27FC236}">
-                <a16:creationId xmlns:a16="http://schemas.microsoft.com/office/drawing/2014/main" id="{4BBBCC4C-6988-41D0-90D6-47BC985F78F1}"/>
+                <a16:creationId xmlns:a16="http://schemas.microsoft.com/office/drawing/2014/main" xmlns="" id="{4BBBCC4C-6988-41D0-90D6-47BC985F78F1}"/>
               </a:ext>
             </a:extLst>
           </p:cNvPr>
@@ -10871,7 +10871,7 @@
           <p:cNvPr id="67" name="사각형: 둥근 모서리 66">
             <a:extLst>
               <a:ext uri="{FF2B5EF4-FFF2-40B4-BE49-F238E27FC236}">
-                <a16:creationId xmlns:a16="http://schemas.microsoft.com/office/drawing/2014/main" id="{E9FEC3DD-8514-4B53-BEE9-D0732369C7CF}"/>
+                <a16:creationId xmlns:a16="http://schemas.microsoft.com/office/drawing/2014/main" xmlns="" id="{E9FEC3DD-8514-4B53-BEE9-D0732369C7CF}"/>
               </a:ext>
             </a:extLst>
           </p:cNvPr>
@@ -10921,7 +10921,7 @@
           <p:cNvPr id="72" name="직선 연결선 71">
             <a:extLst>
               <a:ext uri="{FF2B5EF4-FFF2-40B4-BE49-F238E27FC236}">
-                <a16:creationId xmlns:a16="http://schemas.microsoft.com/office/drawing/2014/main" id="{0720763C-40A3-49E1-B406-06DBA2C6F514}"/>
+                <a16:creationId xmlns:a16="http://schemas.microsoft.com/office/drawing/2014/main" xmlns="" id="{0720763C-40A3-49E1-B406-06DBA2C6F514}"/>
               </a:ext>
             </a:extLst>
           </p:cNvPr>
@@ -10968,7 +10968,7 @@
           <p:cNvPr id="74" name="직선 연결선 73">
             <a:extLst>
               <a:ext uri="{FF2B5EF4-FFF2-40B4-BE49-F238E27FC236}">
-                <a16:creationId xmlns:a16="http://schemas.microsoft.com/office/drawing/2014/main" id="{0FD23FE4-C987-4F81-91C1-892FF6B0DA97}"/>
+                <a16:creationId xmlns:a16="http://schemas.microsoft.com/office/drawing/2014/main" xmlns="" id="{0FD23FE4-C987-4F81-91C1-892FF6B0DA97}"/>
               </a:ext>
             </a:extLst>
           </p:cNvPr>
@@ -11015,7 +11015,7 @@
           <p:cNvPr id="79" name="직선 연결선 78">
             <a:extLst>
               <a:ext uri="{FF2B5EF4-FFF2-40B4-BE49-F238E27FC236}">
-                <a16:creationId xmlns:a16="http://schemas.microsoft.com/office/drawing/2014/main" id="{9AB70E76-9F2C-4ECF-8A91-57659D81C76C}"/>
+                <a16:creationId xmlns:a16="http://schemas.microsoft.com/office/drawing/2014/main" xmlns="" id="{9AB70E76-9F2C-4ECF-8A91-57659D81C76C}"/>
               </a:ext>
             </a:extLst>
           </p:cNvPr>
@@ -11061,7 +11061,7 @@
           <p:cNvPr id="87" name="직선 연결선 86">
             <a:extLst>
               <a:ext uri="{FF2B5EF4-FFF2-40B4-BE49-F238E27FC236}">
-                <a16:creationId xmlns:a16="http://schemas.microsoft.com/office/drawing/2014/main" id="{E94817C5-441D-499E-90A3-6672A5DF09A9}"/>
+                <a16:creationId xmlns:a16="http://schemas.microsoft.com/office/drawing/2014/main" xmlns="" id="{E94817C5-441D-499E-90A3-6672A5DF09A9}"/>
               </a:ext>
             </a:extLst>
           </p:cNvPr>
@@ -11107,7 +11107,7 @@
           <p:cNvPr id="104" name="사각형: 둥근 모서리 103">
             <a:extLst>
               <a:ext uri="{FF2B5EF4-FFF2-40B4-BE49-F238E27FC236}">
-                <a16:creationId xmlns:a16="http://schemas.microsoft.com/office/drawing/2014/main" id="{130216E0-F6A1-4DD0-94E0-F2A17C2A5F9F}"/>
+                <a16:creationId xmlns:a16="http://schemas.microsoft.com/office/drawing/2014/main" xmlns="" id="{130216E0-F6A1-4DD0-94E0-F2A17C2A5F9F}"/>
               </a:ext>
             </a:extLst>
           </p:cNvPr>
@@ -11157,7 +11157,7 @@
           <p:cNvPr id="105" name="사각형: 둥근 모서리 104">
             <a:extLst>
               <a:ext uri="{FF2B5EF4-FFF2-40B4-BE49-F238E27FC236}">
-                <a16:creationId xmlns:a16="http://schemas.microsoft.com/office/drawing/2014/main" id="{AE923F2C-E77F-4706-A677-AAF5DFA4540E}"/>
+                <a16:creationId xmlns:a16="http://schemas.microsoft.com/office/drawing/2014/main" xmlns="" id="{AE923F2C-E77F-4706-A677-AAF5DFA4540E}"/>
               </a:ext>
             </a:extLst>
           </p:cNvPr>
@@ -11207,7 +11207,7 @@
           <p:cNvPr id="106" name="사각형: 둥근 모서리 105">
             <a:extLst>
               <a:ext uri="{FF2B5EF4-FFF2-40B4-BE49-F238E27FC236}">
-                <a16:creationId xmlns:a16="http://schemas.microsoft.com/office/drawing/2014/main" id="{F8FF4AAE-CE7A-4427-8864-67D0844C89FB}"/>
+                <a16:creationId xmlns:a16="http://schemas.microsoft.com/office/drawing/2014/main" xmlns="" id="{F8FF4AAE-CE7A-4427-8864-67D0844C89FB}"/>
               </a:ext>
             </a:extLst>
           </p:cNvPr>
@@ -11257,7 +11257,7 @@
           <p:cNvPr id="145" name="직선 연결선 144">
             <a:extLst>
               <a:ext uri="{FF2B5EF4-FFF2-40B4-BE49-F238E27FC236}">
-                <a16:creationId xmlns:a16="http://schemas.microsoft.com/office/drawing/2014/main" id="{9CB60398-3CE2-4C3E-8CE3-EEBE8D75C193}"/>
+                <a16:creationId xmlns:a16="http://schemas.microsoft.com/office/drawing/2014/main" xmlns="" id="{9CB60398-3CE2-4C3E-8CE3-EEBE8D75C193}"/>
               </a:ext>
             </a:extLst>
           </p:cNvPr>
@@ -11302,7 +11302,7 @@
           <p:cNvPr id="151" name="직선 연결선 150">
             <a:extLst>
               <a:ext uri="{FF2B5EF4-FFF2-40B4-BE49-F238E27FC236}">
-                <a16:creationId xmlns:a16="http://schemas.microsoft.com/office/drawing/2014/main" id="{510081F3-3504-4FF9-A901-B096088BE895}"/>
+                <a16:creationId xmlns:a16="http://schemas.microsoft.com/office/drawing/2014/main" xmlns="" id="{510081F3-3504-4FF9-A901-B096088BE895}"/>
               </a:ext>
             </a:extLst>
           </p:cNvPr>
@@ -11348,7 +11348,7 @@
           <p:cNvPr id="152" name="직선 연결선 151">
             <a:extLst>
               <a:ext uri="{FF2B5EF4-FFF2-40B4-BE49-F238E27FC236}">
-                <a16:creationId xmlns:a16="http://schemas.microsoft.com/office/drawing/2014/main" id="{CA0A3256-E3F8-4293-95BA-EC12C0822D93}"/>
+                <a16:creationId xmlns:a16="http://schemas.microsoft.com/office/drawing/2014/main" xmlns="" id="{CA0A3256-E3F8-4293-95BA-EC12C0822D93}"/>
               </a:ext>
             </a:extLst>
           </p:cNvPr>
@@ -11394,7 +11394,7 @@
           <p:cNvPr id="154" name="사각형: 둥근 모서리 153">
             <a:extLst>
               <a:ext uri="{FF2B5EF4-FFF2-40B4-BE49-F238E27FC236}">
-                <a16:creationId xmlns:a16="http://schemas.microsoft.com/office/drawing/2014/main" id="{1D6C1474-916A-49C5-BB73-AC50E4F721DF}"/>
+                <a16:creationId xmlns:a16="http://schemas.microsoft.com/office/drawing/2014/main" xmlns="" id="{1D6C1474-916A-49C5-BB73-AC50E4F721DF}"/>
               </a:ext>
             </a:extLst>
           </p:cNvPr>
@@ -11444,7 +11444,7 @@
           <p:cNvPr id="155" name="사각형: 둥근 모서리 154">
             <a:extLst>
               <a:ext uri="{FF2B5EF4-FFF2-40B4-BE49-F238E27FC236}">
-                <a16:creationId xmlns:a16="http://schemas.microsoft.com/office/drawing/2014/main" id="{12762755-F51A-471C-89CE-EE1359765115}"/>
+                <a16:creationId xmlns:a16="http://schemas.microsoft.com/office/drawing/2014/main" xmlns="" id="{12762755-F51A-471C-89CE-EE1359765115}"/>
               </a:ext>
             </a:extLst>
           </p:cNvPr>
@@ -11494,7 +11494,7 @@
           <p:cNvPr id="156" name="사각형: 둥근 모서리 155">
             <a:extLst>
               <a:ext uri="{FF2B5EF4-FFF2-40B4-BE49-F238E27FC236}">
-                <a16:creationId xmlns:a16="http://schemas.microsoft.com/office/drawing/2014/main" id="{5F05657E-5746-4504-96D4-4C63A5DB87E2}"/>
+                <a16:creationId xmlns:a16="http://schemas.microsoft.com/office/drawing/2014/main" xmlns="" id="{5F05657E-5746-4504-96D4-4C63A5DB87E2}"/>
               </a:ext>
             </a:extLst>
           </p:cNvPr>
@@ -11544,7 +11544,7 @@
           <p:cNvPr id="157" name="직선 연결선 156">
             <a:extLst>
               <a:ext uri="{FF2B5EF4-FFF2-40B4-BE49-F238E27FC236}">
-                <a16:creationId xmlns:a16="http://schemas.microsoft.com/office/drawing/2014/main" id="{89E18E99-A773-4BB3-A523-D5D1906F6251}"/>
+                <a16:creationId xmlns:a16="http://schemas.microsoft.com/office/drawing/2014/main" xmlns="" id="{89E18E99-A773-4BB3-A523-D5D1906F6251}"/>
               </a:ext>
             </a:extLst>
           </p:cNvPr>
@@ -11589,7 +11589,7 @@
           <p:cNvPr id="160" name="직선 연결선 159">
             <a:extLst>
               <a:ext uri="{FF2B5EF4-FFF2-40B4-BE49-F238E27FC236}">
-                <a16:creationId xmlns:a16="http://schemas.microsoft.com/office/drawing/2014/main" id="{A11F123D-DB17-485B-9B56-81F9BCA2A060}"/>
+                <a16:creationId xmlns:a16="http://schemas.microsoft.com/office/drawing/2014/main" xmlns="" id="{A11F123D-DB17-485B-9B56-81F9BCA2A060}"/>
               </a:ext>
             </a:extLst>
           </p:cNvPr>
@@ -11635,7 +11635,7 @@
           <p:cNvPr id="161" name="직선 연결선 160">
             <a:extLst>
               <a:ext uri="{FF2B5EF4-FFF2-40B4-BE49-F238E27FC236}">
-                <a16:creationId xmlns:a16="http://schemas.microsoft.com/office/drawing/2014/main" id="{C3DC1F44-36D6-4AA2-B79E-537B0F3FF3FD}"/>
+                <a16:creationId xmlns:a16="http://schemas.microsoft.com/office/drawing/2014/main" xmlns="" id="{C3DC1F44-36D6-4AA2-B79E-537B0F3FF3FD}"/>
               </a:ext>
             </a:extLst>
           </p:cNvPr>
@@ -11681,7 +11681,7 @@
           <p:cNvPr id="162" name="직선 연결선 161">
             <a:extLst>
               <a:ext uri="{FF2B5EF4-FFF2-40B4-BE49-F238E27FC236}">
-                <a16:creationId xmlns:a16="http://schemas.microsoft.com/office/drawing/2014/main" id="{3F6E1A7F-2FB4-470F-900A-69018608371B}"/>
+                <a16:creationId xmlns:a16="http://schemas.microsoft.com/office/drawing/2014/main" xmlns="" id="{3F6E1A7F-2FB4-470F-900A-69018608371B}"/>
               </a:ext>
             </a:extLst>
           </p:cNvPr>
@@ -11726,7 +11726,7 @@
           <p:cNvPr id="163" name="직선 연결선 162">
             <a:extLst>
               <a:ext uri="{FF2B5EF4-FFF2-40B4-BE49-F238E27FC236}">
-                <a16:creationId xmlns:a16="http://schemas.microsoft.com/office/drawing/2014/main" id="{856A7232-4FCF-4C5B-A9D5-CB0479C70B49}"/>
+                <a16:creationId xmlns:a16="http://schemas.microsoft.com/office/drawing/2014/main" xmlns="" id="{856A7232-4FCF-4C5B-A9D5-CB0479C70B49}"/>
               </a:ext>
             </a:extLst>
           </p:cNvPr>
@@ -11772,7 +11772,7 @@
           <p:cNvPr id="164" name="직선 연결선 163">
             <a:extLst>
               <a:ext uri="{FF2B5EF4-FFF2-40B4-BE49-F238E27FC236}">
-                <a16:creationId xmlns:a16="http://schemas.microsoft.com/office/drawing/2014/main" id="{20D78EF2-B443-466D-A0ED-59C6A43349AE}"/>
+                <a16:creationId xmlns:a16="http://schemas.microsoft.com/office/drawing/2014/main" xmlns="" id="{20D78EF2-B443-466D-A0ED-59C6A43349AE}"/>
               </a:ext>
             </a:extLst>
           </p:cNvPr>
@@ -11817,7 +11817,7 @@
           <p:cNvPr id="165" name="사각형: 둥근 모서리 164">
             <a:extLst>
               <a:ext uri="{FF2B5EF4-FFF2-40B4-BE49-F238E27FC236}">
-                <a16:creationId xmlns:a16="http://schemas.microsoft.com/office/drawing/2014/main" id="{B60A01AA-CDBD-4CA9-B70C-E0C8818D7AA5}"/>
+                <a16:creationId xmlns:a16="http://schemas.microsoft.com/office/drawing/2014/main" xmlns="" id="{B60A01AA-CDBD-4CA9-B70C-E0C8818D7AA5}"/>
               </a:ext>
             </a:extLst>
           </p:cNvPr>
@@ -11867,7 +11867,7 @@
           <p:cNvPr id="167" name="사각형: 둥근 모서리 166">
             <a:extLst>
               <a:ext uri="{FF2B5EF4-FFF2-40B4-BE49-F238E27FC236}">
-                <a16:creationId xmlns:a16="http://schemas.microsoft.com/office/drawing/2014/main" id="{1698D50F-46C2-4D23-8F87-50EF85F76F59}"/>
+                <a16:creationId xmlns:a16="http://schemas.microsoft.com/office/drawing/2014/main" xmlns="" id="{1698D50F-46C2-4D23-8F87-50EF85F76F59}"/>
               </a:ext>
             </a:extLst>
           </p:cNvPr>
@@ -11917,7 +11917,7 @@
           <p:cNvPr id="168" name="사각형: 둥근 모서리 167">
             <a:extLst>
               <a:ext uri="{FF2B5EF4-FFF2-40B4-BE49-F238E27FC236}">
-                <a16:creationId xmlns:a16="http://schemas.microsoft.com/office/drawing/2014/main" id="{84CA3BDA-8E0B-4E56-A335-E26280A57D13}"/>
+                <a16:creationId xmlns:a16="http://schemas.microsoft.com/office/drawing/2014/main" xmlns="" id="{84CA3BDA-8E0B-4E56-A335-E26280A57D13}"/>
               </a:ext>
             </a:extLst>
           </p:cNvPr>
@@ -11967,7 +11967,7 @@
           <p:cNvPr id="169" name="사각형: 둥근 모서리 168">
             <a:extLst>
               <a:ext uri="{FF2B5EF4-FFF2-40B4-BE49-F238E27FC236}">
-                <a16:creationId xmlns:a16="http://schemas.microsoft.com/office/drawing/2014/main" id="{EFECFA74-55B6-41FE-B592-99522DCBA745}"/>
+                <a16:creationId xmlns:a16="http://schemas.microsoft.com/office/drawing/2014/main" xmlns="" id="{EFECFA74-55B6-41FE-B592-99522DCBA745}"/>
               </a:ext>
             </a:extLst>
           </p:cNvPr>
@@ -12017,7 +12017,7 @@
           <p:cNvPr id="170" name="직선 연결선 169">
             <a:extLst>
               <a:ext uri="{FF2B5EF4-FFF2-40B4-BE49-F238E27FC236}">
-                <a16:creationId xmlns:a16="http://schemas.microsoft.com/office/drawing/2014/main" id="{0AC69352-E5D8-4432-97D6-3B7125FDA984}"/>
+                <a16:creationId xmlns:a16="http://schemas.microsoft.com/office/drawing/2014/main" xmlns="" id="{0AC69352-E5D8-4432-97D6-3B7125FDA984}"/>
               </a:ext>
             </a:extLst>
           </p:cNvPr>
@@ -12062,7 +12062,7 @@
           <p:cNvPr id="171" name="직선 연결선 170">
             <a:extLst>
               <a:ext uri="{FF2B5EF4-FFF2-40B4-BE49-F238E27FC236}">
-                <a16:creationId xmlns:a16="http://schemas.microsoft.com/office/drawing/2014/main" id="{8B6D4CE9-4E7E-44DF-BB4A-7DDD576452C4}"/>
+                <a16:creationId xmlns:a16="http://schemas.microsoft.com/office/drawing/2014/main" xmlns="" id="{8B6D4CE9-4E7E-44DF-BB4A-7DDD576452C4}"/>
               </a:ext>
             </a:extLst>
           </p:cNvPr>
@@ -12108,7 +12108,7 @@
           <p:cNvPr id="172" name="직선 연결선 171">
             <a:extLst>
               <a:ext uri="{FF2B5EF4-FFF2-40B4-BE49-F238E27FC236}">
-                <a16:creationId xmlns:a16="http://schemas.microsoft.com/office/drawing/2014/main" id="{003F7214-2CB8-479A-8CCF-20E3E5064108}"/>
+                <a16:creationId xmlns:a16="http://schemas.microsoft.com/office/drawing/2014/main" xmlns="" id="{003F7214-2CB8-479A-8CCF-20E3E5064108}"/>
               </a:ext>
             </a:extLst>
           </p:cNvPr>
@@ -12154,7 +12154,7 @@
           <p:cNvPr id="173" name="사각형: 둥근 모서리 172">
             <a:extLst>
               <a:ext uri="{FF2B5EF4-FFF2-40B4-BE49-F238E27FC236}">
-                <a16:creationId xmlns:a16="http://schemas.microsoft.com/office/drawing/2014/main" id="{CD01E235-838B-43AE-B29A-1094A458B439}"/>
+                <a16:creationId xmlns:a16="http://schemas.microsoft.com/office/drawing/2014/main" xmlns="" id="{CD01E235-838B-43AE-B29A-1094A458B439}"/>
               </a:ext>
             </a:extLst>
           </p:cNvPr>
@@ -12204,7 +12204,7 @@
           <p:cNvPr id="174" name="사각형: 둥근 모서리 173">
             <a:extLst>
               <a:ext uri="{FF2B5EF4-FFF2-40B4-BE49-F238E27FC236}">
-                <a16:creationId xmlns:a16="http://schemas.microsoft.com/office/drawing/2014/main" id="{6CBFCFA9-F6D2-480A-90A2-0FBB954AFBD6}"/>
+                <a16:creationId xmlns:a16="http://schemas.microsoft.com/office/drawing/2014/main" xmlns="" id="{6CBFCFA9-F6D2-480A-90A2-0FBB954AFBD6}"/>
               </a:ext>
             </a:extLst>
           </p:cNvPr>
@@ -12254,7 +12254,7 @@
           <p:cNvPr id="175" name="사각형: 둥근 모서리 174">
             <a:extLst>
               <a:ext uri="{FF2B5EF4-FFF2-40B4-BE49-F238E27FC236}">
-                <a16:creationId xmlns:a16="http://schemas.microsoft.com/office/drawing/2014/main" id="{F3ADE369-0285-468A-AAD0-66FCC84EC027}"/>
+                <a16:creationId xmlns:a16="http://schemas.microsoft.com/office/drawing/2014/main" xmlns="" id="{F3ADE369-0285-468A-AAD0-66FCC84EC027}"/>
               </a:ext>
             </a:extLst>
           </p:cNvPr>
@@ -12304,7 +12304,7 @@
           <p:cNvPr id="176" name="직선 연결선 175">
             <a:extLst>
               <a:ext uri="{FF2B5EF4-FFF2-40B4-BE49-F238E27FC236}">
-                <a16:creationId xmlns:a16="http://schemas.microsoft.com/office/drawing/2014/main" id="{8C2A847B-EA62-4A26-ACC2-163ABA4C0417}"/>
+                <a16:creationId xmlns:a16="http://schemas.microsoft.com/office/drawing/2014/main" xmlns="" id="{8C2A847B-EA62-4A26-ACC2-163ABA4C0417}"/>
               </a:ext>
             </a:extLst>
           </p:cNvPr>
@@ -12349,7 +12349,7 @@
           <p:cNvPr id="177" name="직선 연결선 176">
             <a:extLst>
               <a:ext uri="{FF2B5EF4-FFF2-40B4-BE49-F238E27FC236}">
-                <a16:creationId xmlns:a16="http://schemas.microsoft.com/office/drawing/2014/main" id="{1A5659F0-92BE-40A9-A383-F97A2C610FC0}"/>
+                <a16:creationId xmlns:a16="http://schemas.microsoft.com/office/drawing/2014/main" xmlns="" id="{1A5659F0-92BE-40A9-A383-F97A2C610FC0}"/>
               </a:ext>
             </a:extLst>
           </p:cNvPr>
@@ -12395,7 +12395,7 @@
           <p:cNvPr id="178" name="직선 연결선 177">
             <a:extLst>
               <a:ext uri="{FF2B5EF4-FFF2-40B4-BE49-F238E27FC236}">
-                <a16:creationId xmlns:a16="http://schemas.microsoft.com/office/drawing/2014/main" id="{5CEB76A9-FEFC-4853-A6AE-5FC628D69469}"/>
+                <a16:creationId xmlns:a16="http://schemas.microsoft.com/office/drawing/2014/main" xmlns="" id="{5CEB76A9-FEFC-4853-A6AE-5FC628D69469}"/>
               </a:ext>
             </a:extLst>
           </p:cNvPr>
@@ -12441,7 +12441,7 @@
           <p:cNvPr id="179" name="직선 연결선 178">
             <a:extLst>
               <a:ext uri="{FF2B5EF4-FFF2-40B4-BE49-F238E27FC236}">
-                <a16:creationId xmlns:a16="http://schemas.microsoft.com/office/drawing/2014/main" id="{C5D748D4-4521-4DF1-AECC-E1E7BEACDD36}"/>
+                <a16:creationId xmlns:a16="http://schemas.microsoft.com/office/drawing/2014/main" xmlns="" id="{C5D748D4-4521-4DF1-AECC-E1E7BEACDD36}"/>
               </a:ext>
             </a:extLst>
           </p:cNvPr>
@@ -12486,7 +12486,7 @@
           <p:cNvPr id="180" name="직선 연결선 179">
             <a:extLst>
               <a:ext uri="{FF2B5EF4-FFF2-40B4-BE49-F238E27FC236}">
-                <a16:creationId xmlns:a16="http://schemas.microsoft.com/office/drawing/2014/main" id="{123B8DF7-1EE9-483E-8696-EAEA652D27F0}"/>
+                <a16:creationId xmlns:a16="http://schemas.microsoft.com/office/drawing/2014/main" xmlns="" id="{123B8DF7-1EE9-483E-8696-EAEA652D27F0}"/>
               </a:ext>
             </a:extLst>
           </p:cNvPr>
@@ -12532,7 +12532,7 @@
           <p:cNvPr id="181" name="직선 연결선 180">
             <a:extLst>
               <a:ext uri="{FF2B5EF4-FFF2-40B4-BE49-F238E27FC236}">
-                <a16:creationId xmlns:a16="http://schemas.microsoft.com/office/drawing/2014/main" id="{45247456-79FF-4612-B6F1-6511465C2008}"/>
+                <a16:creationId xmlns:a16="http://schemas.microsoft.com/office/drawing/2014/main" xmlns="" id="{45247456-79FF-4612-B6F1-6511465C2008}"/>
               </a:ext>
             </a:extLst>
           </p:cNvPr>
@@ -12577,7 +12577,7 @@
           <p:cNvPr id="182" name="사각형: 둥근 모서리 181">
             <a:extLst>
               <a:ext uri="{FF2B5EF4-FFF2-40B4-BE49-F238E27FC236}">
-                <a16:creationId xmlns:a16="http://schemas.microsoft.com/office/drawing/2014/main" id="{6F18D1FF-8B15-411E-B494-41A9D2346200}"/>
+                <a16:creationId xmlns:a16="http://schemas.microsoft.com/office/drawing/2014/main" xmlns="" id="{6F18D1FF-8B15-411E-B494-41A9D2346200}"/>
               </a:ext>
             </a:extLst>
           </p:cNvPr>
@@ -12627,7 +12627,7 @@
           <p:cNvPr id="183" name="사각형: 둥근 모서리 182">
             <a:extLst>
               <a:ext uri="{FF2B5EF4-FFF2-40B4-BE49-F238E27FC236}">
-                <a16:creationId xmlns:a16="http://schemas.microsoft.com/office/drawing/2014/main" id="{AE73CE33-8726-46A3-ACB3-718715903FC6}"/>
+                <a16:creationId xmlns:a16="http://schemas.microsoft.com/office/drawing/2014/main" xmlns="" id="{AE73CE33-8726-46A3-ACB3-718715903FC6}"/>
               </a:ext>
             </a:extLst>
           </p:cNvPr>
@@ -12677,7 +12677,7 @@
           <p:cNvPr id="184" name="직선 연결선 183">
             <a:extLst>
               <a:ext uri="{FF2B5EF4-FFF2-40B4-BE49-F238E27FC236}">
-                <a16:creationId xmlns:a16="http://schemas.microsoft.com/office/drawing/2014/main" id="{0E5A8DD3-0BCF-4CE6-BE8F-5C17AE2235EC}"/>
+                <a16:creationId xmlns:a16="http://schemas.microsoft.com/office/drawing/2014/main" xmlns="" id="{0E5A8DD3-0BCF-4CE6-BE8F-5C17AE2235EC}"/>
               </a:ext>
             </a:extLst>
           </p:cNvPr>
@@ -12724,7 +12724,7 @@
           <p:cNvPr id="185" name="직선 연결선 184">
             <a:extLst>
               <a:ext uri="{FF2B5EF4-FFF2-40B4-BE49-F238E27FC236}">
-                <a16:creationId xmlns:a16="http://schemas.microsoft.com/office/drawing/2014/main" id="{AA1D4DC9-F520-4D8F-9BA6-4EA92C280F80}"/>
+                <a16:creationId xmlns:a16="http://schemas.microsoft.com/office/drawing/2014/main" xmlns="" id="{AA1D4DC9-F520-4D8F-9BA6-4EA92C280F80}"/>
               </a:ext>
             </a:extLst>
           </p:cNvPr>
@@ -12770,7 +12770,7 @@
           <p:cNvPr id="186" name="사각형: 둥근 모서리 185">
             <a:extLst>
               <a:ext uri="{FF2B5EF4-FFF2-40B4-BE49-F238E27FC236}">
-                <a16:creationId xmlns:a16="http://schemas.microsoft.com/office/drawing/2014/main" id="{EEBCEEC0-7F69-4E9C-B800-B3C7AFEF0E40}"/>
+                <a16:creationId xmlns:a16="http://schemas.microsoft.com/office/drawing/2014/main" xmlns="" id="{EEBCEEC0-7F69-4E9C-B800-B3C7AFEF0E40}"/>
               </a:ext>
             </a:extLst>
           </p:cNvPr>
@@ -12820,7 +12820,7 @@
           <p:cNvPr id="187" name="사각형: 둥근 모서리 186">
             <a:extLst>
               <a:ext uri="{FF2B5EF4-FFF2-40B4-BE49-F238E27FC236}">
-                <a16:creationId xmlns:a16="http://schemas.microsoft.com/office/drawing/2014/main" id="{07B582C2-0CD2-44EA-A241-22166E2E50B9}"/>
+                <a16:creationId xmlns:a16="http://schemas.microsoft.com/office/drawing/2014/main" xmlns="" id="{07B582C2-0CD2-44EA-A241-22166E2E50B9}"/>
               </a:ext>
             </a:extLst>
           </p:cNvPr>
@@ -12870,7 +12870,7 @@
           <p:cNvPr id="188" name="사각형: 둥근 모서리 187">
             <a:extLst>
               <a:ext uri="{FF2B5EF4-FFF2-40B4-BE49-F238E27FC236}">
-                <a16:creationId xmlns:a16="http://schemas.microsoft.com/office/drawing/2014/main" id="{A42CC1C0-A314-4862-81BC-CF64F8FB6682}"/>
+                <a16:creationId xmlns:a16="http://schemas.microsoft.com/office/drawing/2014/main" xmlns="" id="{A42CC1C0-A314-4862-81BC-CF64F8FB6682}"/>
               </a:ext>
             </a:extLst>
           </p:cNvPr>
@@ -12920,7 +12920,7 @@
           <p:cNvPr id="189" name="직선 연결선 188">
             <a:extLst>
               <a:ext uri="{FF2B5EF4-FFF2-40B4-BE49-F238E27FC236}">
-                <a16:creationId xmlns:a16="http://schemas.microsoft.com/office/drawing/2014/main" id="{4FD92CB8-61D5-47FD-AD8F-C174D36E95B8}"/>
+                <a16:creationId xmlns:a16="http://schemas.microsoft.com/office/drawing/2014/main" xmlns="" id="{4FD92CB8-61D5-47FD-AD8F-C174D36E95B8}"/>
               </a:ext>
             </a:extLst>
           </p:cNvPr>
@@ -12965,7 +12965,7 @@
           <p:cNvPr id="190" name="직선 연결선 189">
             <a:extLst>
               <a:ext uri="{FF2B5EF4-FFF2-40B4-BE49-F238E27FC236}">
-                <a16:creationId xmlns:a16="http://schemas.microsoft.com/office/drawing/2014/main" id="{2E462419-F220-42EF-8A77-764DE485B090}"/>
+                <a16:creationId xmlns:a16="http://schemas.microsoft.com/office/drawing/2014/main" xmlns="" id="{2E462419-F220-42EF-8A77-764DE485B090}"/>
               </a:ext>
             </a:extLst>
           </p:cNvPr>
@@ -13011,7 +13011,7 @@
           <p:cNvPr id="191" name="직선 연결선 190">
             <a:extLst>
               <a:ext uri="{FF2B5EF4-FFF2-40B4-BE49-F238E27FC236}">
-                <a16:creationId xmlns:a16="http://schemas.microsoft.com/office/drawing/2014/main" id="{FA59BEAA-9EE0-4DA6-B324-301017A3A9B2}"/>
+                <a16:creationId xmlns:a16="http://schemas.microsoft.com/office/drawing/2014/main" xmlns="" id="{FA59BEAA-9EE0-4DA6-B324-301017A3A9B2}"/>
               </a:ext>
             </a:extLst>
           </p:cNvPr>
@@ -13057,7 +13057,7 @@
           <p:cNvPr id="192" name="사각형: 둥근 모서리 191">
             <a:extLst>
               <a:ext uri="{FF2B5EF4-FFF2-40B4-BE49-F238E27FC236}">
-                <a16:creationId xmlns:a16="http://schemas.microsoft.com/office/drawing/2014/main" id="{A46F1CAB-B450-42F9-BC4B-04024A042E3D}"/>
+                <a16:creationId xmlns:a16="http://schemas.microsoft.com/office/drawing/2014/main" xmlns="" id="{A46F1CAB-B450-42F9-BC4B-04024A042E3D}"/>
               </a:ext>
             </a:extLst>
           </p:cNvPr>
@@ -13107,7 +13107,7 @@
           <p:cNvPr id="193" name="사각형: 둥근 모서리 192">
             <a:extLst>
               <a:ext uri="{FF2B5EF4-FFF2-40B4-BE49-F238E27FC236}">
-                <a16:creationId xmlns:a16="http://schemas.microsoft.com/office/drawing/2014/main" id="{0910A9A3-9910-4A30-A591-44050E7F0274}"/>
+                <a16:creationId xmlns:a16="http://schemas.microsoft.com/office/drawing/2014/main" xmlns="" id="{0910A9A3-9910-4A30-A591-44050E7F0274}"/>
               </a:ext>
             </a:extLst>
           </p:cNvPr>
@@ -13157,7 +13157,7 @@
           <p:cNvPr id="194" name="사각형: 둥근 모서리 193">
             <a:extLst>
               <a:ext uri="{FF2B5EF4-FFF2-40B4-BE49-F238E27FC236}">
-                <a16:creationId xmlns:a16="http://schemas.microsoft.com/office/drawing/2014/main" id="{DEB0F660-98A0-489A-A9BA-383CADBCAD60}"/>
+                <a16:creationId xmlns:a16="http://schemas.microsoft.com/office/drawing/2014/main" xmlns="" id="{DEB0F660-98A0-489A-A9BA-383CADBCAD60}"/>
               </a:ext>
             </a:extLst>
           </p:cNvPr>
@@ -13207,7 +13207,7 @@
           <p:cNvPr id="195" name="직선 연결선 194">
             <a:extLst>
               <a:ext uri="{FF2B5EF4-FFF2-40B4-BE49-F238E27FC236}">
-                <a16:creationId xmlns:a16="http://schemas.microsoft.com/office/drawing/2014/main" id="{6A1B0F8D-A542-444A-9212-1515569847EA}"/>
+                <a16:creationId xmlns:a16="http://schemas.microsoft.com/office/drawing/2014/main" xmlns="" id="{6A1B0F8D-A542-444A-9212-1515569847EA}"/>
               </a:ext>
             </a:extLst>
           </p:cNvPr>
@@ -13252,7 +13252,7 @@
           <p:cNvPr id="196" name="직선 연결선 195">
             <a:extLst>
               <a:ext uri="{FF2B5EF4-FFF2-40B4-BE49-F238E27FC236}">
-                <a16:creationId xmlns:a16="http://schemas.microsoft.com/office/drawing/2014/main" id="{8698D2F8-3B7E-469C-B934-51FB7CB847E2}"/>
+                <a16:creationId xmlns:a16="http://schemas.microsoft.com/office/drawing/2014/main" xmlns="" id="{8698D2F8-3B7E-469C-B934-51FB7CB847E2}"/>
               </a:ext>
             </a:extLst>
           </p:cNvPr>
@@ -13298,7 +13298,7 @@
           <p:cNvPr id="197" name="직선 연결선 196">
             <a:extLst>
               <a:ext uri="{FF2B5EF4-FFF2-40B4-BE49-F238E27FC236}">
-                <a16:creationId xmlns:a16="http://schemas.microsoft.com/office/drawing/2014/main" id="{0F27A537-8C6F-4EE4-8858-4B0BF14AE75F}"/>
+                <a16:creationId xmlns:a16="http://schemas.microsoft.com/office/drawing/2014/main" xmlns="" id="{0F27A537-8C6F-4EE4-8858-4B0BF14AE75F}"/>
               </a:ext>
             </a:extLst>
           </p:cNvPr>
@@ -13344,7 +13344,7 @@
           <p:cNvPr id="198" name="직선 연결선 197">
             <a:extLst>
               <a:ext uri="{FF2B5EF4-FFF2-40B4-BE49-F238E27FC236}">
-                <a16:creationId xmlns:a16="http://schemas.microsoft.com/office/drawing/2014/main" id="{5D539FF3-8DDF-4FCC-8665-517FAEEC7C88}"/>
+                <a16:creationId xmlns:a16="http://schemas.microsoft.com/office/drawing/2014/main" xmlns="" id="{5D539FF3-8DDF-4FCC-8665-517FAEEC7C88}"/>
               </a:ext>
             </a:extLst>
           </p:cNvPr>
@@ -13389,7 +13389,7 @@
           <p:cNvPr id="199" name="직선 연결선 198">
             <a:extLst>
               <a:ext uri="{FF2B5EF4-FFF2-40B4-BE49-F238E27FC236}">
-                <a16:creationId xmlns:a16="http://schemas.microsoft.com/office/drawing/2014/main" id="{64536A9F-8CB0-4195-97EE-993B7462C84C}"/>
+                <a16:creationId xmlns:a16="http://schemas.microsoft.com/office/drawing/2014/main" xmlns="" id="{64536A9F-8CB0-4195-97EE-993B7462C84C}"/>
               </a:ext>
             </a:extLst>
           </p:cNvPr>
@@ -13435,7 +13435,7 @@
           <p:cNvPr id="200" name="직선 연결선 199">
             <a:extLst>
               <a:ext uri="{FF2B5EF4-FFF2-40B4-BE49-F238E27FC236}">
-                <a16:creationId xmlns:a16="http://schemas.microsoft.com/office/drawing/2014/main" id="{FF7894D4-F135-41C0-B1D3-E2047AE5F458}"/>
+                <a16:creationId xmlns:a16="http://schemas.microsoft.com/office/drawing/2014/main" xmlns="" id="{FF7894D4-F135-41C0-B1D3-E2047AE5F458}"/>
               </a:ext>
             </a:extLst>
           </p:cNvPr>
@@ -13480,7 +13480,7 @@
           <p:cNvPr id="201" name="사각형: 둥근 모서리 200">
             <a:extLst>
               <a:ext uri="{FF2B5EF4-FFF2-40B4-BE49-F238E27FC236}">
-                <a16:creationId xmlns:a16="http://schemas.microsoft.com/office/drawing/2014/main" id="{33157188-E9E3-4354-82F7-B8350DEAC08D}"/>
+                <a16:creationId xmlns:a16="http://schemas.microsoft.com/office/drawing/2014/main" xmlns="" id="{33157188-E9E3-4354-82F7-B8350DEAC08D}"/>
               </a:ext>
             </a:extLst>
           </p:cNvPr>
@@ -13530,7 +13530,7 @@
           <p:cNvPr id="202" name="사각형: 둥근 모서리 201">
             <a:extLst>
               <a:ext uri="{FF2B5EF4-FFF2-40B4-BE49-F238E27FC236}">
-                <a16:creationId xmlns:a16="http://schemas.microsoft.com/office/drawing/2014/main" id="{02C8345A-7BA0-466C-8134-F0A2FD88CC4B}"/>
+                <a16:creationId xmlns:a16="http://schemas.microsoft.com/office/drawing/2014/main" xmlns="" id="{02C8345A-7BA0-466C-8134-F0A2FD88CC4B}"/>
               </a:ext>
             </a:extLst>
           </p:cNvPr>
@@ -13580,7 +13580,7 @@
           <p:cNvPr id="203" name="사각형: 둥근 모서리 202">
             <a:extLst>
               <a:ext uri="{FF2B5EF4-FFF2-40B4-BE49-F238E27FC236}">
-                <a16:creationId xmlns:a16="http://schemas.microsoft.com/office/drawing/2014/main" id="{511D12CB-D8F2-4583-9C35-2D4CA70F740C}"/>
+                <a16:creationId xmlns:a16="http://schemas.microsoft.com/office/drawing/2014/main" xmlns="" id="{511D12CB-D8F2-4583-9C35-2D4CA70F740C}"/>
               </a:ext>
             </a:extLst>
           </p:cNvPr>
@@ -13630,7 +13630,7 @@
           <p:cNvPr id="204" name="사각형: 둥근 모서리 203">
             <a:extLst>
               <a:ext uri="{FF2B5EF4-FFF2-40B4-BE49-F238E27FC236}">
-                <a16:creationId xmlns:a16="http://schemas.microsoft.com/office/drawing/2014/main" id="{276B2CE9-0E08-4695-9E30-32C299E1C56A}"/>
+                <a16:creationId xmlns:a16="http://schemas.microsoft.com/office/drawing/2014/main" xmlns="" id="{276B2CE9-0E08-4695-9E30-32C299E1C56A}"/>
               </a:ext>
             </a:extLst>
           </p:cNvPr>
@@ -13680,7 +13680,7 @@
           <p:cNvPr id="205" name="직선 연결선 204">
             <a:extLst>
               <a:ext uri="{FF2B5EF4-FFF2-40B4-BE49-F238E27FC236}">
-                <a16:creationId xmlns:a16="http://schemas.microsoft.com/office/drawing/2014/main" id="{98808F81-C240-401A-8EFA-9058058A7296}"/>
+                <a16:creationId xmlns:a16="http://schemas.microsoft.com/office/drawing/2014/main" xmlns="" id="{98808F81-C240-401A-8EFA-9058058A7296}"/>
               </a:ext>
             </a:extLst>
           </p:cNvPr>
@@ -13725,7 +13725,7 @@
           <p:cNvPr id="206" name="직선 연결선 205">
             <a:extLst>
               <a:ext uri="{FF2B5EF4-FFF2-40B4-BE49-F238E27FC236}">
-                <a16:creationId xmlns:a16="http://schemas.microsoft.com/office/drawing/2014/main" id="{5677BE48-107A-48F0-9D86-844A73E7E0B2}"/>
+                <a16:creationId xmlns:a16="http://schemas.microsoft.com/office/drawing/2014/main" xmlns="" id="{5677BE48-107A-48F0-9D86-844A73E7E0B2}"/>
               </a:ext>
             </a:extLst>
           </p:cNvPr>
@@ -13771,7 +13771,7 @@
           <p:cNvPr id="207" name="직선 연결선 206">
             <a:extLst>
               <a:ext uri="{FF2B5EF4-FFF2-40B4-BE49-F238E27FC236}">
-                <a16:creationId xmlns:a16="http://schemas.microsoft.com/office/drawing/2014/main" id="{EA7761D1-5009-4D47-AC56-6587ABAEE117}"/>
+                <a16:creationId xmlns:a16="http://schemas.microsoft.com/office/drawing/2014/main" xmlns="" id="{EA7761D1-5009-4D47-AC56-6587ABAEE117}"/>
               </a:ext>
             </a:extLst>
           </p:cNvPr>
@@ -13817,7 +13817,7 @@
           <p:cNvPr id="208" name="사각형: 둥근 모서리 207">
             <a:extLst>
               <a:ext uri="{FF2B5EF4-FFF2-40B4-BE49-F238E27FC236}">
-                <a16:creationId xmlns:a16="http://schemas.microsoft.com/office/drawing/2014/main" id="{2E7EF607-0A6E-44CF-8ABD-7ED9AE3CDA70}"/>
+                <a16:creationId xmlns:a16="http://schemas.microsoft.com/office/drawing/2014/main" xmlns="" id="{2E7EF607-0A6E-44CF-8ABD-7ED9AE3CDA70}"/>
               </a:ext>
             </a:extLst>
           </p:cNvPr>
@@ -13867,7 +13867,7 @@
           <p:cNvPr id="209" name="사각형: 둥근 모서리 208">
             <a:extLst>
               <a:ext uri="{FF2B5EF4-FFF2-40B4-BE49-F238E27FC236}">
-                <a16:creationId xmlns:a16="http://schemas.microsoft.com/office/drawing/2014/main" id="{A13C1740-85CA-43A6-8DF4-B0328E186F5A}"/>
+                <a16:creationId xmlns:a16="http://schemas.microsoft.com/office/drawing/2014/main" xmlns="" id="{A13C1740-85CA-43A6-8DF4-B0328E186F5A}"/>
               </a:ext>
             </a:extLst>
           </p:cNvPr>
@@ -13917,7 +13917,7 @@
           <p:cNvPr id="210" name="사각형: 둥근 모서리 209">
             <a:extLst>
               <a:ext uri="{FF2B5EF4-FFF2-40B4-BE49-F238E27FC236}">
-                <a16:creationId xmlns:a16="http://schemas.microsoft.com/office/drawing/2014/main" id="{5DBD95BE-363A-40D2-839F-4EF230A2C3E6}"/>
+                <a16:creationId xmlns:a16="http://schemas.microsoft.com/office/drawing/2014/main" xmlns="" id="{5DBD95BE-363A-40D2-839F-4EF230A2C3E6}"/>
               </a:ext>
             </a:extLst>
           </p:cNvPr>
@@ -13967,7 +13967,7 @@
           <p:cNvPr id="211" name="직선 연결선 210">
             <a:extLst>
               <a:ext uri="{FF2B5EF4-FFF2-40B4-BE49-F238E27FC236}">
-                <a16:creationId xmlns:a16="http://schemas.microsoft.com/office/drawing/2014/main" id="{08D58873-3533-4E1D-A1C5-98D1E8445148}"/>
+                <a16:creationId xmlns:a16="http://schemas.microsoft.com/office/drawing/2014/main" xmlns="" id="{08D58873-3533-4E1D-A1C5-98D1E8445148}"/>
               </a:ext>
             </a:extLst>
           </p:cNvPr>
@@ -14012,7 +14012,7 @@
           <p:cNvPr id="212" name="직선 연결선 211">
             <a:extLst>
               <a:ext uri="{FF2B5EF4-FFF2-40B4-BE49-F238E27FC236}">
-                <a16:creationId xmlns:a16="http://schemas.microsoft.com/office/drawing/2014/main" id="{60A6B09D-54C6-4DF1-870B-C937A7A48A61}"/>
+                <a16:creationId xmlns:a16="http://schemas.microsoft.com/office/drawing/2014/main" xmlns="" id="{60A6B09D-54C6-4DF1-870B-C937A7A48A61}"/>
               </a:ext>
             </a:extLst>
           </p:cNvPr>
@@ -14058,7 +14058,7 @@
           <p:cNvPr id="213" name="직선 연결선 212">
             <a:extLst>
               <a:ext uri="{FF2B5EF4-FFF2-40B4-BE49-F238E27FC236}">
-                <a16:creationId xmlns:a16="http://schemas.microsoft.com/office/drawing/2014/main" id="{E1810490-50C2-48EB-8FF3-92F3A67B44FB}"/>
+                <a16:creationId xmlns:a16="http://schemas.microsoft.com/office/drawing/2014/main" xmlns="" id="{E1810490-50C2-48EB-8FF3-92F3A67B44FB}"/>
               </a:ext>
             </a:extLst>
           </p:cNvPr>
@@ -14104,7 +14104,7 @@
           <p:cNvPr id="214" name="직선 연결선 213">
             <a:extLst>
               <a:ext uri="{FF2B5EF4-FFF2-40B4-BE49-F238E27FC236}">
-                <a16:creationId xmlns:a16="http://schemas.microsoft.com/office/drawing/2014/main" id="{CC439EE1-8D05-4202-A18C-6A4106236E50}"/>
+                <a16:creationId xmlns:a16="http://schemas.microsoft.com/office/drawing/2014/main" xmlns="" id="{CC439EE1-8D05-4202-A18C-6A4106236E50}"/>
               </a:ext>
             </a:extLst>
           </p:cNvPr>
@@ -14149,7 +14149,7 @@
           <p:cNvPr id="215" name="직선 연결선 214">
             <a:extLst>
               <a:ext uri="{FF2B5EF4-FFF2-40B4-BE49-F238E27FC236}">
-                <a16:creationId xmlns:a16="http://schemas.microsoft.com/office/drawing/2014/main" id="{162D60DE-41DB-4D63-A074-7D52894FD2E9}"/>
+                <a16:creationId xmlns:a16="http://schemas.microsoft.com/office/drawing/2014/main" xmlns="" id="{162D60DE-41DB-4D63-A074-7D52894FD2E9}"/>
               </a:ext>
             </a:extLst>
           </p:cNvPr>
@@ -14195,7 +14195,7 @@
           <p:cNvPr id="216" name="직선 연결선 215">
             <a:extLst>
               <a:ext uri="{FF2B5EF4-FFF2-40B4-BE49-F238E27FC236}">
-                <a16:creationId xmlns:a16="http://schemas.microsoft.com/office/drawing/2014/main" id="{82A59A30-B1F5-4FAD-9B15-DC1C03405AAF}"/>
+                <a16:creationId xmlns:a16="http://schemas.microsoft.com/office/drawing/2014/main" xmlns="" id="{82A59A30-B1F5-4FAD-9B15-DC1C03405AAF}"/>
               </a:ext>
             </a:extLst>
           </p:cNvPr>
@@ -14270,7 +14270,7 @@
           <p:cNvPr id="2" name="제목 1">
             <a:extLst>
               <a:ext uri="{FF2B5EF4-FFF2-40B4-BE49-F238E27FC236}">
-                <a16:creationId xmlns:a16="http://schemas.microsoft.com/office/drawing/2014/main" id="{8738443D-5E72-49E2-86AC-581D61C41C39}"/>
+                <a16:creationId xmlns:a16="http://schemas.microsoft.com/office/drawing/2014/main" xmlns="" id="{8738443D-5E72-49E2-86AC-581D61C41C39}"/>
               </a:ext>
             </a:extLst>
           </p:cNvPr>
@@ -14304,7 +14304,7 @@
           <p:cNvPr id="76" name="사각형: 둥근 모서리 75">
             <a:extLst>
               <a:ext uri="{FF2B5EF4-FFF2-40B4-BE49-F238E27FC236}">
-                <a16:creationId xmlns:a16="http://schemas.microsoft.com/office/drawing/2014/main" id="{D9F5013A-A503-45B0-804E-F4B3A670BC00}"/>
+                <a16:creationId xmlns:a16="http://schemas.microsoft.com/office/drawing/2014/main" xmlns="" id="{D9F5013A-A503-45B0-804E-F4B3A670BC00}"/>
               </a:ext>
             </a:extLst>
           </p:cNvPr>
@@ -14354,7 +14354,7 @@
           <p:cNvPr id="88" name="사각형: 둥근 모서리 87">
             <a:extLst>
               <a:ext uri="{FF2B5EF4-FFF2-40B4-BE49-F238E27FC236}">
-                <a16:creationId xmlns:a16="http://schemas.microsoft.com/office/drawing/2014/main" id="{74310066-8392-421C-90D6-5C5A760B62EA}"/>
+                <a16:creationId xmlns:a16="http://schemas.microsoft.com/office/drawing/2014/main" xmlns="" id="{74310066-8392-421C-90D6-5C5A760B62EA}"/>
               </a:ext>
             </a:extLst>
           </p:cNvPr>
@@ -14404,7 +14404,7 @@
           <p:cNvPr id="89" name="사각형: 둥근 모서리 88">
             <a:extLst>
               <a:ext uri="{FF2B5EF4-FFF2-40B4-BE49-F238E27FC236}">
-                <a16:creationId xmlns:a16="http://schemas.microsoft.com/office/drawing/2014/main" id="{07B0E874-E8B8-4F65-93C6-AB089D2B9765}"/>
+                <a16:creationId xmlns:a16="http://schemas.microsoft.com/office/drawing/2014/main" xmlns="" id="{07B0E874-E8B8-4F65-93C6-AB089D2B9765}"/>
               </a:ext>
             </a:extLst>
           </p:cNvPr>
@@ -14454,7 +14454,7 @@
           <p:cNvPr id="99" name="사각형: 둥근 모서리 98">
             <a:extLst>
               <a:ext uri="{FF2B5EF4-FFF2-40B4-BE49-F238E27FC236}">
-                <a16:creationId xmlns:a16="http://schemas.microsoft.com/office/drawing/2014/main" id="{23998C14-63B6-4A14-B6D3-C06CAC505265}"/>
+                <a16:creationId xmlns:a16="http://schemas.microsoft.com/office/drawing/2014/main" xmlns="" id="{23998C14-63B6-4A14-B6D3-C06CAC505265}"/>
               </a:ext>
             </a:extLst>
           </p:cNvPr>
@@ -14512,7 +14512,7 @@
           <p:cNvPr id="100" name="사각형: 둥근 모서리 99">
             <a:extLst>
               <a:ext uri="{FF2B5EF4-FFF2-40B4-BE49-F238E27FC236}">
-                <a16:creationId xmlns:a16="http://schemas.microsoft.com/office/drawing/2014/main" id="{ED9ED051-0F6E-40F6-BC4B-724A1AAE8894}"/>
+                <a16:creationId xmlns:a16="http://schemas.microsoft.com/office/drawing/2014/main" xmlns="" id="{ED9ED051-0F6E-40F6-BC4B-724A1AAE8894}"/>
               </a:ext>
             </a:extLst>
           </p:cNvPr>
@@ -14562,7 +14562,7 @@
           <p:cNvPr id="101" name="사각형: 둥근 모서리 100">
             <a:extLst>
               <a:ext uri="{FF2B5EF4-FFF2-40B4-BE49-F238E27FC236}">
-                <a16:creationId xmlns:a16="http://schemas.microsoft.com/office/drawing/2014/main" id="{8A43389B-B80C-4887-8437-7D75F11B34F0}"/>
+                <a16:creationId xmlns:a16="http://schemas.microsoft.com/office/drawing/2014/main" xmlns="" id="{8A43389B-B80C-4887-8437-7D75F11B34F0}"/>
               </a:ext>
             </a:extLst>
           </p:cNvPr>
@@ -14612,7 +14612,7 @@
           <p:cNvPr id="102" name="사각형: 둥근 모서리 101">
             <a:extLst>
               <a:ext uri="{FF2B5EF4-FFF2-40B4-BE49-F238E27FC236}">
-                <a16:creationId xmlns:a16="http://schemas.microsoft.com/office/drawing/2014/main" id="{DF28519D-BCE1-4794-A89F-56D62F6DE0F2}"/>
+                <a16:creationId xmlns:a16="http://schemas.microsoft.com/office/drawing/2014/main" xmlns="" id="{DF28519D-BCE1-4794-A89F-56D62F6DE0F2}"/>
               </a:ext>
             </a:extLst>
           </p:cNvPr>
@@ -14662,7 +14662,7 @@
           <p:cNvPr id="103" name="사각형: 둥근 모서리 102">
             <a:extLst>
               <a:ext uri="{FF2B5EF4-FFF2-40B4-BE49-F238E27FC236}">
-                <a16:creationId xmlns:a16="http://schemas.microsoft.com/office/drawing/2014/main" id="{0F475313-D35E-4F31-9AE7-E2C1946473FF}"/>
+                <a16:creationId xmlns:a16="http://schemas.microsoft.com/office/drawing/2014/main" xmlns="" id="{0F475313-D35E-4F31-9AE7-E2C1946473FF}"/>
               </a:ext>
             </a:extLst>
           </p:cNvPr>
@@ -14712,7 +14712,7 @@
           <p:cNvPr id="107" name="사각형: 둥근 모서리 106">
             <a:extLst>
               <a:ext uri="{FF2B5EF4-FFF2-40B4-BE49-F238E27FC236}">
-                <a16:creationId xmlns:a16="http://schemas.microsoft.com/office/drawing/2014/main" id="{FE8F7C2B-AE16-4945-A2E6-5AB68E53A0D7}"/>
+                <a16:creationId xmlns:a16="http://schemas.microsoft.com/office/drawing/2014/main" xmlns="" id="{FE8F7C2B-AE16-4945-A2E6-5AB68E53A0D7}"/>
               </a:ext>
             </a:extLst>
           </p:cNvPr>
@@ -14770,7 +14770,7 @@
           <p:cNvPr id="108" name="사각형: 둥근 모서리 107">
             <a:extLst>
               <a:ext uri="{FF2B5EF4-FFF2-40B4-BE49-F238E27FC236}">
-                <a16:creationId xmlns:a16="http://schemas.microsoft.com/office/drawing/2014/main" id="{21674250-D9F4-4618-A871-B5027B1D4418}"/>
+                <a16:creationId xmlns:a16="http://schemas.microsoft.com/office/drawing/2014/main" xmlns="" id="{21674250-D9F4-4618-A871-B5027B1D4418}"/>
               </a:ext>
             </a:extLst>
           </p:cNvPr>
@@ -14820,7 +14820,7 @@
           <p:cNvPr id="109" name="사각형: 둥근 모서리 108">
             <a:extLst>
               <a:ext uri="{FF2B5EF4-FFF2-40B4-BE49-F238E27FC236}">
-                <a16:creationId xmlns:a16="http://schemas.microsoft.com/office/drawing/2014/main" id="{52798A49-3B8D-41E0-A73A-0C31AD6F0CEF}"/>
+                <a16:creationId xmlns:a16="http://schemas.microsoft.com/office/drawing/2014/main" xmlns="" id="{52798A49-3B8D-41E0-A73A-0C31AD6F0CEF}"/>
               </a:ext>
             </a:extLst>
           </p:cNvPr>
@@ -14870,7 +14870,7 @@
           <p:cNvPr id="110" name="사각형: 둥근 모서리 109">
             <a:extLst>
               <a:ext uri="{FF2B5EF4-FFF2-40B4-BE49-F238E27FC236}">
-                <a16:creationId xmlns:a16="http://schemas.microsoft.com/office/drawing/2014/main" id="{DBCEED55-3CC3-470E-B88C-4835673258D5}"/>
+                <a16:creationId xmlns:a16="http://schemas.microsoft.com/office/drawing/2014/main" xmlns="" id="{DBCEED55-3CC3-470E-B88C-4835673258D5}"/>
               </a:ext>
             </a:extLst>
           </p:cNvPr>
@@ -14920,7 +14920,7 @@
           <p:cNvPr id="111" name="사각형: 둥근 모서리 110">
             <a:extLst>
               <a:ext uri="{FF2B5EF4-FFF2-40B4-BE49-F238E27FC236}">
-                <a16:creationId xmlns:a16="http://schemas.microsoft.com/office/drawing/2014/main" id="{D2FCF1D0-A622-43AA-BDFF-A0585B5FF6DC}"/>
+                <a16:creationId xmlns:a16="http://schemas.microsoft.com/office/drawing/2014/main" xmlns="" id="{D2FCF1D0-A622-43AA-BDFF-A0585B5FF6DC}"/>
               </a:ext>
             </a:extLst>
           </p:cNvPr>
@@ -14970,7 +14970,7 @@
           <p:cNvPr id="112" name="사각형: 둥근 모서리 111">
             <a:extLst>
               <a:ext uri="{FF2B5EF4-FFF2-40B4-BE49-F238E27FC236}">
-                <a16:creationId xmlns:a16="http://schemas.microsoft.com/office/drawing/2014/main" id="{FDD7E07C-3A81-4B92-8355-C1BABC523B2D}"/>
+                <a16:creationId xmlns:a16="http://schemas.microsoft.com/office/drawing/2014/main" xmlns="" id="{FDD7E07C-3A81-4B92-8355-C1BABC523B2D}"/>
               </a:ext>
             </a:extLst>
           </p:cNvPr>
@@ -15028,7 +15028,7 @@
           <p:cNvPr id="113" name="사각형: 둥근 모서리 112">
             <a:extLst>
               <a:ext uri="{FF2B5EF4-FFF2-40B4-BE49-F238E27FC236}">
-                <a16:creationId xmlns:a16="http://schemas.microsoft.com/office/drawing/2014/main" id="{95BDC345-5B4B-48DE-B591-A03951774E55}"/>
+                <a16:creationId xmlns:a16="http://schemas.microsoft.com/office/drawing/2014/main" xmlns="" id="{95BDC345-5B4B-48DE-B591-A03951774E55}"/>
               </a:ext>
             </a:extLst>
           </p:cNvPr>
@@ -15078,7 +15078,7 @@
           <p:cNvPr id="115" name="사각형: 둥근 모서리 114">
             <a:extLst>
               <a:ext uri="{FF2B5EF4-FFF2-40B4-BE49-F238E27FC236}">
-                <a16:creationId xmlns:a16="http://schemas.microsoft.com/office/drawing/2014/main" id="{DCA7D749-2EE3-4CE1-AE59-AB4D083D44DB}"/>
+                <a16:creationId xmlns:a16="http://schemas.microsoft.com/office/drawing/2014/main" xmlns="" id="{DCA7D749-2EE3-4CE1-AE59-AB4D083D44DB}"/>
               </a:ext>
             </a:extLst>
           </p:cNvPr>
@@ -15147,7 +15147,7 @@
           <p:cNvPr id="116" name="사각형: 둥근 모서리 115">
             <a:extLst>
               <a:ext uri="{FF2B5EF4-FFF2-40B4-BE49-F238E27FC236}">
-                <a16:creationId xmlns:a16="http://schemas.microsoft.com/office/drawing/2014/main" id="{567086EB-F942-4C27-A3AF-4B8FBC58C235}"/>
+                <a16:creationId xmlns:a16="http://schemas.microsoft.com/office/drawing/2014/main" xmlns="" id="{567086EB-F942-4C27-A3AF-4B8FBC58C235}"/>
               </a:ext>
             </a:extLst>
           </p:cNvPr>
@@ -15216,7 +15216,7 @@
           <p:cNvPr id="117" name="직선 연결선 116">
             <a:extLst>
               <a:ext uri="{FF2B5EF4-FFF2-40B4-BE49-F238E27FC236}">
-                <a16:creationId xmlns:a16="http://schemas.microsoft.com/office/drawing/2014/main" id="{B6909990-05F0-431D-A1D2-1E1DFAAC4D3A}"/>
+                <a16:creationId xmlns:a16="http://schemas.microsoft.com/office/drawing/2014/main" xmlns="" id="{B6909990-05F0-431D-A1D2-1E1DFAAC4D3A}"/>
               </a:ext>
             </a:extLst>
           </p:cNvPr>
@@ -15264,7 +15264,7 @@
           <p:cNvPr id="118" name="직선 연결선 117">
             <a:extLst>
               <a:ext uri="{FF2B5EF4-FFF2-40B4-BE49-F238E27FC236}">
-                <a16:creationId xmlns:a16="http://schemas.microsoft.com/office/drawing/2014/main" id="{9416FFCB-1356-4494-B631-54DF99A6EC7A}"/>
+                <a16:creationId xmlns:a16="http://schemas.microsoft.com/office/drawing/2014/main" xmlns="" id="{9416FFCB-1356-4494-B631-54DF99A6EC7A}"/>
               </a:ext>
             </a:extLst>
           </p:cNvPr>
@@ -15311,7 +15311,7 @@
           <p:cNvPr id="119" name="직선 연결선 118">
             <a:extLst>
               <a:ext uri="{FF2B5EF4-FFF2-40B4-BE49-F238E27FC236}">
-                <a16:creationId xmlns:a16="http://schemas.microsoft.com/office/drawing/2014/main" id="{53EDA45D-D63B-4441-AB69-6B0815EDD838}"/>
+                <a16:creationId xmlns:a16="http://schemas.microsoft.com/office/drawing/2014/main" xmlns="" id="{53EDA45D-D63B-4441-AB69-6B0815EDD838}"/>
               </a:ext>
             </a:extLst>
           </p:cNvPr>
@@ -15358,7 +15358,7 @@
           <p:cNvPr id="120" name="직선 연결선 119">
             <a:extLst>
               <a:ext uri="{FF2B5EF4-FFF2-40B4-BE49-F238E27FC236}">
-                <a16:creationId xmlns:a16="http://schemas.microsoft.com/office/drawing/2014/main" id="{4E93AC8E-1D7C-49CC-8D9F-383B93F7D6C4}"/>
+                <a16:creationId xmlns:a16="http://schemas.microsoft.com/office/drawing/2014/main" xmlns="" id="{4E93AC8E-1D7C-49CC-8D9F-383B93F7D6C4}"/>
               </a:ext>
             </a:extLst>
           </p:cNvPr>
@@ -15405,7 +15405,7 @@
           <p:cNvPr id="9" name="원호 8">
             <a:extLst>
               <a:ext uri="{FF2B5EF4-FFF2-40B4-BE49-F238E27FC236}">
-                <a16:creationId xmlns:a16="http://schemas.microsoft.com/office/drawing/2014/main" id="{4FB16F06-FB72-4402-B3A6-5DB6F539E000}"/>
+                <a16:creationId xmlns:a16="http://schemas.microsoft.com/office/drawing/2014/main" xmlns="" id="{4FB16F06-FB72-4402-B3A6-5DB6F539E000}"/>
               </a:ext>
             </a:extLst>
           </p:cNvPr>
@@ -15461,7 +15461,7 @@
           <p:cNvPr id="125" name="원호 124">
             <a:extLst>
               <a:ext uri="{FF2B5EF4-FFF2-40B4-BE49-F238E27FC236}">
-                <a16:creationId xmlns:a16="http://schemas.microsoft.com/office/drawing/2014/main" id="{CB05A6E8-087B-4DFE-A944-9BEE66F867D8}"/>
+                <a16:creationId xmlns:a16="http://schemas.microsoft.com/office/drawing/2014/main" xmlns="" id="{CB05A6E8-087B-4DFE-A944-9BEE66F867D8}"/>
               </a:ext>
             </a:extLst>
           </p:cNvPr>
@@ -15517,7 +15517,7 @@
           <p:cNvPr id="126" name="원호 125">
             <a:extLst>
               <a:ext uri="{FF2B5EF4-FFF2-40B4-BE49-F238E27FC236}">
-                <a16:creationId xmlns:a16="http://schemas.microsoft.com/office/drawing/2014/main" id="{426A643B-A2C4-4B99-86B4-82C6AC40EAEE}"/>
+                <a16:creationId xmlns:a16="http://schemas.microsoft.com/office/drawing/2014/main" xmlns="" id="{426A643B-A2C4-4B99-86B4-82C6AC40EAEE}"/>
               </a:ext>
             </a:extLst>
           </p:cNvPr>
@@ -15573,7 +15573,7 @@
           <p:cNvPr id="127" name="원호 126">
             <a:extLst>
               <a:ext uri="{FF2B5EF4-FFF2-40B4-BE49-F238E27FC236}">
-                <a16:creationId xmlns:a16="http://schemas.microsoft.com/office/drawing/2014/main" id="{1658106D-5B85-44F6-AA77-EAB4F616DC55}"/>
+                <a16:creationId xmlns:a16="http://schemas.microsoft.com/office/drawing/2014/main" xmlns="" id="{1658106D-5B85-44F6-AA77-EAB4F616DC55}"/>
               </a:ext>
             </a:extLst>
           </p:cNvPr>
@@ -15629,7 +15629,7 @@
           <p:cNvPr id="12" name="타원 11">
             <a:extLst>
               <a:ext uri="{FF2B5EF4-FFF2-40B4-BE49-F238E27FC236}">
-                <a16:creationId xmlns:a16="http://schemas.microsoft.com/office/drawing/2014/main" id="{E6BA9289-0294-4A7B-A18F-21171B2DA0C4}"/>
+                <a16:creationId xmlns:a16="http://schemas.microsoft.com/office/drawing/2014/main" xmlns="" id="{E6BA9289-0294-4A7B-A18F-21171B2DA0C4}"/>
               </a:ext>
             </a:extLst>
           </p:cNvPr>
@@ -15684,7 +15684,7 @@
           <p:cNvPr id="131" name="타원 130">
             <a:extLst>
               <a:ext uri="{FF2B5EF4-FFF2-40B4-BE49-F238E27FC236}">
-                <a16:creationId xmlns:a16="http://schemas.microsoft.com/office/drawing/2014/main" id="{E2585E59-7C18-4603-918D-E3168FBB538C}"/>
+                <a16:creationId xmlns:a16="http://schemas.microsoft.com/office/drawing/2014/main" xmlns="" id="{E2585E59-7C18-4603-918D-E3168FBB538C}"/>
               </a:ext>
             </a:extLst>
           </p:cNvPr>
@@ -15739,7 +15739,7 @@
           <p:cNvPr id="132" name="타원 131">
             <a:extLst>
               <a:ext uri="{FF2B5EF4-FFF2-40B4-BE49-F238E27FC236}">
-                <a16:creationId xmlns:a16="http://schemas.microsoft.com/office/drawing/2014/main" id="{4000596B-D32E-45DA-A945-517B6B66ABF7}"/>
+                <a16:creationId xmlns:a16="http://schemas.microsoft.com/office/drawing/2014/main" xmlns="" id="{4000596B-D32E-45DA-A945-517B6B66ABF7}"/>
               </a:ext>
             </a:extLst>
           </p:cNvPr>
@@ -15794,7 +15794,7 @@
           <p:cNvPr id="133" name="타원 132">
             <a:extLst>
               <a:ext uri="{FF2B5EF4-FFF2-40B4-BE49-F238E27FC236}">
-                <a16:creationId xmlns:a16="http://schemas.microsoft.com/office/drawing/2014/main" id="{4B44B937-47DC-49E9-8DC7-89861FE46C54}"/>
+                <a16:creationId xmlns:a16="http://schemas.microsoft.com/office/drawing/2014/main" xmlns="" id="{4B44B937-47DC-49E9-8DC7-89861FE46C54}"/>
               </a:ext>
             </a:extLst>
           </p:cNvPr>
@@ -15849,7 +15849,7 @@
           <p:cNvPr id="134" name="타원 133">
             <a:extLst>
               <a:ext uri="{FF2B5EF4-FFF2-40B4-BE49-F238E27FC236}">
-                <a16:creationId xmlns:a16="http://schemas.microsoft.com/office/drawing/2014/main" id="{0ED39AED-48AB-4080-A2CF-BC5120011C2E}"/>
+                <a16:creationId xmlns:a16="http://schemas.microsoft.com/office/drawing/2014/main" xmlns="" id="{0ED39AED-48AB-4080-A2CF-BC5120011C2E}"/>
               </a:ext>
             </a:extLst>
           </p:cNvPr>
@@ -15904,7 +15904,7 @@
           <p:cNvPr id="135" name="타원 134">
             <a:extLst>
               <a:ext uri="{FF2B5EF4-FFF2-40B4-BE49-F238E27FC236}">
-                <a16:creationId xmlns:a16="http://schemas.microsoft.com/office/drawing/2014/main" id="{6A7F860F-42D5-48A1-A8C3-653614D1F2C9}"/>
+                <a16:creationId xmlns:a16="http://schemas.microsoft.com/office/drawing/2014/main" xmlns="" id="{6A7F860F-42D5-48A1-A8C3-653614D1F2C9}"/>
               </a:ext>
             </a:extLst>
           </p:cNvPr>
@@ -15959,7 +15959,7 @@
           <p:cNvPr id="136" name="타원 135">
             <a:extLst>
               <a:ext uri="{FF2B5EF4-FFF2-40B4-BE49-F238E27FC236}">
-                <a16:creationId xmlns:a16="http://schemas.microsoft.com/office/drawing/2014/main" id="{A6B2C448-BEC3-4932-99AD-625E25CDDFE5}"/>
+                <a16:creationId xmlns:a16="http://schemas.microsoft.com/office/drawing/2014/main" xmlns="" id="{A6B2C448-BEC3-4932-99AD-625E25CDDFE5}"/>
               </a:ext>
             </a:extLst>
           </p:cNvPr>
@@ -16014,7 +16014,7 @@
           <p:cNvPr id="137" name="타원 136">
             <a:extLst>
               <a:ext uri="{FF2B5EF4-FFF2-40B4-BE49-F238E27FC236}">
-                <a16:creationId xmlns:a16="http://schemas.microsoft.com/office/drawing/2014/main" id="{9C57148E-B247-4486-800E-24BD51F652BB}"/>
+                <a16:creationId xmlns:a16="http://schemas.microsoft.com/office/drawing/2014/main" xmlns="" id="{9C57148E-B247-4486-800E-24BD51F652BB}"/>
               </a:ext>
             </a:extLst>
           </p:cNvPr>

--- a/images/theory_analysis/Ceph/Ceph.pptx
+++ b/images/theory_analysis/Ceph/Ceph.pptx
@@ -218,7 +218,7 @@
           <a:p>
             <a:fld id="{6CD5550B-26C4-49A9-A5BA-636EF7BE6CE9}" type="datetimeFigureOut">
               <a:rPr lang="ko-KR" altLang="en-US" smtClean="0"/>
-              <a:t>2019-01-02</a:t>
+              <a:t>2019-04-18</a:t>
             </a:fld>
             <a:endParaRPr lang="ko-KR" altLang="en-US"/>
           </a:p>
@@ -1184,7 +1184,7 @@
           <a:p>
             <a:fld id="{FB30EDBD-1C2D-4C1E-B459-B60219FAB484}" type="datetimeFigureOut">
               <a:rPr lang="ko-KR" altLang="en-US" smtClean="0"/>
-              <a:t>2019-01-02</a:t>
+              <a:t>2019-04-18</a:t>
             </a:fld>
             <a:endParaRPr lang="ko-KR" altLang="en-US"/>
           </a:p>
@@ -1347,7 +1347,7 @@
           <a:p>
             <a:fld id="{FB30EDBD-1C2D-4C1E-B459-B60219FAB484}" type="datetimeFigureOut">
               <a:rPr lang="ko-KR" altLang="en-US" smtClean="0"/>
-              <a:t>2019-01-02</a:t>
+              <a:t>2019-04-18</a:t>
             </a:fld>
             <a:endParaRPr lang="ko-KR" altLang="en-US"/>
           </a:p>
@@ -1520,7 +1520,7 @@
           <a:p>
             <a:fld id="{FB30EDBD-1C2D-4C1E-B459-B60219FAB484}" type="datetimeFigureOut">
               <a:rPr lang="ko-KR" altLang="en-US" smtClean="0"/>
-              <a:t>2019-01-02</a:t>
+              <a:t>2019-04-18</a:t>
             </a:fld>
             <a:endParaRPr lang="ko-KR" altLang="en-US"/>
           </a:p>
@@ -1683,7 +1683,7 @@
           <a:p>
             <a:fld id="{FB30EDBD-1C2D-4C1E-B459-B60219FAB484}" type="datetimeFigureOut">
               <a:rPr lang="ko-KR" altLang="en-US" smtClean="0"/>
-              <a:t>2019-01-02</a:t>
+              <a:t>2019-04-18</a:t>
             </a:fld>
             <a:endParaRPr lang="ko-KR" altLang="en-US"/>
           </a:p>
@@ -1923,7 +1923,7 @@
           <a:p>
             <a:fld id="{FB30EDBD-1C2D-4C1E-B459-B60219FAB484}" type="datetimeFigureOut">
               <a:rPr lang="ko-KR" altLang="en-US" smtClean="0"/>
-              <a:t>2019-01-02</a:t>
+              <a:t>2019-04-18</a:t>
             </a:fld>
             <a:endParaRPr lang="ko-KR" altLang="en-US"/>
           </a:p>
@@ -2203,7 +2203,7 @@
           <a:p>
             <a:fld id="{FB30EDBD-1C2D-4C1E-B459-B60219FAB484}" type="datetimeFigureOut">
               <a:rPr lang="ko-KR" altLang="en-US" smtClean="0"/>
-              <a:t>2019-01-02</a:t>
+              <a:t>2019-04-18</a:t>
             </a:fld>
             <a:endParaRPr lang="ko-KR" altLang="en-US"/>
           </a:p>
@@ -2617,7 +2617,7 @@
           <a:p>
             <a:fld id="{FB30EDBD-1C2D-4C1E-B459-B60219FAB484}" type="datetimeFigureOut">
               <a:rPr lang="ko-KR" altLang="en-US" smtClean="0"/>
-              <a:t>2019-01-02</a:t>
+              <a:t>2019-04-18</a:t>
             </a:fld>
             <a:endParaRPr lang="ko-KR" altLang="en-US"/>
           </a:p>
@@ -2729,7 +2729,7 @@
           <a:p>
             <a:fld id="{FB30EDBD-1C2D-4C1E-B459-B60219FAB484}" type="datetimeFigureOut">
               <a:rPr lang="ko-KR" altLang="en-US" smtClean="0"/>
-              <a:t>2019-01-02</a:t>
+              <a:t>2019-04-18</a:t>
             </a:fld>
             <a:endParaRPr lang="ko-KR" altLang="en-US"/>
           </a:p>
@@ -2819,7 +2819,7 @@
           <a:p>
             <a:fld id="{FB30EDBD-1C2D-4C1E-B459-B60219FAB484}" type="datetimeFigureOut">
               <a:rPr lang="ko-KR" altLang="en-US" smtClean="0"/>
-              <a:t>2019-01-02</a:t>
+              <a:t>2019-04-18</a:t>
             </a:fld>
             <a:endParaRPr lang="ko-KR" altLang="en-US"/>
           </a:p>
@@ -3089,7 +3089,7 @@
           <a:p>
             <a:fld id="{FB30EDBD-1C2D-4C1E-B459-B60219FAB484}" type="datetimeFigureOut">
               <a:rPr lang="ko-KR" altLang="en-US" smtClean="0"/>
-              <a:t>2019-01-02</a:t>
+              <a:t>2019-04-18</a:t>
             </a:fld>
             <a:endParaRPr lang="ko-KR" altLang="en-US"/>
           </a:p>
@@ -3336,7 +3336,7 @@
           <a:p>
             <a:fld id="{FB30EDBD-1C2D-4C1E-B459-B60219FAB484}" type="datetimeFigureOut">
               <a:rPr lang="ko-KR" altLang="en-US" smtClean="0"/>
-              <a:t>2019-01-02</a:t>
+              <a:t>2019-04-18</a:t>
             </a:fld>
             <a:endParaRPr lang="ko-KR" altLang="en-US"/>
           </a:p>
@@ -3542,7 +3542,7 @@
           <a:p>
             <a:fld id="{FB30EDBD-1C2D-4C1E-B459-B60219FAB484}" type="datetimeFigureOut">
               <a:rPr lang="ko-KR" altLang="en-US" smtClean="0"/>
-              <a:t>2019-01-02</a:t>
+              <a:t>2019-04-18</a:t>
             </a:fld>
             <a:endParaRPr lang="ko-KR" altLang="en-US"/>
           </a:p>
@@ -12051,7 +12051,7 @@
             <a:pPr algn="ctr"/>
             <a:r>
               <a:rPr lang="en-US" altLang="ko-KR" sz="1400"/>
-              <a:t>osid List = CRUSH(pgid)</a:t>
+              <a:t>osdid List = CRUSH(pgid)</a:t>
             </a:r>
             <a:endParaRPr lang="ko-KR" altLang="en-US" sz="1400"/>
           </a:p>
